--- a/PPT/Python15-Reflexion.pptx
+++ b/PPT/Python15-Reflexion.pptx
@@ -5,10 +5,10 @@
     <p:sldMasterId id="2147483653" r:id="rId1"/>
   </p:sldMasterIdLst>
   <p:notesMasterIdLst>
-    <p:notesMasterId r:id="rId25"/>
+    <p:notesMasterId r:id="rId24"/>
   </p:notesMasterIdLst>
   <p:handoutMasterIdLst>
-    <p:handoutMasterId r:id="rId26"/>
+    <p:handoutMasterId r:id="rId25"/>
   </p:handoutMasterIdLst>
   <p:sldIdLst>
     <p:sldId id="264" r:id="rId2"/>
@@ -23,17 +23,16 @@
     <p:sldId id="270" r:id="rId11"/>
     <p:sldId id="271" r:id="rId12"/>
     <p:sldId id="282" r:id="rId13"/>
-    <p:sldId id="272" r:id="rId14"/>
-    <p:sldId id="273" r:id="rId15"/>
-    <p:sldId id="274" r:id="rId16"/>
-    <p:sldId id="275" r:id="rId17"/>
-    <p:sldId id="276" r:id="rId18"/>
-    <p:sldId id="285" r:id="rId19"/>
-    <p:sldId id="286" r:id="rId20"/>
-    <p:sldId id="287" r:id="rId21"/>
-    <p:sldId id="277" r:id="rId22"/>
-    <p:sldId id="278" r:id="rId23"/>
-    <p:sldId id="279" r:id="rId24"/>
+    <p:sldId id="273" r:id="rId14"/>
+    <p:sldId id="274" r:id="rId15"/>
+    <p:sldId id="275" r:id="rId16"/>
+    <p:sldId id="276" r:id="rId17"/>
+    <p:sldId id="285" r:id="rId18"/>
+    <p:sldId id="286" r:id="rId19"/>
+    <p:sldId id="287" r:id="rId20"/>
+    <p:sldId id="277" r:id="rId21"/>
+    <p:sldId id="278" r:id="rId22"/>
+    <p:sldId id="279" r:id="rId23"/>
   </p:sldIdLst>
   <p:sldSz cx="9144000" cy="6858000" type="screen4x3"/>
   <p:notesSz cx="6648450" cy="9782175"/>
@@ -626,35 +625,35 @@
           <a:p>
             <a:pPr lvl="0"/>
             <a:r>
-              <a:rPr lang="fr-FR" noProof="0" smtClean="0"/>
+              <a:rPr lang="fr-FR" noProof="0"/>
               <a:t>Cliquez pour modifier les styles du texte du masque</a:t>
             </a:r>
           </a:p>
           <a:p>
             <a:pPr lvl="1"/>
             <a:r>
-              <a:rPr lang="fr-FR" noProof="0" smtClean="0"/>
+              <a:rPr lang="fr-FR" noProof="0"/>
               <a:t>Deuxième niveau</a:t>
             </a:r>
           </a:p>
           <a:p>
             <a:pPr lvl="2"/>
             <a:r>
-              <a:rPr lang="fr-FR" noProof="0" smtClean="0"/>
+              <a:rPr lang="fr-FR" noProof="0"/>
               <a:t>Troisième niveau</a:t>
             </a:r>
           </a:p>
           <a:p>
             <a:pPr lvl="3"/>
             <a:r>
-              <a:rPr lang="fr-FR" noProof="0" smtClean="0"/>
+              <a:rPr lang="fr-FR" noProof="0"/>
               <a:t>Quatrième niveau</a:t>
             </a:r>
           </a:p>
           <a:p>
             <a:pPr lvl="4"/>
             <a:r>
-              <a:rPr lang="fr-FR" noProof="0" smtClean="0"/>
+              <a:rPr lang="fr-FR" noProof="0"/>
               <a:t>Cinquième niveau</a:t>
             </a:r>
           </a:p>
@@ -942,10 +941,9 @@
           <a:lstStyle/>
           <a:p>
             <a:r>
-              <a:rPr lang="fr-FR" smtClean="0"/>
+              <a:rPr lang="fr-FR"/>
               <a:t>Cliquez pour modifier le style du titre</a:t>
             </a:r>
-            <a:endParaRPr lang="fr-FR"/>
           </a:p>
         </p:txBody>
       </p:sp>
@@ -1007,10 +1005,9 @@
           </a:lstStyle>
           <a:p>
             <a:r>
-              <a:rPr lang="fr-FR" smtClean="0"/>
+              <a:rPr lang="fr-FR"/>
               <a:t>Cliquez pour modifier le style des sous-titres du masque</a:t>
             </a:r>
-            <a:endParaRPr lang="fr-FR"/>
           </a:p>
         </p:txBody>
       </p:sp>
@@ -1065,10 +1062,9 @@
           <a:lstStyle/>
           <a:p>
             <a:r>
-              <a:rPr lang="fr-FR" smtClean="0"/>
+              <a:rPr lang="fr-FR"/>
               <a:t>Cliquez pour modifier le style du titre</a:t>
             </a:r>
-            <a:endParaRPr lang="fr-FR"/>
           </a:p>
         </p:txBody>
       </p:sp>
@@ -1094,38 +1090,37 @@
           <a:p>
             <a:pPr lvl="0"/>
             <a:r>
-              <a:rPr lang="fr-FR" smtClean="0"/>
+              <a:rPr lang="fr-FR"/>
               <a:t>Cliquez pour modifier les styles du texte du masque</a:t>
             </a:r>
           </a:p>
           <a:p>
             <a:pPr lvl="1"/>
             <a:r>
-              <a:rPr lang="fr-FR" smtClean="0"/>
+              <a:rPr lang="fr-FR"/>
               <a:t>Deuxième niveau</a:t>
             </a:r>
           </a:p>
           <a:p>
             <a:pPr lvl="2"/>
             <a:r>
-              <a:rPr lang="fr-FR" smtClean="0"/>
+              <a:rPr lang="fr-FR"/>
               <a:t>Troisième niveau</a:t>
             </a:r>
           </a:p>
           <a:p>
             <a:pPr lvl="3"/>
             <a:r>
-              <a:rPr lang="fr-FR" smtClean="0"/>
+              <a:rPr lang="fr-FR"/>
               <a:t>Quatrième niveau</a:t>
             </a:r>
           </a:p>
           <a:p>
             <a:pPr lvl="4"/>
             <a:r>
-              <a:rPr lang="fr-FR" smtClean="0"/>
+              <a:rPr lang="fr-FR"/>
               <a:t>Cinquième niveau</a:t>
             </a:r>
-            <a:endParaRPr lang="fr-FR"/>
           </a:p>
         </p:txBody>
       </p:sp>
@@ -1184,10 +1179,9 @@
           </a:lstStyle>
           <a:p>
             <a:r>
-              <a:rPr lang="fr-FR" dirty="0" smtClean="0"/>
+              <a:rPr lang="fr-FR" dirty="0"/>
               <a:t>Cliquez pour modifier le style du titre</a:t>
             </a:r>
-            <a:endParaRPr lang="fr-FR" dirty="0"/>
           </a:p>
         </p:txBody>
       </p:sp>
@@ -1213,38 +1207,37 @@
           <a:p>
             <a:pPr lvl="0"/>
             <a:r>
-              <a:rPr lang="fr-FR" dirty="0" smtClean="0"/>
+              <a:rPr lang="fr-FR" dirty="0"/>
               <a:t>Cliquez pour modifier les styles du texte du masque</a:t>
             </a:r>
           </a:p>
           <a:p>
             <a:pPr lvl="1"/>
             <a:r>
-              <a:rPr lang="fr-FR" dirty="0" smtClean="0"/>
+              <a:rPr lang="fr-FR" dirty="0"/>
               <a:t>Deuxième niveau</a:t>
             </a:r>
           </a:p>
           <a:p>
             <a:pPr lvl="2"/>
             <a:r>
-              <a:rPr lang="fr-FR" dirty="0" smtClean="0"/>
+              <a:rPr lang="fr-FR" dirty="0"/>
               <a:t>Troisième niveau</a:t>
             </a:r>
           </a:p>
           <a:p>
             <a:pPr lvl="3"/>
             <a:r>
-              <a:rPr lang="fr-FR" dirty="0" smtClean="0"/>
+              <a:rPr lang="fr-FR" dirty="0"/>
               <a:t>Quatrième niveau</a:t>
             </a:r>
           </a:p>
           <a:p>
             <a:pPr lvl="4"/>
             <a:r>
-              <a:rPr lang="fr-FR" dirty="0" smtClean="0"/>
+              <a:rPr lang="fr-FR" dirty="0"/>
               <a:t>Cinquième niveau</a:t>
             </a:r>
-            <a:endParaRPr lang="fr-FR" dirty="0"/>
           </a:p>
         </p:txBody>
       </p:sp>
@@ -1294,10 +1287,9 @@
           <a:lstStyle/>
           <a:p>
             <a:r>
-              <a:rPr lang="fr-FR" smtClean="0"/>
+              <a:rPr lang="fr-FR"/>
               <a:t>Cliquez pour modifier le style du titre</a:t>
             </a:r>
-            <a:endParaRPr lang="fr-FR"/>
           </a:p>
         </p:txBody>
       </p:sp>
@@ -1351,38 +1343,37 @@
           <a:p>
             <a:pPr lvl="0"/>
             <a:r>
-              <a:rPr lang="fr-FR" smtClean="0"/>
+              <a:rPr lang="fr-FR"/>
               <a:t>Cliquez pour modifier les styles du texte du masque</a:t>
             </a:r>
           </a:p>
           <a:p>
             <a:pPr lvl="1"/>
             <a:r>
-              <a:rPr lang="fr-FR" smtClean="0"/>
+              <a:rPr lang="fr-FR"/>
               <a:t>Deuxième niveau</a:t>
             </a:r>
           </a:p>
           <a:p>
             <a:pPr lvl="2"/>
             <a:r>
-              <a:rPr lang="fr-FR" smtClean="0"/>
+              <a:rPr lang="fr-FR"/>
               <a:t>Troisième niveau</a:t>
             </a:r>
           </a:p>
           <a:p>
             <a:pPr lvl="3"/>
             <a:r>
-              <a:rPr lang="fr-FR" smtClean="0"/>
+              <a:rPr lang="fr-FR"/>
               <a:t>Quatrième niveau</a:t>
             </a:r>
           </a:p>
           <a:p>
             <a:pPr lvl="4"/>
             <a:r>
-              <a:rPr lang="fr-FR" smtClean="0"/>
+              <a:rPr lang="fr-FR"/>
               <a:t>Cinquième niveau</a:t>
             </a:r>
-            <a:endParaRPr lang="fr-FR"/>
           </a:p>
         </p:txBody>
       </p:sp>
@@ -1436,38 +1427,37 @@
           <a:p>
             <a:pPr lvl="0"/>
             <a:r>
-              <a:rPr lang="fr-FR" smtClean="0"/>
+              <a:rPr lang="fr-FR"/>
               <a:t>Cliquez pour modifier les styles du texte du masque</a:t>
             </a:r>
           </a:p>
           <a:p>
             <a:pPr lvl="1"/>
             <a:r>
-              <a:rPr lang="fr-FR" smtClean="0"/>
+              <a:rPr lang="fr-FR"/>
               <a:t>Deuxième niveau</a:t>
             </a:r>
           </a:p>
           <a:p>
             <a:pPr lvl="2"/>
             <a:r>
-              <a:rPr lang="fr-FR" smtClean="0"/>
+              <a:rPr lang="fr-FR"/>
               <a:t>Troisième niveau</a:t>
             </a:r>
           </a:p>
           <a:p>
             <a:pPr lvl="3"/>
             <a:r>
-              <a:rPr lang="fr-FR" smtClean="0"/>
+              <a:rPr lang="fr-FR"/>
               <a:t>Quatrième niveau</a:t>
             </a:r>
           </a:p>
           <a:p>
             <a:pPr lvl="4"/>
             <a:r>
-              <a:rPr lang="fr-FR" smtClean="0"/>
+              <a:rPr lang="fr-FR"/>
               <a:t>Cinquième niveau</a:t>
             </a:r>
-            <a:endParaRPr lang="fr-FR"/>
           </a:p>
         </p:txBody>
       </p:sp>
@@ -1526,10 +1516,9 @@
           </a:lstStyle>
           <a:p>
             <a:r>
-              <a:rPr lang="fr-FR" smtClean="0"/>
+              <a:rPr lang="fr-FR"/>
               <a:t>Cliquez pour modifier le style du titre</a:t>
             </a:r>
-            <a:endParaRPr lang="fr-FR"/>
           </a:p>
         </p:txBody>
       </p:sp>
@@ -1592,7 +1581,7 @@
           <a:p>
             <a:pPr lvl="0"/>
             <a:r>
-              <a:rPr lang="fr-FR" smtClean="0"/>
+              <a:rPr lang="fr-FR"/>
               <a:t>Cliquez pour modifier les styles du texte du masque</a:t>
             </a:r>
           </a:p>
@@ -1648,38 +1637,37 @@
           <a:p>
             <a:pPr lvl="0"/>
             <a:r>
-              <a:rPr lang="fr-FR" smtClean="0"/>
+              <a:rPr lang="fr-FR"/>
               <a:t>Cliquez pour modifier les styles du texte du masque</a:t>
             </a:r>
           </a:p>
           <a:p>
             <a:pPr lvl="1"/>
             <a:r>
-              <a:rPr lang="fr-FR" smtClean="0"/>
+              <a:rPr lang="fr-FR"/>
               <a:t>Deuxième niveau</a:t>
             </a:r>
           </a:p>
           <a:p>
             <a:pPr lvl="2"/>
             <a:r>
-              <a:rPr lang="fr-FR" smtClean="0"/>
+              <a:rPr lang="fr-FR"/>
               <a:t>Troisième niveau</a:t>
             </a:r>
           </a:p>
           <a:p>
             <a:pPr lvl="3"/>
             <a:r>
-              <a:rPr lang="fr-FR" smtClean="0"/>
+              <a:rPr lang="fr-FR"/>
               <a:t>Quatrième niveau</a:t>
             </a:r>
           </a:p>
           <a:p>
             <a:pPr lvl="4"/>
             <a:r>
-              <a:rPr lang="fr-FR" smtClean="0"/>
+              <a:rPr lang="fr-FR"/>
               <a:t>Cinquième niveau</a:t>
             </a:r>
-            <a:endParaRPr lang="fr-FR"/>
           </a:p>
         </p:txBody>
       </p:sp>
@@ -1742,7 +1730,7 @@
           <a:p>
             <a:pPr lvl="0"/>
             <a:r>
-              <a:rPr lang="fr-FR" smtClean="0"/>
+              <a:rPr lang="fr-FR"/>
               <a:t>Cliquez pour modifier les styles du texte du masque</a:t>
             </a:r>
           </a:p>
@@ -1798,38 +1786,37 @@
           <a:p>
             <a:pPr lvl="0"/>
             <a:r>
-              <a:rPr lang="fr-FR" smtClean="0"/>
+              <a:rPr lang="fr-FR"/>
               <a:t>Cliquez pour modifier les styles du texte du masque</a:t>
             </a:r>
           </a:p>
           <a:p>
             <a:pPr lvl="1"/>
             <a:r>
-              <a:rPr lang="fr-FR" smtClean="0"/>
+              <a:rPr lang="fr-FR"/>
               <a:t>Deuxième niveau</a:t>
             </a:r>
           </a:p>
           <a:p>
             <a:pPr lvl="2"/>
             <a:r>
-              <a:rPr lang="fr-FR" smtClean="0"/>
+              <a:rPr lang="fr-FR"/>
               <a:t>Troisième niveau</a:t>
             </a:r>
           </a:p>
           <a:p>
             <a:pPr lvl="3"/>
             <a:r>
-              <a:rPr lang="fr-FR" smtClean="0"/>
+              <a:rPr lang="fr-FR"/>
               <a:t>Quatrième niveau</a:t>
             </a:r>
           </a:p>
           <a:p>
             <a:pPr lvl="4"/>
             <a:r>
-              <a:rPr lang="fr-FR" smtClean="0"/>
+              <a:rPr lang="fr-FR"/>
               <a:t>Cinquième niveau</a:t>
             </a:r>
-            <a:endParaRPr lang="fr-FR"/>
           </a:p>
         </p:txBody>
       </p:sp>
@@ -1879,10 +1866,9 @@
           <a:lstStyle/>
           <a:p>
             <a:r>
-              <a:rPr lang="fr-FR" smtClean="0"/>
+              <a:rPr lang="fr-FR"/>
               <a:t>Cliquez pour modifier le style du titre</a:t>
             </a:r>
-            <a:endParaRPr lang="fr-FR"/>
           </a:p>
         </p:txBody>
       </p:sp>
@@ -1971,10 +1957,9 @@
           </a:lstStyle>
           <a:p>
             <a:r>
-              <a:rPr lang="fr-FR" smtClean="0"/>
+              <a:rPr lang="fr-FR"/>
               <a:t>Cliquez pour modifier le style du titre</a:t>
             </a:r>
-            <a:endParaRPr lang="fr-FR"/>
           </a:p>
         </p:txBody>
       </p:sp>
@@ -2028,38 +2013,37 @@
           <a:p>
             <a:pPr lvl="0"/>
             <a:r>
-              <a:rPr lang="fr-FR" smtClean="0"/>
+              <a:rPr lang="fr-FR"/>
               <a:t>Cliquez pour modifier les styles du texte du masque</a:t>
             </a:r>
           </a:p>
           <a:p>
             <a:pPr lvl="1"/>
             <a:r>
-              <a:rPr lang="fr-FR" smtClean="0"/>
+              <a:rPr lang="fr-FR"/>
               <a:t>Deuxième niveau</a:t>
             </a:r>
           </a:p>
           <a:p>
             <a:pPr lvl="2"/>
             <a:r>
-              <a:rPr lang="fr-FR" smtClean="0"/>
+              <a:rPr lang="fr-FR"/>
               <a:t>Troisième niveau</a:t>
             </a:r>
           </a:p>
           <a:p>
             <a:pPr lvl="3"/>
             <a:r>
-              <a:rPr lang="fr-FR" smtClean="0"/>
+              <a:rPr lang="fr-FR"/>
               <a:t>Quatrième niveau</a:t>
             </a:r>
           </a:p>
           <a:p>
             <a:pPr lvl="4"/>
             <a:r>
-              <a:rPr lang="fr-FR" smtClean="0"/>
+              <a:rPr lang="fr-FR"/>
               <a:t>Cinquième niveau</a:t>
             </a:r>
-            <a:endParaRPr lang="fr-FR"/>
           </a:p>
         </p:txBody>
       </p:sp>
@@ -2122,7 +2106,7 @@
           <a:p>
             <a:pPr lvl="0"/>
             <a:r>
-              <a:rPr lang="fr-FR" smtClean="0"/>
+              <a:rPr lang="fr-FR"/>
               <a:t>Cliquez pour modifier les styles du texte du masque</a:t>
             </a:r>
           </a:p>
@@ -2183,10 +2167,9 @@
           </a:lstStyle>
           <a:p>
             <a:r>
-              <a:rPr lang="fr-FR" smtClean="0"/>
+              <a:rPr lang="fr-FR"/>
               <a:t>Cliquez pour modifier le style du titre</a:t>
             </a:r>
-            <a:endParaRPr lang="fr-FR"/>
           </a:p>
         </p:txBody>
       </p:sp>
@@ -2248,7 +2231,7 @@
           </a:lstStyle>
           <a:p>
             <a:pPr lvl="0"/>
-            <a:endParaRPr lang="fr-FR" noProof="0" smtClean="0"/>
+            <a:endParaRPr lang="fr-FR" noProof="0"/>
           </a:p>
         </p:txBody>
       </p:sp>
@@ -2311,7 +2294,7 @@
           <a:p>
             <a:pPr lvl="0"/>
             <a:r>
-              <a:rPr lang="fr-FR" smtClean="0"/>
+              <a:rPr lang="fr-FR"/>
               <a:t>Cliquez pour modifier les styles du texte du masque</a:t>
             </a:r>
           </a:p>
@@ -2363,10 +2346,9 @@
           <a:lstStyle/>
           <a:p>
             <a:r>
-              <a:rPr lang="fr-FR" smtClean="0"/>
+              <a:rPr lang="fr-FR"/>
               <a:t>Cliquez pour modifier le style du titre</a:t>
             </a:r>
-            <a:endParaRPr lang="fr-FR"/>
           </a:p>
         </p:txBody>
       </p:sp>
@@ -2387,38 +2369,37 @@
           <a:p>
             <a:pPr lvl="0"/>
             <a:r>
-              <a:rPr lang="fr-FR" smtClean="0"/>
+              <a:rPr lang="fr-FR"/>
               <a:t>Cliquez pour modifier les styles du texte du masque</a:t>
             </a:r>
           </a:p>
           <a:p>
             <a:pPr lvl="1"/>
             <a:r>
-              <a:rPr lang="fr-FR" smtClean="0"/>
+              <a:rPr lang="fr-FR"/>
               <a:t>Deuxième niveau</a:t>
             </a:r>
           </a:p>
           <a:p>
             <a:pPr lvl="2"/>
             <a:r>
-              <a:rPr lang="fr-FR" smtClean="0"/>
+              <a:rPr lang="fr-FR"/>
               <a:t>Troisième niveau</a:t>
             </a:r>
           </a:p>
           <a:p>
             <a:pPr lvl="3"/>
             <a:r>
-              <a:rPr lang="fr-FR" smtClean="0"/>
+              <a:rPr lang="fr-FR"/>
               <a:t>Quatrième niveau</a:t>
             </a:r>
           </a:p>
           <a:p>
             <a:pPr lvl="4"/>
             <a:r>
-              <a:rPr lang="fr-FR" smtClean="0"/>
+              <a:rPr lang="fr-FR"/>
               <a:t>Cinquième niveau</a:t>
             </a:r>
-            <a:endParaRPr lang="fr-FR"/>
           </a:p>
         </p:txBody>
       </p:sp>
@@ -2599,7 +2580,7 @@
             <a:pPr eaLnBrk="1" hangingPunct="1">
               <a:defRPr/>
             </a:pPr>
-            <a:endParaRPr lang="fr-FR" altLang="fr-FR" smtClean="0"/>
+            <a:endParaRPr lang="fr-FR" altLang="fr-FR"/>
           </a:p>
         </p:txBody>
       </p:sp>
@@ -2753,7 +2734,7 @@
               <a:defRPr/>
             </a:pPr>
             <a:r>
-              <a:rPr lang="fr-FR" sz="1200" dirty="0" smtClean="0"/>
+              <a:rPr lang="fr-FR" sz="1200" dirty="0"/>
               <a:t>Page </a:t>
             </a:r>
             <a:fld id="{E218E9B1-FD08-4C80-902E-210BA2967D0D}" type="slidenum">
@@ -2766,7 +2747,7 @@
               </a:pPr>
               <a:t>‹N°›</a:t>
             </a:fld>
-            <a:endParaRPr lang="fr-FR" dirty="0" smtClean="0">
+            <a:endParaRPr lang="fr-FR" dirty="0">
               <a:latin typeface="Times New Roman" pitchFamily="18" charset="0"/>
             </a:endParaRPr>
           </a:p>
@@ -2922,10 +2903,10 @@
               <a:defRPr/>
             </a:pPr>
             <a:r>
-              <a:rPr lang="fr-FR" sz="1600" dirty="0" smtClean="0"/>
+              <a:rPr lang="fr-FR" sz="1600" dirty="0"/>
               <a:t>Python</a:t>
             </a:r>
-            <a:endParaRPr lang="fr-FR" dirty="0" smtClean="0">
+            <a:endParaRPr lang="fr-FR" dirty="0">
               <a:latin typeface="Times New Roman" pitchFamily="18" charset="0"/>
             </a:endParaRPr>
           </a:p>
@@ -2983,7 +2964,7 @@
           <a:p>
             <a:pPr lvl="0"/>
             <a:r>
-              <a:rPr lang="fr-FR" altLang="fr-FR" smtClean="0"/>
+              <a:rPr lang="fr-FR" altLang="fr-FR"/>
               <a:t>Cliquez pour modifier le style du titre du masque</a:t>
             </a:r>
           </a:p>
@@ -3041,35 +3022,35 @@
           <a:p>
             <a:pPr lvl="0"/>
             <a:r>
-              <a:rPr lang="fr-FR" altLang="fr-FR" smtClean="0"/>
+              <a:rPr lang="fr-FR" altLang="fr-FR"/>
               <a:t>Cliquez pour modifier les styles du texte du masque</a:t>
             </a:r>
           </a:p>
           <a:p>
             <a:pPr lvl="1"/>
             <a:r>
-              <a:rPr lang="fr-FR" altLang="fr-FR" smtClean="0"/>
+              <a:rPr lang="fr-FR" altLang="fr-FR"/>
               <a:t>Deuxième niveau</a:t>
             </a:r>
           </a:p>
           <a:p>
             <a:pPr lvl="2"/>
             <a:r>
-              <a:rPr lang="fr-FR" altLang="fr-FR" smtClean="0"/>
+              <a:rPr lang="fr-FR" altLang="fr-FR"/>
               <a:t>Troisième niveau</a:t>
             </a:r>
           </a:p>
           <a:p>
             <a:pPr lvl="3"/>
             <a:r>
-              <a:rPr lang="fr-FR" altLang="fr-FR" smtClean="0"/>
+              <a:rPr lang="fr-FR" altLang="fr-FR"/>
               <a:t>Quatrième niveau</a:t>
             </a:r>
           </a:p>
           <a:p>
             <a:pPr lvl="4"/>
             <a:r>
-              <a:rPr lang="fr-FR" altLang="fr-FR" smtClean="0"/>
+              <a:rPr lang="fr-FR" altLang="fr-FR"/>
               <a:t>Cinquième niveau</a:t>
             </a:r>
           </a:p>
@@ -3225,10 +3206,10 @@
               <a:defRPr/>
             </a:pPr>
             <a:r>
-              <a:rPr lang="fr-FR" sz="1200" smtClean="0"/>
+              <a:rPr lang="fr-FR" sz="1200"/>
               <a:t>© Cyril Vincent Conseil</a:t>
             </a:r>
-            <a:endParaRPr lang="fr-FR" smtClean="0">
+            <a:endParaRPr lang="fr-FR">
               <a:latin typeface="Times New Roman" pitchFamily="18" charset="0"/>
             </a:endParaRPr>
           </a:p>
@@ -3710,18 +3691,18 @@
           <a:p>
             <a:pPr eaLnBrk="1" hangingPunct="1"/>
             <a:r>
-              <a:rPr lang="fr-FR" altLang="fr-FR" smtClean="0"/>
+              <a:rPr lang="fr-FR" altLang="fr-FR"/>
               <a:t>Chapitre 15</a:t>
             </a:r>
-            <a:endParaRPr lang="fr-FR" altLang="fr-FR" dirty="0" smtClean="0"/>
+            <a:endParaRPr lang="fr-FR" altLang="fr-FR" dirty="0"/>
           </a:p>
           <a:p>
             <a:pPr eaLnBrk="1" hangingPunct="1"/>
             <a:r>
-              <a:rPr lang="fr-FR" altLang="fr-FR" dirty="0" err="1" smtClean="0"/>
+              <a:rPr lang="fr-FR" altLang="fr-FR" dirty="0" err="1"/>
               <a:t>Reflexion</a:t>
             </a:r>
-            <a:endParaRPr lang="fr-FR" altLang="fr-FR" dirty="0" smtClean="0"/>
+            <a:endParaRPr lang="fr-FR" altLang="fr-FR" dirty="0"/>
           </a:p>
         </p:txBody>
       </p:sp>
@@ -3771,13 +3752,6 @@
   <p:clrMapOvr>
     <a:masterClrMapping/>
   </p:clrMapOvr>
-  <p:timing>
-    <p:tnLst>
-      <p:par>
-        <p:cTn id="1" dur="indefinite" restart="never" nodeType="tmRoot"/>
-      </p:par>
-    </p:tnLst>
-  </p:timing>
 </p:sld>
 </file>
 
@@ -3814,18 +3788,17 @@
           <a:lstStyle/>
           <a:p>
             <a:r>
-              <a:rPr lang="fr-FR" dirty="0" smtClean="0"/>
+              <a:rPr lang="fr-FR" dirty="0"/>
               <a:t>__</a:t>
             </a:r>
             <a:r>
-              <a:rPr lang="fr-FR" dirty="0" err="1" smtClean="0"/>
+              <a:rPr lang="fr-FR" dirty="0" err="1"/>
               <a:t>setattr</a:t>
             </a:r>
             <a:r>
-              <a:rPr lang="fr-FR" dirty="0" smtClean="0"/>
+              <a:rPr lang="fr-FR" dirty="0"/>
               <a:t>__</a:t>
             </a:r>
-            <a:endParaRPr lang="fr-FR" dirty="0"/>
           </a:p>
         </p:txBody>
       </p:sp>
@@ -3845,10 +3818,9 @@
           <a:lstStyle/>
           <a:p>
             <a:r>
-              <a:rPr lang="fr-FR" dirty="0" smtClean="0"/>
+              <a:rPr lang="fr-FR" dirty="0"/>
               <a:t>C’est la méthode qui est appelée lorsque Python accède à un attribut en écriture</a:t>
             </a:r>
-            <a:endParaRPr lang="fr-FR" dirty="0"/>
           </a:p>
         </p:txBody>
       </p:sp>
@@ -3886,13 +3858,6 @@
   <p:clrMapOvr>
     <a:masterClrMapping/>
   </p:clrMapOvr>
-  <p:timing>
-    <p:tnLst>
-      <p:par>
-        <p:cTn id="1" dur="indefinite" restart="never" nodeType="tmRoot"/>
-      </p:par>
-    </p:tnLst>
-  </p:timing>
 </p:sld>
 </file>
 
@@ -3929,18 +3894,17 @@
           <a:lstStyle/>
           <a:p>
             <a:r>
-              <a:rPr lang="fr-FR" dirty="0" smtClean="0"/>
+              <a:rPr lang="fr-FR" dirty="0"/>
               <a:t>__</a:t>
             </a:r>
             <a:r>
-              <a:rPr lang="fr-FR" dirty="0" err="1" smtClean="0"/>
+              <a:rPr lang="fr-FR" dirty="0" err="1"/>
               <a:t>delattr</a:t>
             </a:r>
             <a:r>
-              <a:rPr lang="fr-FR" dirty="0" smtClean="0"/>
+              <a:rPr lang="fr-FR" dirty="0"/>
               <a:t>__</a:t>
             </a:r>
-            <a:endParaRPr lang="fr-FR" dirty="0"/>
           </a:p>
         </p:txBody>
       </p:sp>
@@ -3960,10 +3924,9 @@
           <a:lstStyle/>
           <a:p>
             <a:r>
-              <a:rPr lang="fr-FR" dirty="0" smtClean="0"/>
+              <a:rPr lang="fr-FR" dirty="0"/>
               <a:t>Méthode appelée pour effacer un attribut</a:t>
             </a:r>
-            <a:endParaRPr lang="fr-FR" dirty="0"/>
           </a:p>
         </p:txBody>
       </p:sp>
@@ -4001,13 +3964,6 @@
   <p:clrMapOvr>
     <a:masterClrMapping/>
   </p:clrMapOvr>
-  <p:timing>
-    <p:tnLst>
-      <p:par>
-        <p:cTn id="1" dur="indefinite" restart="never" nodeType="tmRoot"/>
-      </p:par>
-    </p:tnLst>
-  </p:timing>
 </p:sld>
 </file>
 
@@ -4044,18 +4000,17 @@
           <a:lstStyle/>
           <a:p>
             <a:r>
-              <a:rPr lang="fr-FR" dirty="0" smtClean="0"/>
+              <a:rPr lang="fr-FR" dirty="0"/>
               <a:t>__</a:t>
             </a:r>
             <a:r>
-              <a:rPr lang="fr-FR" dirty="0" err="1" smtClean="0"/>
+              <a:rPr lang="fr-FR" dirty="0" err="1"/>
               <a:t>dict</a:t>
             </a:r>
             <a:r>
-              <a:rPr lang="fr-FR" dirty="0" smtClean="0"/>
+              <a:rPr lang="fr-FR" dirty="0"/>
               <a:t>__</a:t>
             </a:r>
-            <a:endParaRPr lang="fr-FR" dirty="0"/>
           </a:p>
         </p:txBody>
       </p:sp>
@@ -4075,7 +4030,7 @@
           <a:lstStyle/>
           <a:p>
             <a:r>
-              <a:rPr lang="fr-FR" dirty="0" smtClean="0"/>
+              <a:rPr lang="fr-FR" dirty="0"/>
               <a:t>Une classe est en fait un dictionnaire</a:t>
             </a:r>
           </a:p>
@@ -4098,17 +4053,13 @@
             </a:r>
             <a:r>
               <a:rPr lang="fr-FR" dirty="0"/>
-              <a:t>] = </a:t>
-            </a:r>
-            <a:r>
-              <a:rPr lang="fr-FR" dirty="0" smtClean="0"/>
-              <a:t>value</a:t>
+              <a:t>] = value</a:t>
             </a:r>
           </a:p>
           <a:p>
             <a:pPr lvl="1"/>
             <a:r>
-              <a:rPr lang="fr-FR" dirty="0" smtClean="0"/>
+              <a:rPr lang="fr-FR" dirty="0"/>
               <a:t>Est équivalent à</a:t>
             </a:r>
           </a:p>
@@ -4124,67 +4075,63 @@
             </a:r>
             <a:r>
               <a:rPr lang="en-US" dirty="0"/>
-              <a:t>__(self, name, value</a:t>
-            </a:r>
-            <a:r>
-              <a:rPr lang="en-US" dirty="0" smtClean="0"/>
-              <a:t>)</a:t>
-            </a:r>
-          </a:p>
-          <a:p>
-            <a:r>
-              <a:rPr lang="en-US" dirty="0" smtClean="0"/>
+              <a:t>__(self, name, value)</a:t>
+            </a:r>
+          </a:p>
+          <a:p>
+            <a:r>
+              <a:rPr lang="en-US" dirty="0"/>
               <a:t>Les supers classes </a:t>
             </a:r>
             <a:r>
-              <a:rPr lang="en-US" dirty="0" err="1" smtClean="0"/>
+              <a:rPr lang="en-US" dirty="0" err="1"/>
               <a:t>sont</a:t>
             </a:r>
             <a:r>
-              <a:rPr lang="en-US" dirty="0" smtClean="0"/>
+              <a:rPr lang="en-US" dirty="0"/>
               <a:t> </a:t>
             </a:r>
             <a:r>
-              <a:rPr lang="en-US" dirty="0" err="1" smtClean="0"/>
+              <a:rPr lang="en-US" dirty="0" err="1"/>
               <a:t>stockées</a:t>
             </a:r>
             <a:r>
-              <a:rPr lang="en-US" dirty="0" smtClean="0"/>
+              <a:rPr lang="en-US" dirty="0"/>
               <a:t> </a:t>
             </a:r>
             <a:r>
-              <a:rPr lang="en-US" dirty="0" err="1" smtClean="0"/>
+              <a:rPr lang="en-US" dirty="0" err="1"/>
               <a:t>dans</a:t>
             </a:r>
             <a:r>
-              <a:rPr lang="en-US" dirty="0" smtClean="0"/>
+              <a:rPr lang="en-US" dirty="0"/>
               <a:t> </a:t>
             </a:r>
             <a:r>
-              <a:rPr lang="en-US" dirty="0" err="1" smtClean="0"/>
+              <a:rPr lang="en-US" dirty="0" err="1"/>
               <a:t>une</a:t>
             </a:r>
             <a:r>
-              <a:rPr lang="en-US" dirty="0" smtClean="0"/>
+              <a:rPr lang="en-US" dirty="0"/>
               <a:t> </a:t>
             </a:r>
             <a:r>
-              <a:rPr lang="en-US" dirty="0" err="1" smtClean="0"/>
+              <a:rPr lang="en-US" dirty="0" err="1"/>
               <a:t>liste</a:t>
             </a:r>
             <a:r>
-              <a:rPr lang="en-US" dirty="0" smtClean="0"/>
+              <a:rPr lang="en-US" dirty="0"/>
               <a:t> </a:t>
             </a:r>
             <a:r>
-              <a:rPr lang="en-US" dirty="0" err="1" smtClean="0"/>
+              <a:rPr lang="en-US" dirty="0" err="1"/>
               <a:t>nommée</a:t>
             </a:r>
             <a:r>
-              <a:rPr lang="en-US" dirty="0" smtClean="0"/>
+              <a:rPr lang="en-US" dirty="0"/>
               <a:t> __bases__</a:t>
             </a:r>
-            <a:endParaRPr lang="fr-FR" dirty="0" smtClean="0"/>
+            <a:endParaRPr lang="fr-FR" dirty="0"/>
           </a:p>
           <a:p>
             <a:endParaRPr lang="fr-FR" dirty="0"/>
@@ -4237,10 +4184,9 @@
           <a:lstStyle/>
           <a:p>
             <a:r>
-              <a:rPr lang="fr-FR" dirty="0" smtClean="0"/>
-              <a:t>Accès aux attributs par string</a:t>
-            </a:r>
-            <a:endParaRPr lang="fr-FR" dirty="0"/>
+              <a:rPr lang="fr-FR" dirty="0"/>
+              <a:t>Indexes d’objet</a:t>
+            </a:r>
           </a:p>
         </p:txBody>
       </p:sp>
@@ -4260,119 +4206,8 @@
           <a:lstStyle/>
           <a:p>
             <a:r>
-              <a:rPr lang="fr-FR" dirty="0" smtClean="0"/>
-              <a:t>Il est possible d’accéder aux attributs d’un objet par le nom de l’attribut en string</a:t>
-            </a:r>
-            <a:endParaRPr lang="fr-FR" dirty="0"/>
-          </a:p>
-        </p:txBody>
-      </p:sp>
-      <p:pic>
-        <p:nvPicPr>
-          <p:cNvPr id="4" name="Image 3"/>
-          <p:cNvPicPr>
-            <a:picLocks noChangeAspect="1"/>
-          </p:cNvPicPr>
-          <p:nvPr/>
-        </p:nvPicPr>
-        <p:blipFill>
-          <a:blip r:embed="rId2"/>
-          <a:stretch>
-            <a:fillRect/>
-          </a:stretch>
-        </p:blipFill>
-        <p:spPr>
-          <a:xfrm>
-            <a:off x="539551" y="2708920"/>
-            <a:ext cx="7980887" cy="1080120"/>
-          </a:xfrm>
-          <a:prstGeom prst="rect">
-            <a:avLst/>
-          </a:prstGeom>
-        </p:spPr>
-      </p:pic>
-    </p:spTree>
-    <p:extLst>
-      <p:ext uri="{BB962C8B-B14F-4D97-AF65-F5344CB8AC3E}">
-        <p14:creationId xmlns:p14="http://schemas.microsoft.com/office/powerpoint/2010/main" val="2713487780"/>
-      </p:ext>
-    </p:extLst>
-  </p:cSld>
-  <p:clrMapOvr>
-    <a:masterClrMapping/>
-  </p:clrMapOvr>
-  <p:timing>
-    <p:tnLst>
-      <p:par>
-        <p:cTn id="1" dur="indefinite" restart="never" nodeType="tmRoot"/>
-      </p:par>
-    </p:tnLst>
-  </p:timing>
-</p:sld>
-</file>
-
-<file path=ppt/slides/slide14.xml><?xml version="1.0" encoding="utf-8"?>
-<p:sld xmlns:a="http://schemas.openxmlformats.org/drawingml/2006/main" xmlns:r="http://schemas.openxmlformats.org/officeDocument/2006/relationships" xmlns:p="http://schemas.openxmlformats.org/presentationml/2006/main">
-  <p:cSld>
-    <p:spTree>
-      <p:nvGrpSpPr>
-        <p:cNvPr id="1" name=""/>
-        <p:cNvGrpSpPr/>
-        <p:nvPr/>
-      </p:nvGrpSpPr>
-      <p:grpSpPr>
-        <a:xfrm>
-          <a:off x="0" y="0"/>
-          <a:ext cx="0" cy="0"/>
-          <a:chOff x="0" y="0"/>
-          <a:chExt cx="0" cy="0"/>
-        </a:xfrm>
-      </p:grpSpPr>
-      <p:sp>
-        <p:nvSpPr>
-          <p:cNvPr id="2" name="Titre 1"/>
-          <p:cNvSpPr>
-            <a:spLocks noGrp="1"/>
-          </p:cNvSpPr>
-          <p:nvPr>
-            <p:ph type="title"/>
-          </p:nvPr>
-        </p:nvSpPr>
-        <p:spPr/>
-        <p:txBody>
-          <a:bodyPr/>
-          <a:lstStyle/>
-          <a:p>
-            <a:r>
-              <a:rPr lang="fr-FR" dirty="0" smtClean="0"/>
-              <a:t>Indexes d’objet</a:t>
-            </a:r>
-            <a:endParaRPr lang="fr-FR" dirty="0"/>
-          </a:p>
-        </p:txBody>
-      </p:sp>
-      <p:sp>
-        <p:nvSpPr>
-          <p:cNvPr id="3" name="Espace réservé du contenu 2"/>
-          <p:cNvSpPr>
-            <a:spLocks noGrp="1"/>
-          </p:cNvSpPr>
-          <p:nvPr>
-            <p:ph idx="1"/>
-          </p:nvPr>
-        </p:nvSpPr>
-        <p:spPr/>
-        <p:txBody>
-          <a:bodyPr/>
-          <a:lstStyle/>
-          <a:p>
-            <a:r>
-              <a:rPr lang="fr-FR" dirty="0" smtClean="0"/>
-              <a:t>Les méthodes </a:t>
-            </a:r>
-            <a:r>
-              <a:rPr lang="fr-FR" dirty="0"/>
-              <a:t>que nous allons voir sont __</a:t>
+              <a:rPr lang="fr-FR" dirty="0"/>
+              <a:t>Les méthodes que nous allons voir sont __</a:t>
             </a:r>
             <a:r>
               <a:rPr lang="fr-FR" dirty="0" err="1"/>
@@ -4395,24 +4230,15 @@
               <a:t>delitem</a:t>
             </a:r>
             <a:r>
-              <a:rPr lang="fr-FR" dirty="0" smtClean="0"/>
+              <a:rPr lang="fr-FR" dirty="0"/>
               <a:t>__</a:t>
             </a:r>
           </a:p>
           <a:p>
             <a:r>
-              <a:rPr lang="fr-FR" dirty="0" smtClean="0"/>
-              <a:t>Elles </a:t>
-            </a:r>
-            <a:r>
-              <a:rPr lang="fr-FR" dirty="0"/>
-              <a:t>servent respectivement à définir quoi faire quand on écrit </a:t>
-            </a:r>
-            <a:r>
-              <a:rPr lang="fr-FR" dirty="0" smtClean="0"/>
-              <a:t>:</a:t>
-            </a:r>
-            <a:endParaRPr lang="fr-FR" dirty="0"/>
+              <a:rPr lang="fr-FR" dirty="0"/>
+              <a:t>Elles servent respectivement à définir quoi faire quand on écrit :</a:t>
+            </a:r>
           </a:p>
           <a:p>
             <a:pPr lvl="1"/>
@@ -4475,17 +4301,10 @@
   <p:clrMapOvr>
     <a:masterClrMapping/>
   </p:clrMapOvr>
-  <p:timing>
-    <p:tnLst>
-      <p:par>
-        <p:cTn id="1" dur="indefinite" restart="never" nodeType="tmRoot"/>
-      </p:par>
-    </p:tnLst>
-  </p:timing>
 </p:sld>
 </file>
 
-<file path=ppt/slides/slide15.xml><?xml version="1.0" encoding="utf-8"?>
+<file path=ppt/slides/slide14.xml><?xml version="1.0" encoding="utf-8"?>
 <p:sld xmlns:a="http://schemas.openxmlformats.org/drawingml/2006/main" xmlns:r="http://schemas.openxmlformats.org/officeDocument/2006/relationships" xmlns:p="http://schemas.openxmlformats.org/presentationml/2006/main">
   <p:cSld>
     <p:spTree>
@@ -4518,11 +4337,11 @@
           <a:lstStyle/>
           <a:p>
             <a:r>
-              <a:rPr lang="fr-FR" dirty="0" smtClean="0"/>
+              <a:rPr lang="fr-FR" dirty="0"/>
               <a:t>In et </a:t>
             </a:r>
             <a:r>
-              <a:rPr lang="fr-FR" dirty="0" err="1" smtClean="0"/>
+              <a:rPr lang="fr-FR" dirty="0" err="1"/>
               <a:t>contains</a:t>
             </a:r>
             <a:endParaRPr lang="fr-FR" dirty="0"/>
@@ -4554,90 +4373,86 @@
             </a:r>
             <a:r>
               <a:rPr lang="fr-FR" dirty="0"/>
-              <a:t>__, qui est utilisée quand on souhaite savoir si un objet se trouve dans </a:t>
-            </a:r>
-            <a:r>
-              <a:rPr lang="fr-FR" dirty="0" smtClean="0"/>
-              <a:t>une classe</a:t>
+              <a:t>__, qui est utilisée quand on souhaite savoir si un objet se trouve dans une classe</a:t>
             </a:r>
           </a:p>
           <a:p>
             <a:endParaRPr lang="fr-FR" dirty="0"/>
           </a:p>
           <a:p>
-            <a:endParaRPr lang="fr-FR" dirty="0" smtClean="0"/>
-          </a:p>
-          <a:p>
             <a:endParaRPr lang="fr-FR" dirty="0"/>
           </a:p>
           <a:p>
-            <a:r>
-              <a:rPr lang="fr-FR" dirty="0" smtClean="0"/>
+            <a:endParaRPr lang="fr-FR" dirty="0"/>
+          </a:p>
+          <a:p>
+            <a:r>
+              <a:rPr lang="fr-FR" dirty="0"/>
               <a:t>Nombre d’élément de la classe</a:t>
             </a:r>
           </a:p>
           <a:p>
             <a:pPr lvl="1"/>
             <a:r>
-              <a:rPr lang="fr-FR" dirty="0" smtClean="0"/>
+              <a:rPr lang="fr-FR" dirty="0"/>
               <a:t>Len()</a:t>
             </a:r>
           </a:p>
           <a:p>
             <a:pPr lvl="1"/>
             <a:r>
-              <a:rPr lang="fr-FR" dirty="0" smtClean="0"/>
+              <a:rPr lang="fr-FR" dirty="0"/>
               <a:t>Redéfinir __</a:t>
             </a:r>
             <a:r>
-              <a:rPr lang="fr-FR" dirty="0" err="1" smtClean="0"/>
+              <a:rPr lang="fr-FR" dirty="0" err="1"/>
               <a:t>len</a:t>
             </a:r>
             <a:r>
-              <a:rPr lang="fr-FR" dirty="0" smtClean="0"/>
+              <a:rPr lang="fr-FR" dirty="0"/>
               <a:t>__</a:t>
             </a:r>
           </a:p>
           <a:p>
             <a:pPr lvl="1"/>
             <a:r>
-              <a:rPr lang="fr-FR" dirty="0" smtClean="0"/>
+              <a:rPr lang="fr-FR" dirty="0"/>
               <a:t>Len(</a:t>
             </a:r>
             <a:r>
-              <a:rPr lang="fr-FR" dirty="0" err="1" smtClean="0"/>
+              <a:rPr lang="fr-FR" dirty="0" err="1"/>
               <a:t>object</a:t>
             </a:r>
             <a:r>
-              <a:rPr lang="fr-FR" dirty="0" smtClean="0"/>
+              <a:rPr lang="fr-FR" dirty="0"/>
               <a:t>) </a:t>
             </a:r>
             <a:r>
-              <a:rPr lang="fr-FR" dirty="0" smtClean="0">
+              <a:rPr lang="fr-FR" dirty="0">
                 <a:sym typeface="Wingdings" panose="05000000000000000000" pitchFamily="2" charset="2"/>
               </a:rPr>
               <a:t> </a:t>
             </a:r>
             <a:r>
-              <a:rPr lang="fr-FR" dirty="0" err="1" smtClean="0">
+              <a:rPr lang="fr-FR" dirty="0" err="1">
                 <a:sym typeface="Wingdings" panose="05000000000000000000" pitchFamily="2" charset="2"/>
               </a:rPr>
               <a:t>object</a:t>
             </a:r>
             <a:r>
-              <a:rPr lang="fr-FR" dirty="0" smtClean="0">
+              <a:rPr lang="fr-FR" dirty="0">
                 <a:sym typeface="Wingdings" panose="05000000000000000000" pitchFamily="2" charset="2"/>
               </a:rPr>
               <a:t>.__</a:t>
             </a:r>
             <a:r>
-              <a:rPr lang="fr-FR" dirty="0" err="1" smtClean="0">
+              <a:rPr lang="fr-FR" dirty="0" err="1">
                 <a:sym typeface="Wingdings" panose="05000000000000000000" pitchFamily="2" charset="2"/>
               </a:rPr>
               <a:t>len</a:t>
             </a:r>
             <a:r>
-              <a:rPr lang="fr-FR" dirty="0" smtClean="0">
+              <a:rPr lang="fr-FR" dirty="0">
                 <a:sym typeface="Wingdings" panose="05000000000000000000" pitchFamily="2" charset="2"/>
               </a:rPr>
               <a:t>__</a:t>
@@ -4680,17 +4495,10 @@
   <p:clrMapOvr>
     <a:masterClrMapping/>
   </p:clrMapOvr>
-  <p:timing>
-    <p:tnLst>
-      <p:par>
-        <p:cTn id="1" dur="indefinite" restart="never" nodeType="tmRoot"/>
-      </p:par>
-    </p:tnLst>
-  </p:timing>
 </p:sld>
 </file>
 
-<file path=ppt/slides/slide16.xml><?xml version="1.0" encoding="utf-8"?>
+<file path=ppt/slides/slide15.xml><?xml version="1.0" encoding="utf-8"?>
 <p:sld xmlns:a="http://schemas.openxmlformats.org/drawingml/2006/main" xmlns:r="http://schemas.openxmlformats.org/officeDocument/2006/relationships" xmlns:p="http://schemas.openxmlformats.org/presentationml/2006/main">
   <p:cSld>
     <p:spTree>
@@ -4723,10 +4531,9 @@
           <a:lstStyle/>
           <a:p>
             <a:r>
-              <a:rPr lang="fr-FR" dirty="0" smtClean="0"/>
+              <a:rPr lang="fr-FR" dirty="0"/>
               <a:t>Surcharge des opérateurs</a:t>
             </a:r>
-            <a:endParaRPr lang="fr-FR" dirty="0"/>
           </a:p>
         </p:txBody>
       </p:sp>
@@ -4751,48 +4558,39 @@
           <a:lstStyle/>
           <a:p>
             <a:r>
-              <a:rPr lang="fr-FR" sz="2000" dirty="0" smtClean="0"/>
-              <a:t>__</a:t>
-            </a:r>
-            <a:r>
-              <a:rPr lang="fr-FR" sz="2000" dirty="0" err="1" smtClean="0"/>
-              <a:t>add</a:t>
-            </a:r>
-            <a:r>
-              <a:rPr lang="fr-FR" sz="2000" dirty="0" smtClean="0"/>
-              <a:t>__ </a:t>
-            </a:r>
-            <a:r>
-              <a:rPr lang="fr-FR" sz="2000" dirty="0"/>
-              <a:t>: surcharge de l'opérateur </a:t>
-            </a:r>
-            <a:r>
-              <a:rPr lang="fr-FR" sz="2000" dirty="0" smtClean="0"/>
-              <a:t>+ </a:t>
-            </a:r>
-          </a:p>
-          <a:p>
-            <a:r>
-              <a:rPr lang="fr-FR" sz="2000" dirty="0" smtClean="0"/>
-              <a:t>__</a:t>
-            </a:r>
-            <a:r>
-              <a:rPr lang="fr-FR" sz="2000" dirty="0" err="1" smtClean="0"/>
-              <a:t>sub</a:t>
-            </a:r>
-            <a:r>
-              <a:rPr lang="fr-FR" sz="2000" dirty="0" smtClean="0"/>
-              <a:t>__ : surcharge de l'opérateur - </a:t>
-            </a:r>
-            <a:endParaRPr lang="fr-FR" sz="2000" dirty="0"/>
-          </a:p>
-          <a:p>
-            <a:r>
               <a:rPr lang="fr-FR" sz="2000" dirty="0"/>
               <a:t>__</a:t>
             </a:r>
             <a:r>
               <a:rPr lang="fr-FR" sz="2000" dirty="0" err="1"/>
+              <a:t>add</a:t>
+            </a:r>
+            <a:r>
+              <a:rPr lang="fr-FR" sz="2000" dirty="0"/>
+              <a:t>__ : surcharge de l'opérateur + </a:t>
+            </a:r>
+          </a:p>
+          <a:p>
+            <a:r>
+              <a:rPr lang="fr-FR" sz="2000" dirty="0"/>
+              <a:t>__</a:t>
+            </a:r>
+            <a:r>
+              <a:rPr lang="fr-FR" sz="2000" dirty="0" err="1"/>
+              <a:t>sub</a:t>
+            </a:r>
+            <a:r>
+              <a:rPr lang="fr-FR" sz="2000" dirty="0"/>
+              <a:t>__ : surcharge de l'opérateur - </a:t>
+            </a:r>
+          </a:p>
+          <a:p>
+            <a:r>
+              <a:rPr lang="fr-FR" sz="2000" dirty="0"/>
+              <a:t>__</a:t>
+            </a:r>
+            <a:r>
+              <a:rPr lang="fr-FR" sz="2000" dirty="0" err="1"/>
               <a:t>mul</a:t>
             </a:r>
             <a:r>
@@ -4816,48 +4614,27 @@
           </a:p>
           <a:p>
             <a:r>
-              <a:rPr lang="fr-FR" sz="2000" dirty="0" smtClean="0"/>
-              <a:t>__le__ </a:t>
-            </a:r>
-            <a:r>
               <a:rPr lang="fr-FR" sz="2000" dirty="0"/>
-              <a:t>: surcharge de </a:t>
-            </a:r>
-            <a:r>
-              <a:rPr lang="fr-FR" sz="2000"/>
-              <a:t>l'opérateur </a:t>
-            </a:r>
-            <a:r>
-              <a:rPr lang="fr-FR" sz="2000" smtClean="0"/>
-              <a:t>&lt;=</a:t>
-            </a:r>
-            <a:endParaRPr lang="fr-FR" sz="2000" dirty="0"/>
-          </a:p>
-          <a:p>
-            <a:r>
-              <a:rPr lang="fr-FR" sz="2000" dirty="0" smtClean="0"/>
+              <a:t>__le__ : surcharge de l'opérateur &lt;=</a:t>
+            </a:r>
+          </a:p>
+          <a:p>
+            <a:r>
+              <a:rPr lang="fr-FR" sz="2000" dirty="0"/>
               <a:t>__</a:t>
             </a:r>
             <a:r>
-              <a:rPr lang="fr-FR" sz="2000" dirty="0" err="1" smtClean="0"/>
+              <a:rPr lang="fr-FR" sz="2000" dirty="0" err="1"/>
               <a:t>lt</a:t>
             </a:r>
             <a:r>
-              <a:rPr lang="fr-FR" sz="2000" dirty="0" smtClean="0"/>
-              <a:t>__ </a:t>
-            </a:r>
-            <a:r>
               <a:rPr lang="fr-FR" sz="2000" dirty="0"/>
-              <a:t>: surcharge de l'opérateur </a:t>
-            </a:r>
-            <a:r>
-              <a:rPr lang="fr-FR" sz="2000" dirty="0" smtClean="0"/>
-              <a:t>&lt;</a:t>
-            </a:r>
-          </a:p>
-          <a:p>
-            <a:r>
-              <a:rPr lang="fr-FR" sz="2000" dirty="0" smtClean="0"/>
+              <a:t>__ : surcharge de l'opérateur &lt;</a:t>
+            </a:r>
+          </a:p>
+          <a:p>
+            <a:r>
+              <a:rPr lang="fr-FR" sz="2000" dirty="0"/>
               <a:t>__</a:t>
             </a:r>
             <a:r>
@@ -4866,41 +4643,28 @@
             </a:r>
             <a:r>
               <a:rPr lang="fr-FR" sz="2000" dirty="0"/>
-              <a:t>__ : surcharge de l'opérateur ** (puissance) </a:t>
-            </a:r>
-            <a:r>
-              <a:rPr lang="fr-FR" sz="2000" dirty="0" smtClean="0"/>
-              <a:t>;</a:t>
-            </a:r>
-          </a:p>
-          <a:p>
-            <a:r>
-              <a:rPr lang="fr-FR" sz="2000" dirty="0" smtClean="0"/>
+              <a:t>__ : surcharge de l'opérateur ** (puissance) ;</a:t>
+            </a:r>
+          </a:p>
+          <a:p>
+            <a:r>
+              <a:rPr lang="fr-FR" sz="2000" dirty="0"/>
               <a:t>__</a:t>
             </a:r>
             <a:r>
-              <a:rPr lang="fr-FR" sz="2000" dirty="0" err="1" smtClean="0"/>
+              <a:rPr lang="fr-FR" sz="2000" dirty="0" err="1"/>
               <a:t>eq</a:t>
             </a:r>
             <a:r>
-              <a:rPr lang="fr-FR" sz="2000" dirty="0" smtClean="0"/>
+              <a:rPr lang="fr-FR" sz="2000" dirty="0"/>
               <a:t>__ : ==</a:t>
             </a:r>
           </a:p>
           <a:p>
             <a:r>
-              <a:rPr lang="fr-FR" sz="2000" dirty="0" smtClean="0"/>
-              <a:t>__</a:t>
-            </a:r>
-            <a:r>
-              <a:rPr lang="fr-FR" sz="2000" dirty="0" smtClean="0"/>
-              <a:t>ne</a:t>
-            </a:r>
-            <a:r>
-              <a:rPr lang="fr-FR" sz="2000" dirty="0" smtClean="0"/>
-              <a:t>__ : !=</a:t>
-            </a:r>
-            <a:endParaRPr lang="fr-FR" sz="2000" dirty="0"/>
+              <a:rPr lang="fr-FR" sz="2000" dirty="0"/>
+              <a:t>__ne__ : !=</a:t>
+            </a:r>
           </a:p>
         </p:txBody>
       </p:sp>
@@ -4938,13 +4702,162 @@
   <p:clrMapOvr>
     <a:masterClrMapping/>
   </p:clrMapOvr>
-  <p:timing>
-    <p:tnLst>
-      <p:par>
-        <p:cTn id="1" dur="indefinite" restart="never" nodeType="tmRoot"/>
-      </p:par>
-    </p:tnLst>
-  </p:timing>
+</p:sld>
+</file>
+
+<file path=ppt/slides/slide16.xml><?xml version="1.0" encoding="utf-8"?>
+<p:sld xmlns:a="http://schemas.openxmlformats.org/drawingml/2006/main" xmlns:r="http://schemas.openxmlformats.org/officeDocument/2006/relationships" xmlns:p="http://schemas.openxmlformats.org/presentationml/2006/main">
+  <p:cSld>
+    <p:spTree>
+      <p:nvGrpSpPr>
+        <p:cNvPr id="1" name=""/>
+        <p:cNvGrpSpPr/>
+        <p:nvPr/>
+      </p:nvGrpSpPr>
+      <p:grpSpPr>
+        <a:xfrm>
+          <a:off x="0" y="0"/>
+          <a:ext cx="0" cy="0"/>
+          <a:chOff x="0" y="0"/>
+          <a:chExt cx="0" cy="0"/>
+        </a:xfrm>
+      </p:grpSpPr>
+      <p:sp>
+        <p:nvSpPr>
+          <p:cNvPr id="2" name="Titre 1"/>
+          <p:cNvSpPr>
+            <a:spLocks noGrp="1"/>
+          </p:cNvSpPr>
+          <p:nvPr>
+            <p:ph type="title"/>
+          </p:nvPr>
+        </p:nvSpPr>
+        <p:spPr/>
+        <p:txBody>
+          <a:bodyPr/>
+          <a:lstStyle/>
+          <a:p>
+            <a:r>
+              <a:rPr lang="fr-FR" dirty="0"/>
+              <a:t>Liste des attributs</a:t>
+            </a:r>
+          </a:p>
+        </p:txBody>
+      </p:sp>
+      <p:sp>
+        <p:nvSpPr>
+          <p:cNvPr id="3" name="Espace réservé du contenu 2"/>
+          <p:cNvSpPr>
+            <a:spLocks noGrp="1"/>
+          </p:cNvSpPr>
+          <p:nvPr>
+            <p:ph idx="1"/>
+          </p:nvPr>
+        </p:nvSpPr>
+        <p:spPr/>
+        <p:txBody>
+          <a:bodyPr/>
+          <a:lstStyle/>
+          <a:p>
+            <a:r>
+              <a:rPr lang="fr-FR" dirty="0"/>
+              <a:t>__</a:t>
+            </a:r>
+            <a:r>
+              <a:rPr lang="fr-FR" dirty="0" err="1"/>
+              <a:t>get_state</a:t>
+            </a:r>
+            <a:r>
+              <a:rPr lang="fr-FR" dirty="0"/>
+              <a:t>__(self)</a:t>
+            </a:r>
+          </a:p>
+          <a:p>
+            <a:pPr lvl="1"/>
+            <a:r>
+              <a:rPr lang="fr-FR" dirty="0"/>
+              <a:t>Renvoie le dictionnaire des attributs de la classe</a:t>
+            </a:r>
+          </a:p>
+          <a:p>
+            <a:r>
+              <a:rPr lang="fr-FR" dirty="0"/>
+              <a:t>__</a:t>
+            </a:r>
+            <a:r>
+              <a:rPr lang="fr-FR" dirty="0" err="1"/>
+              <a:t>set_state</a:t>
+            </a:r>
+            <a:r>
+              <a:rPr lang="fr-FR" dirty="0"/>
+              <a:t>__(self)</a:t>
+            </a:r>
+          </a:p>
+          <a:p>
+            <a:pPr lvl="1"/>
+            <a:r>
+              <a:rPr lang="fr-FR" dirty="0"/>
+              <a:t>Permet de modifier ce dictionnaire</a:t>
+            </a:r>
+          </a:p>
+          <a:p>
+            <a:pPr lvl="1"/>
+            <a:r>
+              <a:rPr lang="fr-FR" dirty="0"/>
+              <a:t>Utilisé par </a:t>
+            </a:r>
+            <a:r>
+              <a:rPr lang="fr-FR" dirty="0" err="1"/>
+              <a:t>Pickle</a:t>
+            </a:r>
+            <a:endParaRPr lang="fr-FR" dirty="0"/>
+          </a:p>
+          <a:p>
+            <a:r>
+              <a:rPr lang="fr-FR" dirty="0"/>
+              <a:t>__</a:t>
+            </a:r>
+            <a:r>
+              <a:rPr lang="fr-FR" dirty="0" err="1"/>
+              <a:t>dir</a:t>
+            </a:r>
+            <a:r>
+              <a:rPr lang="fr-FR" dirty="0"/>
+              <a:t>__(</a:t>
+            </a:r>
+            <a:r>
+              <a:rPr lang="fr-FR" dirty="0" err="1"/>
+              <a:t>object</a:t>
+            </a:r>
+            <a:r>
+              <a:rPr lang="fr-FR" dirty="0"/>
+              <a:t>)</a:t>
+            </a:r>
+          </a:p>
+          <a:p>
+            <a:pPr lvl="1"/>
+            <a:r>
+              <a:rPr lang="fr-FR" dirty="0"/>
+              <a:t>Permet de liste les attributs </a:t>
+            </a:r>
+            <a:r>
+              <a:rPr lang="fr-FR"/>
+              <a:t>d’une classe</a:t>
+            </a:r>
+            <a:endParaRPr lang="fr-FR" dirty="0"/>
+          </a:p>
+        </p:txBody>
+      </p:sp>
+    </p:spTree>
+    <p:extLst>
+      <p:ext uri="{BB962C8B-B14F-4D97-AF65-F5344CB8AC3E}">
+        <p14:creationId xmlns:p14="http://schemas.microsoft.com/office/powerpoint/2010/main" val="713473702"/>
+      </p:ext>
+    </p:extLst>
+  </p:cSld>
+  <p:clrMapOvr>
+    <a:masterClrMapping/>
+  </p:clrMapOvr>
 </p:sld>
 </file>
 
@@ -4981,8 +4894,8 @@
           <a:lstStyle/>
           <a:p>
             <a:r>
-              <a:rPr lang="fr-FR" dirty="0" smtClean="0"/>
-              <a:t>Liste des attributs</a:t>
+              <a:rPr lang="fr-FR" dirty="0" err="1"/>
+              <a:t>Map</a:t>
             </a:r>
             <a:endParaRPr lang="fr-FR" dirty="0"/>
           </a:p>
@@ -5004,111 +4917,52 @@
           <a:lstStyle/>
           <a:p>
             <a:r>
-              <a:rPr lang="fr-FR" dirty="0" smtClean="0"/>
-              <a:t>__</a:t>
-            </a:r>
-            <a:r>
-              <a:rPr lang="fr-FR" dirty="0" err="1" smtClean="0"/>
-              <a:t>get_state</a:t>
-            </a:r>
-            <a:r>
-              <a:rPr lang="fr-FR" dirty="0" smtClean="0"/>
-              <a:t>__(self)</a:t>
+              <a:rPr lang="fr-FR" dirty="0" err="1"/>
+              <a:t>Map</a:t>
+            </a:r>
+            <a:r>
+              <a:rPr lang="fr-FR" dirty="0"/>
+              <a:t> permet d’appliquer une fonction sur une collection</a:t>
             </a:r>
           </a:p>
           <a:p>
             <a:pPr lvl="1"/>
             <a:r>
-              <a:rPr lang="fr-FR" dirty="0" smtClean="0"/>
-              <a:t>Renvoie le dictionnaire des attributs de la classe</a:t>
-            </a:r>
-          </a:p>
-          <a:p>
-            <a:r>
-              <a:rPr lang="fr-FR" dirty="0" smtClean="0"/>
-              <a:t>__</a:t>
-            </a:r>
-            <a:r>
-              <a:rPr lang="fr-FR" dirty="0" err="1" smtClean="0"/>
-              <a:t>set_state</a:t>
-            </a:r>
-            <a:r>
-              <a:rPr lang="fr-FR" dirty="0" smtClean="0"/>
-              <a:t>__(self)</a:t>
+              <a:rPr lang="en-US" dirty="0"/>
+              <a:t>l= ["It's over 9000 !", "All your base are belong to us."]</a:t>
             </a:r>
           </a:p>
           <a:p>
             <a:pPr lvl="1"/>
             <a:r>
-              <a:rPr lang="fr-FR" dirty="0" smtClean="0"/>
-              <a:t>Permet de modifier ce dictionnaire</a:t>
+              <a:rPr lang="en-US" dirty="0"/>
+              <a:t>print(map(</a:t>
+            </a:r>
+            <a:r>
+              <a:rPr lang="en-US" dirty="0" err="1"/>
+              <a:t>unicode.upper</a:t>
+            </a:r>
+            <a:r>
+              <a:rPr lang="en-US" dirty="0"/>
+              <a:t>, l))</a:t>
             </a:r>
           </a:p>
           <a:p>
             <a:pPr lvl="1"/>
-            <a:r>
-              <a:rPr lang="fr-FR" dirty="0" smtClean="0"/>
-              <a:t>Utilisé par </a:t>
-            </a:r>
-            <a:r>
-              <a:rPr lang="fr-FR" dirty="0" err="1" smtClean="0"/>
-              <a:t>Pickle</a:t>
-            </a:r>
-            <a:endParaRPr lang="fr-FR" dirty="0" smtClean="0"/>
-          </a:p>
-          <a:p>
-            <a:r>
-              <a:rPr lang="fr-FR" dirty="0" smtClean="0"/>
-              <a:t>__</a:t>
-            </a:r>
-            <a:r>
-              <a:rPr lang="fr-FR" dirty="0" err="1" smtClean="0"/>
-              <a:t>dir</a:t>
-            </a:r>
-            <a:r>
-              <a:rPr lang="fr-FR" dirty="0" smtClean="0"/>
-              <a:t>__(</a:t>
-            </a:r>
-            <a:r>
-              <a:rPr lang="fr-FR" dirty="0" err="1" smtClean="0"/>
-              <a:t>object</a:t>
-            </a:r>
-            <a:r>
-              <a:rPr lang="fr-FR" dirty="0" smtClean="0"/>
-              <a:t>)</a:t>
-            </a:r>
-          </a:p>
-          <a:p>
-            <a:pPr lvl="1"/>
-            <a:r>
-              <a:rPr lang="fr-FR" dirty="0" smtClean="0"/>
-              <a:t>Permet de liste les attributs </a:t>
-            </a:r>
-            <a:r>
-              <a:rPr lang="fr-FR" smtClean="0"/>
-              <a:t>d’une classe</a:t>
-            </a:r>
-            <a:endParaRPr lang="fr-FR" dirty="0" smtClean="0"/>
+            <a:endParaRPr lang="fr-FR" dirty="0"/>
           </a:p>
         </p:txBody>
       </p:sp>
     </p:spTree>
     <p:extLst>
       <p:ext uri="{BB962C8B-B14F-4D97-AF65-F5344CB8AC3E}">
-        <p14:creationId xmlns:p14="http://schemas.microsoft.com/office/powerpoint/2010/main" val="713473702"/>
+        <p14:creationId xmlns:p14="http://schemas.microsoft.com/office/powerpoint/2010/main" val="3928039841"/>
       </p:ext>
     </p:extLst>
   </p:cSld>
   <p:clrMapOvr>
     <a:masterClrMapping/>
   </p:clrMapOvr>
-  <p:timing>
-    <p:tnLst>
-      <p:par>
-        <p:cTn id="1" dur="indefinite" restart="never" nodeType="tmRoot"/>
-      </p:par>
-    </p:tnLst>
-  </p:timing>
 </p:sld>
 </file>
 
@@ -5145,8 +4999,8 @@
           <a:lstStyle/>
           <a:p>
             <a:r>
-              <a:rPr lang="fr-FR" dirty="0" err="1" smtClean="0"/>
-              <a:t>Map</a:t>
+              <a:rPr lang="fr-FR" dirty="0" err="1"/>
+              <a:t>Reduce</a:t>
             </a:r>
             <a:endParaRPr lang="fr-FR" dirty="0"/>
           </a:p>
@@ -5162,60 +5016,77 @@
             <p:ph idx="1"/>
           </p:nvPr>
         </p:nvSpPr>
-        <p:spPr/>
+        <p:spPr>
+          <a:xfrm>
+            <a:off x="179512" y="1412776"/>
+            <a:ext cx="5439537" cy="5040560"/>
+          </a:xfrm>
+        </p:spPr>
         <p:txBody>
           <a:bodyPr/>
           <a:lstStyle/>
           <a:p>
             <a:r>
-              <a:rPr lang="fr-FR" dirty="0" err="1" smtClean="0"/>
-              <a:t>Map</a:t>
-            </a:r>
-            <a:r>
-              <a:rPr lang="fr-FR" dirty="0" smtClean="0"/>
-              <a:t> permet d’appliquer une fonction sur une collection</a:t>
-            </a:r>
-          </a:p>
-          <a:p>
-            <a:pPr lvl="1"/>
-            <a:r>
-              <a:rPr lang="en-US" dirty="0" smtClean="0"/>
-              <a:t>l= </a:t>
-            </a:r>
-            <a:r>
-              <a:rPr lang="en-US" dirty="0"/>
-              <a:t>["It's over 9000 !", "All your base are belong to us."]</a:t>
-            </a:r>
-          </a:p>
-          <a:p>
-            <a:pPr lvl="1"/>
-            <a:r>
-              <a:rPr lang="en-US" dirty="0"/>
-              <a:t>print(map(</a:t>
-            </a:r>
-            <a:r>
-              <a:rPr lang="en-US" dirty="0" err="1"/>
-              <a:t>unicode.upper</a:t>
-            </a:r>
-            <a:r>
-              <a:rPr lang="en-US" dirty="0"/>
-              <a:t>, </a:t>
-            </a:r>
-            <a:r>
-              <a:rPr lang="en-US" dirty="0" smtClean="0"/>
-              <a:t>l))</a:t>
-            </a:r>
-          </a:p>
-          <a:p>
-            <a:pPr lvl="1"/>
-            <a:endParaRPr lang="fr-FR" dirty="0"/>
+              <a:rPr lang="fr-FR" dirty="0"/>
+              <a:t>La fonction doit prendre deux paramètres en entrée, et retourner une valeur</a:t>
+            </a:r>
+          </a:p>
+          <a:p>
+            <a:r>
+              <a:rPr lang="fr-FR" dirty="0"/>
+              <a:t>Au premier appel, les deux premiers éléments de l’</a:t>
+            </a:r>
+            <a:r>
+              <a:rPr lang="fr-FR" dirty="0" err="1"/>
+              <a:t>itérable</a:t>
+            </a:r>
+            <a:r>
+              <a:rPr lang="fr-FR" dirty="0"/>
+              <a:t> sont passés en paramètres</a:t>
+            </a:r>
+          </a:p>
+          <a:p>
+            <a:r>
+              <a:rPr lang="fr-FR" dirty="0"/>
+              <a:t>Ensuite, le résultat de cet appel et l’élément suivant sont passés en paramètre, et ainsi de suite</a:t>
+            </a:r>
+          </a:p>
+          <a:p>
+            <a:r>
+              <a:rPr lang="fr-FR" dirty="0"/>
+              <a:t>Vous avez compris ?</a:t>
+            </a:r>
           </a:p>
         </p:txBody>
       </p:sp>
+      <p:pic>
+        <p:nvPicPr>
+          <p:cNvPr id="4" name="Image 3"/>
+          <p:cNvPicPr>
+            <a:picLocks noChangeAspect="1"/>
+          </p:cNvPicPr>
+          <p:nvPr/>
+        </p:nvPicPr>
+        <p:blipFill>
+          <a:blip r:embed="rId2"/>
+          <a:stretch>
+            <a:fillRect/>
+          </a:stretch>
+        </p:blipFill>
+        <p:spPr>
+          <a:xfrm>
+            <a:off x="5619049" y="1412777"/>
+            <a:ext cx="3416850" cy="5040560"/>
+          </a:xfrm>
+          <a:prstGeom prst="rect">
+            <a:avLst/>
+          </a:prstGeom>
+        </p:spPr>
+      </p:pic>
     </p:spTree>
     <p:extLst>
       <p:ext uri="{BB962C8B-B14F-4D97-AF65-F5344CB8AC3E}">
-        <p14:creationId xmlns:p14="http://schemas.microsoft.com/office/powerpoint/2010/main" val="3928039841"/>
+        <p14:creationId xmlns:p14="http://schemas.microsoft.com/office/powerpoint/2010/main" val="1138190459"/>
       </p:ext>
     </p:extLst>
   </p:cSld>
@@ -5258,7 +5129,7 @@
           <a:lstStyle/>
           <a:p>
             <a:r>
-              <a:rPr lang="fr-FR" dirty="0" err="1" smtClean="0"/>
+              <a:rPr lang="fr-FR" dirty="0" err="1"/>
               <a:t>Reduce</a:t>
             </a:r>
             <a:endParaRPr lang="fr-FR" dirty="0"/>
@@ -5275,98 +5146,210 @@
             <p:ph idx="1"/>
           </p:nvPr>
         </p:nvSpPr>
-        <p:spPr>
-          <a:xfrm>
-            <a:off x="179512" y="1412776"/>
-            <a:ext cx="5439537" cy="5040560"/>
-          </a:xfrm>
-        </p:spPr>
+        <p:spPr/>
         <p:txBody>
           <a:bodyPr/>
           <a:lstStyle/>
           <a:p>
             <a:r>
-              <a:rPr lang="fr-FR" dirty="0"/>
-              <a:t>La fonction doit prendre deux paramètres en entrée, et retourner une </a:t>
-            </a:r>
-            <a:r>
-              <a:rPr lang="fr-FR" dirty="0" smtClean="0"/>
-              <a:t>valeur</a:t>
-            </a:r>
-          </a:p>
-          <a:p>
-            <a:r>
-              <a:rPr lang="fr-FR" dirty="0" smtClean="0"/>
-              <a:t>Au </a:t>
-            </a:r>
-            <a:r>
-              <a:rPr lang="fr-FR" dirty="0"/>
-              <a:t>premier appel, les deux premiers éléments de l’</a:t>
-            </a:r>
-            <a:r>
-              <a:rPr lang="fr-FR" dirty="0" err="1"/>
-              <a:t>itérable</a:t>
-            </a:r>
-            <a:r>
-              <a:rPr lang="fr-FR" dirty="0"/>
-              <a:t> sont passés en </a:t>
-            </a:r>
-            <a:r>
-              <a:rPr lang="fr-FR" dirty="0" smtClean="0"/>
-              <a:t>paramètres</a:t>
-            </a:r>
-          </a:p>
-          <a:p>
-            <a:r>
-              <a:rPr lang="fr-FR" dirty="0" smtClean="0"/>
-              <a:t>Ensuite</a:t>
-            </a:r>
-            <a:r>
-              <a:rPr lang="fr-FR" dirty="0"/>
-              <a:t>, le résultat de cet appel et l’élément suivant sont passés en paramètre, et ainsi de </a:t>
-            </a:r>
-            <a:r>
-              <a:rPr lang="fr-FR" dirty="0" smtClean="0"/>
-              <a:t>suite</a:t>
-            </a:r>
-          </a:p>
-          <a:p>
-            <a:r>
-              <a:rPr lang="fr-FR" dirty="0" smtClean="0"/>
-              <a:t>Vous avez compris ?</a:t>
-            </a:r>
-            <a:endParaRPr lang="fr-FR" dirty="0"/>
+              <a:rPr lang="fr-FR" sz="2400" dirty="0"/>
+              <a:t>A quoi sert le </a:t>
+            </a:r>
+            <a:r>
+              <a:rPr lang="fr-FR" sz="2400" dirty="0" err="1"/>
+              <a:t>reduce</a:t>
+            </a:r>
+            <a:r>
+              <a:rPr lang="fr-FR" sz="2400" dirty="0"/>
+              <a:t> ?</a:t>
+            </a:r>
+          </a:p>
+          <a:p>
+            <a:pPr lvl="1"/>
+            <a:r>
+              <a:rPr lang="fr-FR" sz="2000" dirty="0"/>
+              <a:t>Permet de faire des opérations d’agrégation en une ligne</a:t>
+            </a:r>
+          </a:p>
+          <a:p>
+            <a:pPr lvl="1"/>
+            <a:r>
+              <a:rPr lang="fr-FR" sz="2000" dirty="0"/>
+              <a:t>Par exemple il n’existe pas l’équivalent de </a:t>
+            </a:r>
+            <a:r>
+              <a:rPr lang="fr-FR" sz="2000" dirty="0" err="1"/>
+              <a:t>sum</a:t>
+            </a:r>
+            <a:r>
+              <a:rPr lang="fr-FR" sz="2000" dirty="0"/>
+              <a:t> pour la multiplication</a:t>
+            </a:r>
+          </a:p>
+          <a:p>
+            <a:pPr lvl="1"/>
+            <a:r>
+              <a:rPr lang="fr-FR" sz="2000" dirty="0" err="1"/>
+              <a:t>print</a:t>
+            </a:r>
+            <a:r>
+              <a:rPr lang="fr-FR" sz="2000" dirty="0"/>
+              <a:t>(</a:t>
+            </a:r>
+            <a:r>
+              <a:rPr lang="fr-FR" sz="2000" dirty="0" err="1"/>
+              <a:t>sum</a:t>
+            </a:r>
+            <a:r>
+              <a:rPr lang="fr-FR" sz="2000" dirty="0"/>
+              <a:t>(range(10))) # donne 45</a:t>
+            </a:r>
+          </a:p>
+          <a:p>
+            <a:pPr lvl="1"/>
+            <a:r>
+              <a:rPr lang="en-US" sz="2000" dirty="0"/>
+              <a:t>print(reduce(lambda a, b: a * b, range(1, 11))) # </a:t>
+            </a:r>
+            <a:r>
+              <a:rPr lang="en-US" sz="2000" dirty="0" err="1"/>
+              <a:t>donne</a:t>
+            </a:r>
+            <a:r>
+              <a:rPr lang="en-US" sz="2000" dirty="0"/>
+              <a:t> 3628800</a:t>
+            </a:r>
+          </a:p>
+          <a:p>
+            <a:r>
+              <a:rPr lang="en-US" sz="2400" dirty="0" err="1"/>
+              <a:t>Combiné</a:t>
+            </a:r>
+            <a:r>
+              <a:rPr lang="en-US" sz="2400" dirty="0"/>
+              <a:t> à map, </a:t>
+            </a:r>
+            <a:r>
+              <a:rPr lang="en-US" sz="2400" dirty="0" err="1"/>
+              <a:t>peut</a:t>
+            </a:r>
+            <a:r>
+              <a:rPr lang="en-US" sz="2400" dirty="0"/>
+              <a:t> donner un </a:t>
+            </a:r>
+            <a:r>
+              <a:rPr lang="en-US" sz="2400" dirty="0" err="1"/>
+              <a:t>résultat</a:t>
+            </a:r>
+            <a:r>
+              <a:rPr lang="en-US" sz="2400" dirty="0"/>
+              <a:t> </a:t>
+            </a:r>
+            <a:r>
+              <a:rPr lang="en-US" sz="2400" dirty="0" err="1"/>
+              <a:t>très</a:t>
+            </a:r>
+            <a:r>
+              <a:rPr lang="en-US" sz="2400" dirty="0"/>
+              <a:t> puissant</a:t>
+            </a:r>
+          </a:p>
+          <a:p>
+            <a:pPr lvl="1"/>
+            <a:r>
+              <a:rPr lang="en-US" sz="2000" dirty="0" err="1"/>
+              <a:t>Très</a:t>
+            </a:r>
+            <a:r>
+              <a:rPr lang="en-US" sz="2000" dirty="0"/>
+              <a:t> </a:t>
+            </a:r>
+            <a:r>
+              <a:rPr lang="en-US" sz="2000" dirty="0" err="1"/>
+              <a:t>cryptique</a:t>
+            </a:r>
+            <a:endParaRPr lang="en-US" sz="2000" dirty="0"/>
+          </a:p>
+          <a:p>
+            <a:r>
+              <a:rPr lang="en-US" sz="2400" dirty="0" err="1"/>
+              <a:t>Peut</a:t>
+            </a:r>
+            <a:r>
+              <a:rPr lang="en-US" sz="2400" dirty="0"/>
+              <a:t> se </a:t>
+            </a:r>
+            <a:r>
+              <a:rPr lang="en-US" sz="2400" dirty="0" err="1"/>
+              <a:t>réecrire</a:t>
+            </a:r>
+            <a:r>
+              <a:rPr lang="en-US" sz="2400" dirty="0"/>
+              <a:t> avec </a:t>
+            </a:r>
+            <a:r>
+              <a:rPr lang="en-US" sz="2400" dirty="0" err="1"/>
+              <a:t>une</a:t>
+            </a:r>
+            <a:r>
+              <a:rPr lang="en-US" sz="2400" dirty="0"/>
+              <a:t> </a:t>
+            </a:r>
+            <a:r>
+              <a:rPr lang="en-US" sz="2400" dirty="0" err="1"/>
+              <a:t>liste</a:t>
+            </a:r>
+            <a:r>
+              <a:rPr lang="en-US" sz="2400" dirty="0"/>
+              <a:t> </a:t>
+            </a:r>
+            <a:r>
+              <a:rPr lang="en-US" sz="2400" dirty="0" err="1"/>
+              <a:t>en</a:t>
+            </a:r>
+            <a:r>
+              <a:rPr lang="en-US" sz="2400" dirty="0"/>
+              <a:t> intention</a:t>
+            </a:r>
+          </a:p>
+          <a:p>
+            <a:pPr lvl="1"/>
+            <a:r>
+              <a:rPr lang="en-US" sz="2000" dirty="0"/>
+              <a:t>Map correspond à la </a:t>
+            </a:r>
+            <a:r>
+              <a:rPr lang="en-US" sz="2000" dirty="0" err="1"/>
+              <a:t>partie</a:t>
+            </a:r>
+            <a:r>
+              <a:rPr lang="en-US" sz="2000" dirty="0"/>
+              <a:t> gauche et filter à la </a:t>
+            </a:r>
+            <a:r>
+              <a:rPr lang="en-US" sz="2000" dirty="0" err="1"/>
+              <a:t>partie</a:t>
+            </a:r>
+            <a:r>
+              <a:rPr lang="en-US" sz="2000" dirty="0"/>
+              <a:t> </a:t>
+            </a:r>
+            <a:r>
+              <a:rPr lang="en-US" sz="2000" dirty="0" err="1"/>
+              <a:t>droite</a:t>
+            </a:r>
+            <a:endParaRPr lang="fr-FR" sz="2000" dirty="0"/>
+          </a:p>
+          <a:p>
+            <a:pPr lvl="1"/>
+            <a:endParaRPr lang="fr-FR" sz="2000" dirty="0"/>
           </a:p>
         </p:txBody>
       </p:sp>
-      <p:pic>
-        <p:nvPicPr>
-          <p:cNvPr id="4" name="Image 3"/>
-          <p:cNvPicPr>
-            <a:picLocks noChangeAspect="1"/>
-          </p:cNvPicPr>
-          <p:nvPr/>
-        </p:nvPicPr>
-        <p:blipFill>
-          <a:blip r:embed="rId2"/>
-          <a:stretch>
-            <a:fillRect/>
-          </a:stretch>
-        </p:blipFill>
-        <p:spPr>
-          <a:xfrm>
-            <a:off x="5619049" y="1412777"/>
-            <a:ext cx="3416850" cy="5040560"/>
-          </a:xfrm>
-          <a:prstGeom prst="rect">
-            <a:avLst/>
-          </a:prstGeom>
-        </p:spPr>
-      </p:pic>
     </p:spTree>
     <p:extLst>
       <p:ext uri="{BB962C8B-B14F-4D97-AF65-F5344CB8AC3E}">
-        <p14:creationId xmlns:p14="http://schemas.microsoft.com/office/powerpoint/2010/main" val="1138190459"/>
+        <p14:creationId xmlns:p14="http://schemas.microsoft.com/office/powerpoint/2010/main" val="1548421521"/>
       </p:ext>
     </p:extLst>
   </p:cSld>
@@ -5409,10 +5392,9 @@
           <a:lstStyle/>
           <a:p>
             <a:r>
-              <a:rPr lang="fr-FR" dirty="0" smtClean="0"/>
+              <a:rPr lang="fr-FR" dirty="0"/>
               <a:t>Réflexion</a:t>
             </a:r>
-            <a:endParaRPr lang="fr-FR" dirty="0"/>
           </a:p>
         </p:txBody>
       </p:sp>
@@ -5432,49 +5414,48 @@
           <a:lstStyle/>
           <a:p>
             <a:r>
-              <a:rPr lang="fr-FR" dirty="0" smtClean="0"/>
+              <a:rPr lang="fr-FR" dirty="0"/>
               <a:t>Python possède un typage dynamique</a:t>
             </a:r>
           </a:p>
           <a:p>
             <a:r>
-              <a:rPr lang="fr-FR" dirty="0" smtClean="0"/>
+              <a:rPr lang="fr-FR" dirty="0"/>
               <a:t>Il est possible d’accéder aux données du type de l’objet</a:t>
             </a:r>
           </a:p>
           <a:p>
             <a:pPr lvl="1"/>
             <a:r>
-              <a:rPr lang="fr-FR" dirty="0" smtClean="0"/>
+              <a:rPr lang="fr-FR" dirty="0"/>
               <a:t>Et de les modifier</a:t>
             </a:r>
           </a:p>
           <a:p>
             <a:r>
-              <a:rPr lang="fr-FR" dirty="0" smtClean="0"/>
+              <a:rPr lang="fr-FR" dirty="0"/>
               <a:t>Appelé Réflexion</a:t>
             </a:r>
           </a:p>
           <a:p>
             <a:pPr lvl="1"/>
             <a:r>
-              <a:rPr lang="fr-FR" dirty="0" smtClean="0"/>
+              <a:rPr lang="fr-FR" dirty="0"/>
               <a:t>Introspection</a:t>
             </a:r>
           </a:p>
           <a:p>
             <a:r>
-              <a:rPr lang="fr-FR" dirty="0" smtClean="0"/>
+              <a:rPr lang="fr-FR" dirty="0"/>
               <a:t>Méthodes spéciales</a:t>
             </a:r>
           </a:p>
           <a:p>
             <a:pPr lvl="1"/>
             <a:r>
-              <a:rPr lang="fr-FR" dirty="0" smtClean="0"/>
+              <a:rPr lang="fr-FR" dirty="0"/>
               <a:t>__XXXX__</a:t>
             </a:r>
-            <a:endParaRPr lang="fr-FR" dirty="0"/>
           </a:p>
         </p:txBody>
       </p:sp>
@@ -5674,10 +5655,9 @@
           <a:lstStyle/>
           <a:p>
             <a:r>
-              <a:rPr lang="fr-FR" dirty="0" err="1" smtClean="0"/>
-              <a:t>Reduce</a:t>
-            </a:r>
-            <a:endParaRPr lang="fr-FR" dirty="0"/>
+              <a:rPr lang="fr-FR" dirty="0"/>
+              <a:t>Les listes en intension</a:t>
+            </a:r>
           </a:p>
         </p:txBody>
       </p:sp>
@@ -5697,297 +5677,21 @@
           <a:lstStyle/>
           <a:p>
             <a:r>
-              <a:rPr lang="fr-FR" sz="2400" dirty="0" smtClean="0"/>
-              <a:t>A quoi sert le </a:t>
-            </a:r>
-            <a:r>
-              <a:rPr lang="fr-FR" sz="2400" dirty="0" err="1" smtClean="0"/>
-              <a:t>reduce</a:t>
-            </a:r>
-            <a:r>
-              <a:rPr lang="fr-FR" sz="2400" dirty="0" smtClean="0"/>
-              <a:t> ?</a:t>
+              <a:rPr lang="fr-FR" dirty="0"/>
+              <a:t>Rappel</a:t>
             </a:r>
           </a:p>
           <a:p>
             <a:pPr lvl="1"/>
             <a:r>
-              <a:rPr lang="fr-FR" sz="2000" dirty="0" smtClean="0"/>
-              <a:t>Permet de faire des opérations d’agrégation en une ligne</a:t>
-            </a:r>
-          </a:p>
-          <a:p>
-            <a:pPr lvl="1"/>
-            <a:r>
-              <a:rPr lang="fr-FR" sz="2000" dirty="0" smtClean="0"/>
-              <a:t>Par exemple il n’existe pas l’équivalent de </a:t>
-            </a:r>
-            <a:r>
-              <a:rPr lang="fr-FR" sz="2000" dirty="0" err="1" smtClean="0"/>
-              <a:t>sum</a:t>
-            </a:r>
-            <a:r>
-              <a:rPr lang="fr-FR" sz="2000" dirty="0" smtClean="0"/>
-              <a:t> pour la multiplication</a:t>
-            </a:r>
-          </a:p>
-          <a:p>
-            <a:pPr lvl="1"/>
-            <a:r>
-              <a:rPr lang="fr-FR" sz="2000" dirty="0" err="1"/>
-              <a:t>print</a:t>
-            </a:r>
-            <a:r>
-              <a:rPr lang="fr-FR" sz="2000" dirty="0"/>
-              <a:t>(</a:t>
-            </a:r>
-            <a:r>
-              <a:rPr lang="fr-FR" sz="2000" dirty="0" err="1"/>
-              <a:t>sum</a:t>
-            </a:r>
-            <a:r>
-              <a:rPr lang="fr-FR" sz="2000" dirty="0"/>
-              <a:t>(range(10</a:t>
-            </a:r>
-            <a:r>
-              <a:rPr lang="fr-FR" sz="2000" dirty="0" smtClean="0"/>
-              <a:t>))) # donne 45</a:t>
-            </a:r>
-            <a:endParaRPr lang="fr-FR" sz="2000" dirty="0"/>
-          </a:p>
-          <a:p>
-            <a:pPr lvl="1"/>
-            <a:r>
-              <a:rPr lang="en-US" sz="2000" dirty="0"/>
-              <a:t>print(reduce(lambda a, b: a * b, range(1, 11</a:t>
-            </a:r>
-            <a:r>
-              <a:rPr lang="en-US" sz="2000" dirty="0" smtClean="0"/>
-              <a:t>))) # </a:t>
-            </a:r>
-            <a:r>
-              <a:rPr lang="en-US" sz="2000" dirty="0" err="1" smtClean="0"/>
-              <a:t>donne</a:t>
-            </a:r>
-            <a:r>
-              <a:rPr lang="en-US" sz="2000" dirty="0" smtClean="0"/>
-              <a:t> 3628800</a:t>
-            </a:r>
-          </a:p>
-          <a:p>
-            <a:r>
-              <a:rPr lang="en-US" sz="2400" dirty="0" err="1" smtClean="0"/>
-              <a:t>Combiné</a:t>
-            </a:r>
-            <a:r>
-              <a:rPr lang="en-US" sz="2400" dirty="0" smtClean="0"/>
-              <a:t> à map, </a:t>
-            </a:r>
-            <a:r>
-              <a:rPr lang="en-US" sz="2400" dirty="0" err="1" smtClean="0"/>
-              <a:t>peut</a:t>
-            </a:r>
-            <a:r>
-              <a:rPr lang="en-US" sz="2400" dirty="0" smtClean="0"/>
-              <a:t> donner un </a:t>
-            </a:r>
-            <a:r>
-              <a:rPr lang="en-US" sz="2400" dirty="0" err="1" smtClean="0"/>
-              <a:t>résultat</a:t>
-            </a:r>
-            <a:r>
-              <a:rPr lang="en-US" sz="2400" dirty="0" smtClean="0"/>
-              <a:t> </a:t>
-            </a:r>
-            <a:r>
-              <a:rPr lang="en-US" sz="2400" dirty="0" err="1" smtClean="0"/>
-              <a:t>très</a:t>
-            </a:r>
-            <a:r>
-              <a:rPr lang="en-US" sz="2400" dirty="0" smtClean="0"/>
-              <a:t> puissant</a:t>
-            </a:r>
-          </a:p>
-          <a:p>
-            <a:pPr lvl="1"/>
-            <a:r>
-              <a:rPr lang="en-US" sz="2000" dirty="0" err="1" smtClean="0"/>
-              <a:t>Très</a:t>
-            </a:r>
-            <a:r>
-              <a:rPr lang="en-US" sz="2000" dirty="0" smtClean="0"/>
-              <a:t> </a:t>
-            </a:r>
-            <a:r>
-              <a:rPr lang="en-US" sz="2000" dirty="0" err="1" smtClean="0"/>
-              <a:t>cryptique</a:t>
-            </a:r>
-            <a:endParaRPr lang="en-US" sz="2000" dirty="0" smtClean="0"/>
-          </a:p>
-          <a:p>
-            <a:r>
-              <a:rPr lang="en-US" sz="2400" dirty="0" err="1" smtClean="0"/>
-              <a:t>Peut</a:t>
-            </a:r>
-            <a:r>
-              <a:rPr lang="en-US" sz="2400" dirty="0" smtClean="0"/>
-              <a:t> se </a:t>
-            </a:r>
-            <a:r>
-              <a:rPr lang="en-US" sz="2400" dirty="0" err="1" smtClean="0"/>
-              <a:t>réecrire</a:t>
-            </a:r>
-            <a:r>
-              <a:rPr lang="en-US" sz="2400" dirty="0" smtClean="0"/>
-              <a:t> avec </a:t>
-            </a:r>
-            <a:r>
-              <a:rPr lang="en-US" sz="2400" dirty="0" err="1" smtClean="0"/>
-              <a:t>une</a:t>
-            </a:r>
-            <a:r>
-              <a:rPr lang="en-US" sz="2400" dirty="0" smtClean="0"/>
-              <a:t> </a:t>
-            </a:r>
-            <a:r>
-              <a:rPr lang="en-US" sz="2400" dirty="0" err="1" smtClean="0"/>
-              <a:t>liste</a:t>
-            </a:r>
-            <a:r>
-              <a:rPr lang="en-US" sz="2400" dirty="0" smtClean="0"/>
-              <a:t> </a:t>
-            </a:r>
-            <a:r>
-              <a:rPr lang="en-US" sz="2400" dirty="0" err="1" smtClean="0"/>
-              <a:t>en</a:t>
-            </a:r>
-            <a:r>
-              <a:rPr lang="en-US" sz="2400" dirty="0" smtClean="0"/>
-              <a:t> intention</a:t>
-            </a:r>
-          </a:p>
-          <a:p>
-            <a:pPr lvl="1"/>
-            <a:r>
-              <a:rPr lang="en-US" sz="2000" dirty="0" smtClean="0"/>
-              <a:t>Map correspond à la </a:t>
-            </a:r>
-            <a:r>
-              <a:rPr lang="en-US" sz="2000" dirty="0" err="1" smtClean="0"/>
-              <a:t>partie</a:t>
-            </a:r>
-            <a:r>
-              <a:rPr lang="en-US" sz="2000" dirty="0" smtClean="0"/>
-              <a:t> gauche et filter à la </a:t>
-            </a:r>
-            <a:r>
-              <a:rPr lang="en-US" sz="2000" dirty="0" err="1" smtClean="0"/>
-              <a:t>partie</a:t>
-            </a:r>
-            <a:r>
-              <a:rPr lang="en-US" sz="2000" dirty="0" smtClean="0"/>
-              <a:t> </a:t>
-            </a:r>
-            <a:r>
-              <a:rPr lang="en-US" sz="2000" dirty="0" err="1" smtClean="0"/>
-              <a:t>droite</a:t>
-            </a:r>
-            <a:endParaRPr lang="fr-FR" sz="2000" dirty="0" smtClean="0"/>
-          </a:p>
-          <a:p>
-            <a:pPr lvl="1"/>
-            <a:endParaRPr lang="fr-FR" sz="2000" dirty="0"/>
-          </a:p>
-        </p:txBody>
-      </p:sp>
-    </p:spTree>
-    <p:extLst>
-      <p:ext uri="{BB962C8B-B14F-4D97-AF65-F5344CB8AC3E}">
-        <p14:creationId xmlns:p14="http://schemas.microsoft.com/office/powerpoint/2010/main" val="1548421521"/>
-      </p:ext>
-    </p:extLst>
-  </p:cSld>
-  <p:clrMapOvr>
-    <a:masterClrMapping/>
-  </p:clrMapOvr>
-</p:sld>
-</file>
-
-<file path=ppt/slides/slide21.xml><?xml version="1.0" encoding="utf-8"?>
-<p:sld xmlns:a="http://schemas.openxmlformats.org/drawingml/2006/main" xmlns:r="http://schemas.openxmlformats.org/officeDocument/2006/relationships" xmlns:p="http://schemas.openxmlformats.org/presentationml/2006/main">
-  <p:cSld>
-    <p:spTree>
-      <p:nvGrpSpPr>
-        <p:cNvPr id="1" name=""/>
-        <p:cNvGrpSpPr/>
-        <p:nvPr/>
-      </p:nvGrpSpPr>
-      <p:grpSpPr>
-        <a:xfrm>
-          <a:off x="0" y="0"/>
-          <a:ext cx="0" cy="0"/>
-          <a:chOff x="0" y="0"/>
-          <a:chExt cx="0" cy="0"/>
-        </a:xfrm>
-      </p:grpSpPr>
-      <p:sp>
-        <p:nvSpPr>
-          <p:cNvPr id="2" name="Titre 1"/>
-          <p:cNvSpPr>
-            <a:spLocks noGrp="1"/>
-          </p:cNvSpPr>
-          <p:nvPr>
-            <p:ph type="title"/>
-          </p:nvPr>
-        </p:nvSpPr>
-        <p:spPr/>
-        <p:txBody>
-          <a:bodyPr/>
-          <a:lstStyle/>
-          <a:p>
-            <a:r>
-              <a:rPr lang="fr-FR" dirty="0" smtClean="0"/>
-              <a:t>Les listes en intension</a:t>
+              <a:rPr lang="fr-FR" dirty="0"/>
+              <a:t>Il est possible d’effectuer une boucle une liste grâce aux </a:t>
+            </a:r>
+            <a:r>
+              <a:rPr lang="fr-FR" dirty="0" err="1"/>
+              <a:t>itérateurs</a:t>
             </a:r>
             <a:endParaRPr lang="fr-FR" dirty="0"/>
-          </a:p>
-        </p:txBody>
-      </p:sp>
-      <p:sp>
-        <p:nvSpPr>
-          <p:cNvPr id="3" name="Espace réservé du contenu 2"/>
-          <p:cNvSpPr>
-            <a:spLocks noGrp="1"/>
-          </p:cNvSpPr>
-          <p:nvPr>
-            <p:ph idx="1"/>
-          </p:nvPr>
-        </p:nvSpPr>
-        <p:spPr/>
-        <p:txBody>
-          <a:bodyPr/>
-          <a:lstStyle/>
-          <a:p>
-            <a:r>
-              <a:rPr lang="fr-FR" dirty="0" smtClean="0"/>
-              <a:t>Rappel</a:t>
-            </a:r>
-          </a:p>
-          <a:p>
-            <a:pPr lvl="1"/>
-            <a:r>
-              <a:rPr lang="fr-FR" dirty="0" smtClean="0"/>
-              <a:t>Il est possible d’effectuer une boucle une liste grâce aux </a:t>
-            </a:r>
-            <a:r>
-              <a:rPr lang="fr-FR" dirty="0" err="1" smtClean="0"/>
-              <a:t>itérateurs</a:t>
-            </a:r>
-            <a:endParaRPr lang="fr-FR" dirty="0" smtClean="0"/>
-          </a:p>
-          <a:p>
-            <a:pPr lvl="2"/>
-            <a:endParaRPr lang="fr-FR" dirty="0" smtClean="0"/>
           </a:p>
           <a:p>
             <a:pPr lvl="2"/>
@@ -5995,18 +5699,22 @@
           </a:p>
           <a:p>
             <a:pPr lvl="2"/>
-            <a:endParaRPr lang="fr-FR" dirty="0" smtClean="0"/>
-          </a:p>
-          <a:p>
-            <a:r>
-              <a:rPr lang="fr-FR" dirty="0" smtClean="0"/>
+            <a:endParaRPr lang="fr-FR" dirty="0"/>
+          </a:p>
+          <a:p>
+            <a:pPr lvl="2"/>
+            <a:endParaRPr lang="fr-FR" dirty="0"/>
+          </a:p>
+          <a:p>
+            <a:r>
+              <a:rPr lang="fr-FR" dirty="0"/>
               <a:t>Il est possible de créer une liste en intension qui </a:t>
             </a:r>
             <a:r>
-              <a:rPr lang="fr-FR" smtClean="0"/>
+              <a:rPr lang="fr-FR"/>
               <a:t>sera une liste</a:t>
             </a:r>
-            <a:endParaRPr lang="fr-FR" dirty="0" smtClean="0"/>
+            <a:endParaRPr lang="fr-FR" dirty="0"/>
           </a:p>
         </p:txBody>
       </p:sp>
@@ -6068,17 +5776,10 @@
   <p:clrMapOvr>
     <a:masterClrMapping/>
   </p:clrMapOvr>
-  <p:timing>
-    <p:tnLst>
-      <p:par>
-        <p:cTn id="1" dur="indefinite" restart="never" nodeType="tmRoot"/>
-      </p:par>
-    </p:tnLst>
-  </p:timing>
 </p:sld>
 </file>
 
-<file path=ppt/slides/slide22.xml><?xml version="1.0" encoding="utf-8"?>
+<file path=ppt/slides/slide21.xml><?xml version="1.0" encoding="utf-8"?>
 <p:sld xmlns:a="http://schemas.openxmlformats.org/drawingml/2006/main" xmlns:r="http://schemas.openxmlformats.org/officeDocument/2006/relationships" xmlns:p="http://schemas.openxmlformats.org/presentationml/2006/main">
   <p:cSld>
     <p:spTree>
@@ -6111,10 +5812,9 @@
           <a:lstStyle/>
           <a:p>
             <a:r>
-              <a:rPr lang="fr-FR" dirty="0" smtClean="0"/>
+              <a:rPr lang="fr-FR" dirty="0"/>
               <a:t>Générateur</a:t>
             </a:r>
-            <a:endParaRPr lang="fr-FR" dirty="0"/>
           </a:p>
         </p:txBody>
       </p:sp>
@@ -6134,37 +5834,36 @@
           <a:lstStyle/>
           <a:p>
             <a:r>
-              <a:rPr lang="fr-FR" dirty="0" smtClean="0"/>
+              <a:rPr lang="fr-FR" dirty="0"/>
               <a:t>Un générateur est identique à une liste en intension mais elle sera exécuté uniquement au moment du for</a:t>
             </a:r>
           </a:p>
           <a:p>
             <a:pPr lvl="1"/>
             <a:r>
-              <a:rPr lang="fr-FR" dirty="0" smtClean="0"/>
+              <a:rPr lang="fr-FR" dirty="0"/>
               <a:t>Utilisateur du </a:t>
             </a:r>
             <a:r>
-              <a:rPr lang="fr-FR" dirty="0" err="1" smtClean="0"/>
+              <a:rPr lang="fr-FR" dirty="0" err="1"/>
               <a:t>yield</a:t>
             </a:r>
             <a:r>
-              <a:rPr lang="fr-FR" dirty="0" smtClean="0"/>
+              <a:rPr lang="fr-FR" dirty="0"/>
               <a:t> au lieu de l’</a:t>
             </a:r>
             <a:r>
-              <a:rPr lang="fr-FR" dirty="0" err="1" smtClean="0"/>
+              <a:rPr lang="fr-FR" dirty="0" err="1"/>
               <a:t>itérateur</a:t>
             </a:r>
-            <a:endParaRPr lang="fr-FR" dirty="0" smtClean="0"/>
+            <a:endParaRPr lang="fr-FR" dirty="0"/>
           </a:p>
           <a:p>
             <a:pPr lvl="1"/>
             <a:r>
-              <a:rPr lang="fr-FR" dirty="0" smtClean="0"/>
+              <a:rPr lang="fr-FR" dirty="0"/>
               <a:t>() au lieu de []</a:t>
             </a:r>
-            <a:endParaRPr lang="fr-FR" dirty="0"/>
           </a:p>
         </p:txBody>
       </p:sp>
@@ -6202,17 +5901,10 @@
   <p:clrMapOvr>
     <a:masterClrMapping/>
   </p:clrMapOvr>
-  <p:timing>
-    <p:tnLst>
-      <p:par>
-        <p:cTn id="1" dur="indefinite" restart="never" nodeType="tmRoot"/>
-      </p:par>
-    </p:tnLst>
-  </p:timing>
 </p:sld>
 </file>
 
-<file path=ppt/slides/slide23.xml><?xml version="1.0" encoding="utf-8"?>
+<file path=ppt/slides/slide22.xml><?xml version="1.0" encoding="utf-8"?>
 <p:sld xmlns:a="http://schemas.openxmlformats.org/drawingml/2006/main" xmlns:r="http://schemas.openxmlformats.org/officeDocument/2006/relationships" xmlns:p="http://schemas.openxmlformats.org/presentationml/2006/main">
   <p:cSld>
     <p:spTree>
@@ -6245,7 +5937,7 @@
           <a:lstStyle/>
           <a:p>
             <a:r>
-              <a:rPr lang="fr-FR" dirty="0" err="1" smtClean="0"/>
+              <a:rPr lang="fr-FR" dirty="0" err="1"/>
               <a:t>Yield</a:t>
             </a:r>
             <a:endParaRPr lang="fr-FR" dirty="0"/>
@@ -6273,59 +5965,55 @@
             </a:r>
             <a:r>
               <a:rPr lang="fr-FR" dirty="0"/>
-              <a:t> est un mot clé utilisé en lieu et place de return, à la différence près qu’on va récupérer un </a:t>
-            </a:r>
-            <a:r>
-              <a:rPr lang="fr-FR" dirty="0" smtClean="0"/>
-              <a:t>générateur</a:t>
+              <a:t> est un mot clé utilisé en lieu et place de return, à la différence près qu’on va récupérer un générateur</a:t>
             </a:r>
           </a:p>
           <a:p>
             <a:pPr lvl="1"/>
             <a:r>
-              <a:rPr lang="fr-FR" dirty="0" smtClean="0"/>
+              <a:rPr lang="fr-FR" dirty="0"/>
               <a:t>Exécution en retard (</a:t>
             </a:r>
             <a:r>
-              <a:rPr lang="fr-FR" dirty="0" err="1" smtClean="0"/>
+              <a:rPr lang="fr-FR" dirty="0" err="1"/>
               <a:t>Lazy</a:t>
             </a:r>
             <a:r>
-              <a:rPr lang="fr-FR" dirty="0" smtClean="0"/>
+              <a:rPr lang="fr-FR" dirty="0"/>
               <a:t> </a:t>
             </a:r>
             <a:r>
-              <a:rPr lang="fr-FR" dirty="0" err="1" smtClean="0"/>
+              <a:rPr lang="fr-FR" dirty="0" err="1"/>
               <a:t>Loading</a:t>
             </a:r>
             <a:r>
-              <a:rPr lang="fr-FR" dirty="0" smtClean="0"/>
+              <a:rPr lang="fr-FR" dirty="0"/>
               <a:t>)</a:t>
             </a:r>
           </a:p>
           <a:p>
             <a:pPr lvl="1"/>
             <a:r>
-              <a:rPr lang="fr-FR" dirty="0" smtClean="0"/>
+              <a:rPr lang="fr-FR" dirty="0"/>
               <a:t>Utilisé pour les filtres</a:t>
             </a:r>
           </a:p>
           <a:p>
             <a:pPr lvl="1"/>
             <a:r>
-              <a:rPr lang="fr-FR" dirty="0" smtClean="0"/>
+              <a:rPr lang="fr-FR" dirty="0"/>
               <a:t>Compatible </a:t>
             </a:r>
             <a:r>
-              <a:rPr lang="fr-FR" dirty="0" err="1" smtClean="0"/>
+              <a:rPr lang="fr-FR" dirty="0" err="1"/>
               <a:t>await</a:t>
             </a:r>
             <a:r>
-              <a:rPr lang="fr-FR" dirty="0" smtClean="0"/>
+              <a:rPr lang="fr-FR" dirty="0"/>
               <a:t> </a:t>
             </a:r>
             <a:r>
-              <a:rPr lang="fr-FR" smtClean="0"/>
+              <a:rPr lang="fr-FR"/>
               <a:t>async</a:t>
             </a:r>
             <a:endParaRPr lang="fr-FR" dirty="0"/>
@@ -6390,13 +6078,6 @@
   <p:clrMapOvr>
     <a:masterClrMapping/>
   </p:clrMapOvr>
-  <p:timing>
-    <p:tnLst>
-      <p:par>
-        <p:cTn id="1" dur="indefinite" restart="never" nodeType="tmRoot"/>
-      </p:par>
-    </p:tnLst>
-  </p:timing>
 </p:sld>
 </file>
 
@@ -6433,10 +6114,9 @@
           <a:lstStyle/>
           <a:p>
             <a:r>
-              <a:rPr lang="fr-FR" dirty="0" smtClean="0"/>
+              <a:rPr lang="fr-FR" dirty="0"/>
               <a:t>Constructeur, destructeur</a:t>
             </a:r>
-            <a:endParaRPr lang="fr-FR" dirty="0"/>
           </a:p>
         </p:txBody>
       </p:sp>
@@ -6456,65 +6136,65 @@
           <a:lstStyle/>
           <a:p>
             <a:r>
-              <a:rPr lang="fr-FR" dirty="0" smtClean="0"/>
+              <a:rPr lang="fr-FR" dirty="0"/>
               <a:t>__</a:t>
             </a:r>
             <a:r>
-              <a:rPr lang="fr-FR" dirty="0" err="1" smtClean="0"/>
+              <a:rPr lang="fr-FR" dirty="0" err="1"/>
               <a:t>init</a:t>
             </a:r>
             <a:r>
-              <a:rPr lang="fr-FR" dirty="0" smtClean="0"/>
+              <a:rPr lang="fr-FR" dirty="0"/>
               <a:t>__</a:t>
             </a:r>
           </a:p>
           <a:p>
             <a:pPr lvl="1"/>
             <a:r>
-              <a:rPr lang="fr-FR" dirty="0" err="1" smtClean="0"/>
+              <a:rPr lang="fr-FR" dirty="0" err="1"/>
               <a:t>Initialisateur</a:t>
             </a:r>
             <a:r>
-              <a:rPr lang="fr-FR" dirty="0" smtClean="0"/>
+              <a:rPr lang="fr-FR" dirty="0"/>
               <a:t>, est appelé par __new__</a:t>
             </a:r>
           </a:p>
           <a:p>
             <a:r>
-              <a:rPr lang="fr-FR" dirty="0" smtClean="0"/>
+              <a:rPr lang="fr-FR" dirty="0"/>
               <a:t>__</a:t>
             </a:r>
             <a:r>
-              <a:rPr lang="fr-FR" dirty="0" err="1" smtClean="0"/>
+              <a:rPr lang="fr-FR" dirty="0" err="1"/>
               <a:t>del</a:t>
             </a:r>
             <a:r>
-              <a:rPr lang="fr-FR" dirty="0" smtClean="0"/>
+              <a:rPr lang="fr-FR" dirty="0"/>
               <a:t>__ : destructeur</a:t>
             </a:r>
           </a:p>
           <a:p>
             <a:pPr lvl="1"/>
             <a:r>
-              <a:rPr lang="fr-FR" dirty="0" smtClean="0"/>
+              <a:rPr lang="fr-FR" dirty="0"/>
               <a:t>Dernière méthode appelée avant destruction</a:t>
             </a:r>
           </a:p>
           <a:p>
             <a:pPr lvl="1"/>
             <a:r>
-              <a:rPr lang="fr-FR" dirty="0" err="1" smtClean="0"/>
+              <a:rPr lang="fr-FR" dirty="0" err="1"/>
               <a:t>Garbage</a:t>
             </a:r>
             <a:r>
-              <a:rPr lang="fr-FR" dirty="0" smtClean="0"/>
+              <a:rPr lang="fr-FR" dirty="0"/>
               <a:t> collector</a:t>
             </a:r>
           </a:p>
           <a:p>
             <a:pPr lvl="1"/>
             <a:r>
-              <a:rPr lang="fr-FR" dirty="0" smtClean="0"/>
+              <a:rPr lang="fr-FR" dirty="0"/>
               <a:t>Non immédiat</a:t>
             </a:r>
           </a:p>
@@ -6554,13 +6234,6 @@
   <p:clrMapOvr>
     <a:masterClrMapping/>
   </p:clrMapOvr>
-  <p:timing>
-    <p:tnLst>
-      <p:par>
-        <p:cTn id="1" dur="indefinite" restart="never" nodeType="tmRoot"/>
-      </p:par>
-    </p:tnLst>
-  </p:timing>
 </p:sld>
 </file>
 
@@ -6597,10 +6270,9 @@
           <a:lstStyle/>
           <a:p>
             <a:r>
-              <a:rPr lang="fr-FR" dirty="0" smtClean="0"/>
+              <a:rPr lang="fr-FR" dirty="0"/>
               <a:t>Mécanisme détaillé d’instanciation</a:t>
             </a:r>
-            <a:endParaRPr lang="fr-FR" dirty="0"/>
           </a:p>
         </p:txBody>
       </p:sp>
@@ -6620,47 +6292,47 @@
           <a:lstStyle/>
           <a:p>
             <a:r>
-              <a:rPr lang="fr-FR" dirty="0" smtClean="0"/>
+              <a:rPr lang="fr-FR" dirty="0"/>
               <a:t>En python une classe est également un objet</a:t>
             </a:r>
           </a:p>
           <a:p>
             <a:pPr lvl="1"/>
             <a:r>
-              <a:rPr lang="fr-FR" dirty="0" smtClean="0"/>
+              <a:rPr lang="fr-FR" dirty="0"/>
               <a:t>Tout est objet en Python</a:t>
             </a:r>
           </a:p>
           <a:p>
             <a:r>
-              <a:rPr lang="fr-FR" dirty="0" smtClean="0"/>
+              <a:rPr lang="fr-FR" dirty="0"/>
               <a:t>Lors de l’instanciation d’une classe Python appel 2 méthodes dans l’ordre suivant</a:t>
             </a:r>
           </a:p>
           <a:p>
             <a:pPr lvl="1"/>
             <a:r>
-              <a:rPr lang="fr-FR" dirty="0" smtClean="0"/>
+              <a:rPr lang="fr-FR" dirty="0"/>
               <a:t>__new__()</a:t>
             </a:r>
           </a:p>
           <a:p>
             <a:pPr lvl="1"/>
             <a:r>
-              <a:rPr lang="fr-FR" dirty="0" smtClean="0"/>
+              <a:rPr lang="fr-FR" dirty="0"/>
               <a:t>__</a:t>
             </a:r>
             <a:r>
-              <a:rPr lang="fr-FR" dirty="0" err="1" smtClean="0"/>
+              <a:rPr lang="fr-FR" dirty="0" err="1"/>
               <a:t>init</a:t>
             </a:r>
             <a:r>
-              <a:rPr lang="fr-FR" dirty="0" smtClean="0"/>
+              <a:rPr lang="fr-FR" dirty="0"/>
               <a:t>__(self)</a:t>
             </a:r>
           </a:p>
           <a:p>
-            <a:endParaRPr lang="fr-FR" dirty="0" smtClean="0"/>
+            <a:endParaRPr lang="fr-FR" dirty="0"/>
           </a:p>
         </p:txBody>
       </p:sp>
@@ -6674,13 +6346,6 @@
   <p:clrMapOvr>
     <a:masterClrMapping/>
   </p:clrMapOvr>
-  <p:timing>
-    <p:tnLst>
-      <p:par>
-        <p:cTn id="1" dur="indefinite" restart="never" nodeType="tmRoot"/>
-      </p:par>
-    </p:tnLst>
-  </p:timing>
 </p:sld>
 </file>
 
@@ -6717,10 +6382,9 @@
           <a:lstStyle/>
           <a:p>
             <a:r>
-              <a:rPr lang="fr-FR" dirty="0" smtClean="0"/>
+              <a:rPr lang="fr-FR" dirty="0"/>
               <a:t>__new__</a:t>
             </a:r>
-            <a:endParaRPr lang="fr-FR" dirty="0"/>
           </a:p>
         </p:txBody>
       </p:sp>
@@ -6740,27 +6404,27 @@
           <a:lstStyle/>
           <a:p>
             <a:r>
-              <a:rPr lang="fr-FR" dirty="0" smtClean="0"/>
+              <a:rPr lang="fr-FR" dirty="0"/>
               <a:t>__new__ est le constructeur réel de la classe</a:t>
             </a:r>
           </a:p>
           <a:p>
             <a:r>
-              <a:rPr lang="fr-FR" dirty="0" smtClean="0"/>
+              <a:rPr lang="fr-FR" dirty="0"/>
               <a:t>Si __new__ renvoie une instance de classe, il créé le paramètre self pour le passer à __</a:t>
             </a:r>
             <a:r>
-              <a:rPr lang="fr-FR" dirty="0" err="1" smtClean="0"/>
+              <a:rPr lang="fr-FR" dirty="0" err="1"/>
               <a:t>init</a:t>
             </a:r>
             <a:r>
-              <a:rPr lang="fr-FR" dirty="0" smtClean="0"/>
+              <a:rPr lang="fr-FR" dirty="0"/>
               <a:t>__</a:t>
             </a:r>
           </a:p>
           <a:p>
             <a:r>
-              <a:rPr lang="fr-FR" dirty="0" smtClean="0"/>
+              <a:rPr lang="fr-FR" dirty="0"/>
               <a:t>Sinon c’est un appel statique</a:t>
             </a:r>
           </a:p>
@@ -6768,7 +6432,7 @@
             <a:pPr marL="0" indent="0">
               <a:buNone/>
             </a:pPr>
-            <a:endParaRPr lang="fr-FR" dirty="0" smtClean="0"/>
+            <a:endParaRPr lang="fr-FR" dirty="0"/>
           </a:p>
           <a:p>
             <a:endParaRPr lang="fr-FR" dirty="0"/>
@@ -6785,13 +6449,6 @@
   <p:clrMapOvr>
     <a:masterClrMapping/>
   </p:clrMapOvr>
-  <p:timing>
-    <p:tnLst>
-      <p:par>
-        <p:cTn id="1" dur="indefinite" restart="never" nodeType="tmRoot"/>
-      </p:par>
-    </p:tnLst>
-  </p:timing>
 </p:sld>
 </file>
 
@@ -6828,7 +6485,7 @@
           <a:lstStyle/>
           <a:p>
             <a:r>
-              <a:rPr lang="fr-FR" dirty="0" err="1" smtClean="0"/>
+              <a:rPr lang="fr-FR" dirty="0" err="1"/>
               <a:t>Métaclasse</a:t>
             </a:r>
             <a:endParaRPr lang="fr-FR" dirty="0"/>
@@ -6852,15 +6509,7 @@
           <a:p>
             <a:r>
               <a:rPr lang="fr-FR" dirty="0"/>
-              <a:t>Les classes sont toutes </a:t>
-            </a:r>
-            <a:r>
-              <a:rPr lang="fr-FR" dirty="0" smtClean="0"/>
-              <a:t>modelées </a:t>
-            </a:r>
-            <a:r>
-              <a:rPr lang="fr-FR" dirty="0"/>
-              <a:t>par rapport à la </a:t>
+              <a:t>Les classes sont toutes modelées par rapport à la </a:t>
             </a:r>
             <a:r>
               <a:rPr lang="fr-FR" dirty="0" err="1"/>
@@ -6868,36 +6517,32 @@
             </a:r>
             <a:r>
               <a:rPr lang="fr-FR" dirty="0"/>
-              <a:t> </a:t>
-            </a:r>
-            <a:r>
-              <a:rPr lang="fr-FR" dirty="0" smtClean="0"/>
-              <a:t>type</a:t>
+              <a:t> type</a:t>
             </a:r>
           </a:p>
           <a:p>
             <a:pPr lvl="1"/>
             <a:r>
-              <a:rPr lang="fr-FR" dirty="0" smtClean="0"/>
+              <a:rPr lang="fr-FR" dirty="0"/>
               <a:t>Lors de l’exécution de __new__</a:t>
             </a:r>
           </a:p>
           <a:p>
             <a:r>
-              <a:rPr lang="fr-FR" dirty="0" smtClean="0"/>
+              <a:rPr lang="fr-FR" dirty="0"/>
               <a:t>Il s’agit de l’implémentation de l’interpréteur Python</a:t>
             </a:r>
           </a:p>
           <a:p>
             <a:r>
-              <a:rPr lang="fr-FR" dirty="0" smtClean="0"/>
+              <a:rPr lang="fr-FR" dirty="0"/>
               <a:t>Il est possible de changer la </a:t>
             </a:r>
             <a:r>
-              <a:rPr lang="fr-FR" dirty="0" err="1" smtClean="0"/>
+              <a:rPr lang="fr-FR" dirty="0" err="1"/>
               <a:t>métaclasse</a:t>
             </a:r>
-            <a:endParaRPr lang="fr-FR" dirty="0" smtClean="0"/>
+            <a:endParaRPr lang="fr-FR" dirty="0"/>
           </a:p>
           <a:p>
             <a:pPr lvl="1"/>
@@ -6929,7 +6574,6 @@
               <a:rPr lang="fr-FR" dirty="0"/>
               <a:t>)</a:t>
             </a:r>
-            <a:endParaRPr lang="fr-FR" dirty="0" smtClean="0"/>
           </a:p>
           <a:p>
             <a:endParaRPr lang="fr-FR" dirty="0"/>
@@ -6949,13 +6593,6 @@
   <p:clrMapOvr>
     <a:masterClrMapping/>
   </p:clrMapOvr>
-  <p:timing>
-    <p:tnLst>
-      <p:par>
-        <p:cTn id="1" dur="indefinite" restart="never" nodeType="tmRoot"/>
-      </p:par>
-    </p:tnLst>
-  </p:timing>
 </p:sld>
 </file>
 
@@ -6992,7 +6629,7 @@
           <a:lstStyle/>
           <a:p>
             <a:r>
-              <a:rPr lang="fr-FR" dirty="0" err="1" smtClean="0"/>
+              <a:rPr lang="fr-FR" dirty="0" err="1"/>
               <a:t>MyPy</a:t>
             </a:r>
             <a:endParaRPr lang="fr-FR" dirty="0"/>
@@ -7015,56 +6652,56 @@
           <a:lstStyle/>
           <a:p>
             <a:r>
-              <a:rPr lang="fr-FR" dirty="0" smtClean="0"/>
+              <a:rPr lang="fr-FR" dirty="0"/>
               <a:t>Python fortement typé</a:t>
             </a:r>
           </a:p>
           <a:p>
             <a:r>
-              <a:rPr lang="fr-FR" dirty="0" err="1" smtClean="0"/>
+              <a:rPr lang="fr-FR" dirty="0" err="1"/>
               <a:t>From</a:t>
             </a:r>
             <a:r>
-              <a:rPr lang="fr-FR" dirty="0" smtClean="0"/>
+              <a:rPr lang="fr-FR" dirty="0"/>
               <a:t> </a:t>
             </a:r>
             <a:r>
-              <a:rPr lang="fr-FR" dirty="0" err="1" smtClean="0"/>
+              <a:rPr lang="fr-FR" dirty="0" err="1"/>
               <a:t>typing</a:t>
             </a:r>
             <a:r>
-              <a:rPr lang="fr-FR" smtClean="0"/>
+              <a:rPr lang="fr-FR"/>
               <a:t> import *</a:t>
             </a:r>
-            <a:endParaRPr lang="fr-FR" dirty="0" smtClean="0"/>
-          </a:p>
-          <a:p>
-            <a:r>
-              <a:rPr lang="fr-FR" dirty="0" smtClean="0"/>
+            <a:endParaRPr lang="fr-FR" dirty="0"/>
+          </a:p>
+          <a:p>
+            <a:r>
+              <a:rPr lang="fr-FR" dirty="0"/>
               <a:t>Extensions *.</a:t>
             </a:r>
             <a:r>
-              <a:rPr lang="fr-FR" dirty="0" err="1" smtClean="0"/>
+              <a:rPr lang="fr-FR" dirty="0" err="1"/>
               <a:t>pyi</a:t>
             </a:r>
-            <a:endParaRPr lang="fr-FR" dirty="0" smtClean="0"/>
+            <a:endParaRPr lang="fr-FR" dirty="0"/>
           </a:p>
           <a:p>
             <a:pPr lvl="1"/>
             <a:r>
-              <a:rPr lang="fr-FR" dirty="0" smtClean="0"/>
+              <a:rPr lang="fr-FR" dirty="0"/>
               <a:t>Généralise le </a:t>
             </a:r>
             <a:r>
-              <a:rPr lang="fr-FR" dirty="0" err="1" smtClean="0"/>
+              <a:rPr lang="fr-FR" dirty="0" err="1"/>
               <a:t>isinstance</a:t>
             </a:r>
             <a:r>
-              <a:rPr lang="fr-FR" dirty="0" smtClean="0"/>
+              <a:rPr lang="fr-FR" dirty="0"/>
               <a:t> par </a:t>
             </a:r>
             <a:r>
-              <a:rPr lang="fr-FR" dirty="0" err="1" smtClean="0"/>
+              <a:rPr lang="fr-FR" dirty="0" err="1"/>
               <a:t>métaclasse</a:t>
             </a:r>
             <a:endParaRPr lang="fr-FR" dirty="0"/>
@@ -7141,7 +6778,7 @@
           <a:lstStyle/>
           <a:p>
             <a:r>
-              <a:rPr lang="fr-FR" dirty="0" err="1" smtClean="0"/>
+              <a:rPr lang="fr-FR" dirty="0" err="1"/>
               <a:t>MyPy</a:t>
             </a:r>
             <a:endParaRPr lang="fr-FR" dirty="0"/>
@@ -7218,18 +6855,17 @@
           <a:lstStyle/>
           <a:p>
             <a:r>
-              <a:rPr lang="fr-FR" dirty="0" smtClean="0"/>
+              <a:rPr lang="fr-FR" dirty="0"/>
               <a:t>__</a:t>
             </a:r>
             <a:r>
-              <a:rPr lang="fr-FR" dirty="0" err="1" smtClean="0"/>
+              <a:rPr lang="fr-FR" dirty="0" err="1"/>
               <a:t>getattr</a:t>
             </a:r>
             <a:r>
-              <a:rPr lang="fr-FR" dirty="0" smtClean="0"/>
+              <a:rPr lang="fr-FR" dirty="0"/>
               <a:t>__</a:t>
             </a:r>
-            <a:endParaRPr lang="fr-FR" dirty="0"/>
           </a:p>
         </p:txBody>
       </p:sp>
@@ -7249,10 +6885,9 @@
           <a:lstStyle/>
           <a:p>
             <a:r>
-              <a:rPr lang="fr-FR" dirty="0" smtClean="0"/>
+              <a:rPr lang="fr-FR" dirty="0"/>
               <a:t>C’est la méthode qui est appelée lorsque Python accède à un attribut</a:t>
             </a:r>
-            <a:endParaRPr lang="fr-FR" dirty="0"/>
           </a:p>
         </p:txBody>
       </p:sp>
@@ -7290,13 +6925,6 @@
   <p:clrMapOvr>
     <a:masterClrMapping/>
   </p:clrMapOvr>
-  <p:timing>
-    <p:tnLst>
-      <p:par>
-        <p:cTn id="1" dur="indefinite" restart="never" nodeType="tmRoot"/>
-      </p:par>
-    </p:tnLst>
-  </p:timing>
 </p:sld>
 </file>
 

--- a/PPT/Python15-Reflexion.pptx
+++ b/PPT/Python15-Reflexion.pptx
@@ -5,34 +5,35 @@
     <p:sldMasterId id="2147483653" r:id="rId1"/>
   </p:sldMasterIdLst>
   <p:notesMasterIdLst>
-    <p:notesMasterId r:id="rId24"/>
+    <p:notesMasterId r:id="rId25"/>
   </p:notesMasterIdLst>
   <p:handoutMasterIdLst>
-    <p:handoutMasterId r:id="rId25"/>
+    <p:handoutMasterId r:id="rId26"/>
   </p:handoutMasterIdLst>
   <p:sldIdLst>
     <p:sldId id="264" r:id="rId2"/>
-    <p:sldId id="265" r:id="rId3"/>
-    <p:sldId id="266" r:id="rId4"/>
-    <p:sldId id="288" r:id="rId5"/>
-    <p:sldId id="289" r:id="rId6"/>
-    <p:sldId id="290" r:id="rId7"/>
-    <p:sldId id="291" r:id="rId8"/>
-    <p:sldId id="292" r:id="rId9"/>
-    <p:sldId id="269" r:id="rId10"/>
-    <p:sldId id="270" r:id="rId11"/>
-    <p:sldId id="271" r:id="rId12"/>
-    <p:sldId id="282" r:id="rId13"/>
-    <p:sldId id="273" r:id="rId14"/>
-    <p:sldId id="274" r:id="rId15"/>
-    <p:sldId id="275" r:id="rId16"/>
-    <p:sldId id="276" r:id="rId17"/>
-    <p:sldId id="285" r:id="rId18"/>
-    <p:sldId id="286" r:id="rId19"/>
-    <p:sldId id="287" r:id="rId20"/>
-    <p:sldId id="277" r:id="rId21"/>
-    <p:sldId id="278" r:id="rId22"/>
-    <p:sldId id="279" r:id="rId23"/>
+    <p:sldId id="293" r:id="rId3"/>
+    <p:sldId id="265" r:id="rId4"/>
+    <p:sldId id="266" r:id="rId5"/>
+    <p:sldId id="288" r:id="rId6"/>
+    <p:sldId id="289" r:id="rId7"/>
+    <p:sldId id="290" r:id="rId8"/>
+    <p:sldId id="291" r:id="rId9"/>
+    <p:sldId id="292" r:id="rId10"/>
+    <p:sldId id="269" r:id="rId11"/>
+    <p:sldId id="270" r:id="rId12"/>
+    <p:sldId id="271" r:id="rId13"/>
+    <p:sldId id="282" r:id="rId14"/>
+    <p:sldId id="273" r:id="rId15"/>
+    <p:sldId id="274" r:id="rId16"/>
+    <p:sldId id="275" r:id="rId17"/>
+    <p:sldId id="276" r:id="rId18"/>
+    <p:sldId id="285" r:id="rId19"/>
+    <p:sldId id="286" r:id="rId20"/>
+    <p:sldId id="287" r:id="rId21"/>
+    <p:sldId id="277" r:id="rId22"/>
+    <p:sldId id="278" r:id="rId23"/>
+    <p:sldId id="279" r:id="rId24"/>
   </p:sldIdLst>
   <p:sldSz cx="9144000" cy="6858000" type="screen4x3"/>
   <p:notesSz cx="6648450" cy="9782175"/>
@@ -3793,7 +3794,7 @@
             </a:r>
             <a:r>
               <a:rPr lang="fr-FR" dirty="0" err="1"/>
-              <a:t>setattr</a:t>
+              <a:t>getattr</a:t>
             </a:r>
             <a:r>
               <a:rPr lang="fr-FR" dirty="0"/>
@@ -3819,14 +3820,14 @@
           <a:p>
             <a:r>
               <a:rPr lang="fr-FR" dirty="0"/>
-              <a:t>C’est la méthode qui est appelée lorsque Python accède à un attribut en écriture</a:t>
+              <a:t>C’est la méthode qui est appelée lorsque Python accède à un attribut</a:t>
             </a:r>
           </a:p>
         </p:txBody>
       </p:sp>
       <p:pic>
         <p:nvPicPr>
-          <p:cNvPr id="5" name="Image 4"/>
+          <p:cNvPr id="4" name="Image 3"/>
           <p:cNvPicPr>
             <a:picLocks noChangeAspect="1"/>
           </p:cNvPicPr>
@@ -3840,8 +3841,8 @@
         </p:blipFill>
         <p:spPr>
           <a:xfrm>
-            <a:off x="1547664" y="3068960"/>
-            <a:ext cx="6434878" cy="1292721"/>
+            <a:off x="1822" y="2318568"/>
+            <a:ext cx="6586402" cy="4134797"/>
           </a:xfrm>
           <a:prstGeom prst="rect">
             <a:avLst/>
@@ -3851,7 +3852,7 @@
     </p:spTree>
     <p:extLst>
       <p:ext uri="{BB962C8B-B14F-4D97-AF65-F5344CB8AC3E}">
-        <p14:creationId xmlns:p14="http://schemas.microsoft.com/office/powerpoint/2010/main" val="3326776791"/>
+        <p14:creationId xmlns:p14="http://schemas.microsoft.com/office/powerpoint/2010/main" val="3643471913"/>
       </p:ext>
     </p:extLst>
   </p:cSld>
@@ -3899,7 +3900,7 @@
             </a:r>
             <a:r>
               <a:rPr lang="fr-FR" dirty="0" err="1"/>
-              <a:t>delattr</a:t>
+              <a:t>setattr</a:t>
             </a:r>
             <a:r>
               <a:rPr lang="fr-FR" dirty="0"/>
@@ -3925,14 +3926,14 @@
           <a:p>
             <a:r>
               <a:rPr lang="fr-FR" dirty="0"/>
-              <a:t>Méthode appelée pour effacer un attribut</a:t>
+              <a:t>C’est la méthode qui est appelée lorsque Python accède à un attribut en écriture</a:t>
             </a:r>
           </a:p>
         </p:txBody>
       </p:sp>
       <p:pic>
         <p:nvPicPr>
-          <p:cNvPr id="4" name="Image 3"/>
+          <p:cNvPr id="5" name="Image 4"/>
           <p:cNvPicPr>
             <a:picLocks noChangeAspect="1"/>
           </p:cNvPicPr>
@@ -3946,8 +3947,8 @@
         </p:blipFill>
         <p:spPr>
           <a:xfrm>
-            <a:off x="611560" y="2060848"/>
-            <a:ext cx="7592844" cy="936104"/>
+            <a:off x="1547664" y="3068960"/>
+            <a:ext cx="6434878" cy="1292721"/>
           </a:xfrm>
           <a:prstGeom prst="rect">
             <a:avLst/>
@@ -3957,7 +3958,7 @@
     </p:spTree>
     <p:extLst>
       <p:ext uri="{BB962C8B-B14F-4D97-AF65-F5344CB8AC3E}">
-        <p14:creationId xmlns:p14="http://schemas.microsoft.com/office/powerpoint/2010/main" val="434229379"/>
+        <p14:creationId xmlns:p14="http://schemas.microsoft.com/office/powerpoint/2010/main" val="3326776791"/>
       </p:ext>
     </p:extLst>
   </p:cSld>
@@ -4005,7 +4006,7 @@
             </a:r>
             <a:r>
               <a:rPr lang="fr-FR" dirty="0" err="1"/>
-              <a:t>dict</a:t>
+              <a:t>delattr</a:t>
             </a:r>
             <a:r>
               <a:rPr lang="fr-FR" dirty="0"/>
@@ -4031,117 +4032,39 @@
           <a:p>
             <a:r>
               <a:rPr lang="fr-FR" dirty="0"/>
-              <a:t>Une classe est en fait un dictionnaire</a:t>
-            </a:r>
-          </a:p>
-          <a:p>
-            <a:r>
-              <a:rPr lang="fr-FR" dirty="0"/>
-              <a:t>self.__</a:t>
-            </a:r>
-            <a:r>
-              <a:rPr lang="fr-FR" dirty="0" err="1"/>
-              <a:t>dict</a:t>
-            </a:r>
-            <a:r>
-              <a:rPr lang="fr-FR" dirty="0"/>
-              <a:t>__[</a:t>
-            </a:r>
-            <a:r>
-              <a:rPr lang="fr-FR" dirty="0" err="1"/>
-              <a:t>name</a:t>
-            </a:r>
-            <a:r>
-              <a:rPr lang="fr-FR" dirty="0"/>
-              <a:t>] = value</a:t>
-            </a:r>
-          </a:p>
-          <a:p>
-            <a:pPr lvl="1"/>
-            <a:r>
-              <a:rPr lang="fr-FR" dirty="0"/>
-              <a:t>Est équivalent à</a:t>
-            </a:r>
-          </a:p>
-          <a:p>
-            <a:pPr lvl="1"/>
-            <a:r>
-              <a:rPr lang="en-US" dirty="0"/>
-              <a:t>object.__</a:t>
-            </a:r>
-            <a:r>
-              <a:rPr lang="en-US" dirty="0" err="1"/>
-              <a:t>setattr</a:t>
-            </a:r>
-            <a:r>
-              <a:rPr lang="en-US" dirty="0"/>
-              <a:t>__(self, name, value)</a:t>
-            </a:r>
-          </a:p>
-          <a:p>
-            <a:r>
-              <a:rPr lang="en-US" dirty="0"/>
-              <a:t>Les supers classes </a:t>
-            </a:r>
-            <a:r>
-              <a:rPr lang="en-US" dirty="0" err="1"/>
-              <a:t>sont</a:t>
-            </a:r>
-            <a:r>
-              <a:rPr lang="en-US" dirty="0"/>
-              <a:t> </a:t>
-            </a:r>
-            <a:r>
-              <a:rPr lang="en-US" dirty="0" err="1"/>
-              <a:t>stockées</a:t>
-            </a:r>
-            <a:r>
-              <a:rPr lang="en-US" dirty="0"/>
-              <a:t> </a:t>
-            </a:r>
-            <a:r>
-              <a:rPr lang="en-US" dirty="0" err="1"/>
-              <a:t>dans</a:t>
-            </a:r>
-            <a:r>
-              <a:rPr lang="en-US" dirty="0"/>
-              <a:t> </a:t>
-            </a:r>
-            <a:r>
-              <a:rPr lang="en-US" dirty="0" err="1"/>
-              <a:t>une</a:t>
-            </a:r>
-            <a:r>
-              <a:rPr lang="en-US" dirty="0"/>
-              <a:t> </a:t>
-            </a:r>
-            <a:r>
-              <a:rPr lang="en-US" dirty="0" err="1"/>
-              <a:t>liste</a:t>
-            </a:r>
-            <a:r>
-              <a:rPr lang="en-US" dirty="0"/>
-              <a:t> </a:t>
-            </a:r>
-            <a:r>
-              <a:rPr lang="en-US" dirty="0" err="1"/>
-              <a:t>nommée</a:t>
-            </a:r>
-            <a:r>
-              <a:rPr lang="en-US" dirty="0"/>
-              <a:t> __bases__</a:t>
-            </a:r>
-            <a:endParaRPr lang="fr-FR" dirty="0"/>
-          </a:p>
-          <a:p>
-            <a:endParaRPr lang="fr-FR" dirty="0"/>
+              <a:t>Méthode appelée pour effacer un attribut</a:t>
+            </a:r>
           </a:p>
         </p:txBody>
       </p:sp>
+      <p:pic>
+        <p:nvPicPr>
+          <p:cNvPr id="4" name="Image 3"/>
+          <p:cNvPicPr>
+            <a:picLocks noChangeAspect="1"/>
+          </p:cNvPicPr>
+          <p:nvPr/>
+        </p:nvPicPr>
+        <p:blipFill>
+          <a:blip r:embed="rId2"/>
+          <a:stretch>
+            <a:fillRect/>
+          </a:stretch>
+        </p:blipFill>
+        <p:spPr>
+          <a:xfrm>
+            <a:off x="611560" y="2060848"/>
+            <a:ext cx="7592844" cy="936104"/>
+          </a:xfrm>
+          <a:prstGeom prst="rect">
+            <a:avLst/>
+          </a:prstGeom>
+        </p:spPr>
+      </p:pic>
     </p:spTree>
     <p:extLst>
       <p:ext uri="{BB962C8B-B14F-4D97-AF65-F5344CB8AC3E}">
-        <p14:creationId xmlns:p14="http://schemas.microsoft.com/office/powerpoint/2010/main" val="3887820562"/>
+        <p14:creationId xmlns:p14="http://schemas.microsoft.com/office/powerpoint/2010/main" val="434229379"/>
       </p:ext>
     </p:extLst>
   </p:cSld>
@@ -4185,7 +4108,15 @@
           <a:p>
             <a:r>
               <a:rPr lang="fr-FR" dirty="0"/>
-              <a:t>Indexes d’objet</a:t>
+              <a:t>__</a:t>
+            </a:r>
+            <a:r>
+              <a:rPr lang="fr-FR" dirty="0" err="1"/>
+              <a:t>dict</a:t>
+            </a:r>
+            <a:r>
+              <a:rPr lang="fr-FR" dirty="0"/>
+              <a:t>__</a:t>
             </a:r>
           </a:p>
         </p:txBody>
@@ -4207,94 +4138,117 @@
           <a:p>
             <a:r>
               <a:rPr lang="fr-FR" dirty="0"/>
-              <a:t>Les méthodes que nous allons voir sont __</a:t>
+              <a:t>Une classe est en fait un dictionnaire</a:t>
+            </a:r>
+          </a:p>
+          <a:p>
+            <a:r>
+              <a:rPr lang="fr-FR" dirty="0"/>
+              <a:t>self.__</a:t>
             </a:r>
             <a:r>
               <a:rPr lang="fr-FR" dirty="0" err="1"/>
-              <a:t>getitem</a:t>
-            </a:r>
-            <a:r>
-              <a:rPr lang="fr-FR" dirty="0"/>
-              <a:t>__, __</a:t>
+              <a:t>dict</a:t>
+            </a:r>
+            <a:r>
+              <a:rPr lang="fr-FR" dirty="0"/>
+              <a:t>__[</a:t>
             </a:r>
             <a:r>
               <a:rPr lang="fr-FR" dirty="0" err="1"/>
-              <a:t>setitem</a:t>
-            </a:r>
-            <a:r>
-              <a:rPr lang="fr-FR" dirty="0"/>
-              <a:t>__ et __</a:t>
-            </a:r>
-            <a:r>
-              <a:rPr lang="fr-FR" dirty="0" err="1"/>
-              <a:t>delitem</a:t>
-            </a:r>
-            <a:r>
-              <a:rPr lang="fr-FR" dirty="0"/>
-              <a:t>__</a:t>
-            </a:r>
-          </a:p>
-          <a:p>
-            <a:r>
-              <a:rPr lang="fr-FR" dirty="0"/>
-              <a:t>Elles servent respectivement à définir quoi faire quand on écrit :</a:t>
+              <a:t>name</a:t>
+            </a:r>
+            <a:r>
+              <a:rPr lang="fr-FR" dirty="0"/>
+              <a:t>] = value</a:t>
             </a:r>
           </a:p>
           <a:p>
             <a:pPr lvl="1"/>
             <a:r>
               <a:rPr lang="fr-FR" dirty="0"/>
-              <a:t>objet[index] ;</a:t>
+              <a:t>Est équivalent à</a:t>
             </a:r>
           </a:p>
           <a:p>
             <a:pPr lvl="1"/>
             <a:r>
-              <a:rPr lang="fr-FR" dirty="0"/>
-              <a:t>objet[index] = valeur ;</a:t>
-            </a:r>
-          </a:p>
-          <a:p>
-            <a:pPr lvl="1"/>
-            <a:r>
-              <a:rPr lang="fr-FR" dirty="0" err="1"/>
-              <a:t>del</a:t>
-            </a:r>
-            <a:r>
-              <a:rPr lang="fr-FR" dirty="0"/>
-              <a:t> objet[index]</a:t>
-            </a:r>
+              <a:rPr lang="en-US" dirty="0"/>
+              <a:t>object.__</a:t>
+            </a:r>
+            <a:r>
+              <a:rPr lang="en-US" dirty="0" err="1"/>
+              <a:t>setattr</a:t>
+            </a:r>
+            <a:r>
+              <a:rPr lang="en-US" dirty="0"/>
+              <a:t>__(self, name, value)</a:t>
+            </a:r>
+          </a:p>
+          <a:p>
+            <a:r>
+              <a:rPr lang="en-US" dirty="0"/>
+              <a:t>Les supers classes </a:t>
+            </a:r>
+            <a:r>
+              <a:rPr lang="en-US" dirty="0" err="1"/>
+              <a:t>sont</a:t>
+            </a:r>
+            <a:r>
+              <a:rPr lang="en-US" dirty="0"/>
+              <a:t> </a:t>
+            </a:r>
+            <a:r>
+              <a:rPr lang="en-US" dirty="0" err="1"/>
+              <a:t>stockées</a:t>
+            </a:r>
+            <a:r>
+              <a:rPr lang="en-US" dirty="0"/>
+              <a:t> </a:t>
+            </a:r>
+            <a:r>
+              <a:rPr lang="en-US" dirty="0" err="1"/>
+              <a:t>dans</a:t>
+            </a:r>
+            <a:r>
+              <a:rPr lang="en-US" dirty="0"/>
+              <a:t> </a:t>
+            </a:r>
+            <a:r>
+              <a:rPr lang="en-US" dirty="0" err="1"/>
+              <a:t>une</a:t>
+            </a:r>
+            <a:r>
+              <a:rPr lang="en-US" dirty="0"/>
+              <a:t> </a:t>
+            </a:r>
+            <a:r>
+              <a:rPr lang="en-US" dirty="0" err="1"/>
+              <a:t>liste</a:t>
+            </a:r>
+            <a:r>
+              <a:rPr lang="en-US" dirty="0"/>
+              <a:t> </a:t>
+            </a:r>
+            <a:r>
+              <a:rPr lang="en-US" dirty="0" err="1"/>
+              <a:t>nommée</a:t>
+            </a:r>
+            <a:r>
+              <a:rPr lang="en-US" dirty="0"/>
+              <a:t> __bases__</a:t>
+            </a:r>
+            <a:endParaRPr lang="fr-FR" dirty="0"/>
+          </a:p>
+          <a:p>
+            <a:endParaRPr lang="fr-FR" dirty="0"/>
           </a:p>
         </p:txBody>
       </p:sp>
-      <p:pic>
-        <p:nvPicPr>
-          <p:cNvPr id="4" name="Image 3"/>
-          <p:cNvPicPr>
-            <a:picLocks noChangeAspect="1"/>
-          </p:cNvPicPr>
-          <p:nvPr/>
-        </p:nvPicPr>
-        <p:blipFill>
-          <a:blip r:embed="rId2"/>
-          <a:stretch>
-            <a:fillRect/>
-          </a:stretch>
-        </p:blipFill>
-        <p:spPr>
-          <a:xfrm>
-            <a:off x="3419872" y="4086824"/>
-            <a:ext cx="5733095" cy="2470171"/>
-          </a:xfrm>
-          <a:prstGeom prst="rect">
-            <a:avLst/>
-          </a:prstGeom>
-        </p:spPr>
-      </p:pic>
     </p:spTree>
     <p:extLst>
       <p:ext uri="{BB962C8B-B14F-4D97-AF65-F5344CB8AC3E}">
-        <p14:creationId xmlns:p14="http://schemas.microsoft.com/office/powerpoint/2010/main" val="2180427101"/>
+        <p14:creationId xmlns:p14="http://schemas.microsoft.com/office/powerpoint/2010/main" val="3887820562"/>
       </p:ext>
     </p:extLst>
   </p:cSld>
@@ -4338,13 +4292,8 @@
           <a:p>
             <a:r>
               <a:rPr lang="fr-FR" dirty="0"/>
-              <a:t>In et </a:t>
-            </a:r>
-            <a:r>
-              <a:rPr lang="fr-FR" dirty="0" err="1"/>
-              <a:t>contains</a:t>
-            </a:r>
-            <a:endParaRPr lang="fr-FR" dirty="0"/>
+              <a:t>Indexes d’objet</a:t>
+            </a:r>
           </a:p>
         </p:txBody>
       </p:sp>
@@ -4365,99 +4314,63 @@
           <a:p>
             <a:r>
               <a:rPr lang="fr-FR" dirty="0"/>
-              <a:t>Il existe une quatrième méthode, appelée __</a:t>
+              <a:t>Les méthodes que nous allons voir sont __</a:t>
             </a:r>
             <a:r>
               <a:rPr lang="fr-FR" dirty="0" err="1"/>
-              <a:t>contains</a:t>
-            </a:r>
-            <a:r>
-              <a:rPr lang="fr-FR" dirty="0"/>
-              <a:t>__, qui est utilisée quand on souhaite savoir si un objet se trouve dans une classe</a:t>
-            </a:r>
-          </a:p>
-          <a:p>
-            <a:endParaRPr lang="fr-FR" dirty="0"/>
-          </a:p>
-          <a:p>
-            <a:endParaRPr lang="fr-FR" dirty="0"/>
-          </a:p>
-          <a:p>
-            <a:endParaRPr lang="fr-FR" dirty="0"/>
-          </a:p>
-          <a:p>
-            <a:r>
-              <a:rPr lang="fr-FR" dirty="0"/>
-              <a:t>Nombre d’élément de la classe</a:t>
+              <a:t>getitem</a:t>
+            </a:r>
+            <a:r>
+              <a:rPr lang="fr-FR" dirty="0"/>
+              <a:t>__, __</a:t>
+            </a:r>
+            <a:r>
+              <a:rPr lang="fr-FR" dirty="0" err="1"/>
+              <a:t>setitem</a:t>
+            </a:r>
+            <a:r>
+              <a:rPr lang="fr-FR" dirty="0"/>
+              <a:t>__ et __</a:t>
+            </a:r>
+            <a:r>
+              <a:rPr lang="fr-FR" dirty="0" err="1"/>
+              <a:t>delitem</a:t>
+            </a:r>
+            <a:r>
+              <a:rPr lang="fr-FR" dirty="0"/>
+              <a:t>__</a:t>
+            </a:r>
+          </a:p>
+          <a:p>
+            <a:r>
+              <a:rPr lang="fr-FR" dirty="0"/>
+              <a:t>Elles servent respectivement à définir quoi faire quand on écrit :</a:t>
             </a:r>
           </a:p>
           <a:p>
             <a:pPr lvl="1"/>
             <a:r>
               <a:rPr lang="fr-FR" dirty="0"/>
-              <a:t>Len()</a:t>
+              <a:t>objet[index] ;</a:t>
             </a:r>
           </a:p>
           <a:p>
             <a:pPr lvl="1"/>
             <a:r>
               <a:rPr lang="fr-FR" dirty="0"/>
-              <a:t>Redéfinir __</a:t>
-            </a:r>
+              <a:t>objet[index] = valeur ;</a:t>
+            </a:r>
+          </a:p>
+          <a:p>
+            <a:pPr lvl="1"/>
             <a:r>
               <a:rPr lang="fr-FR" dirty="0" err="1"/>
-              <a:t>len</a:t>
-            </a:r>
-            <a:r>
-              <a:rPr lang="fr-FR" dirty="0"/>
-              <a:t>__</a:t>
-            </a:r>
-          </a:p>
-          <a:p>
-            <a:pPr lvl="1"/>
-            <a:r>
-              <a:rPr lang="fr-FR" dirty="0"/>
-              <a:t>Len(</a:t>
-            </a:r>
-            <a:r>
-              <a:rPr lang="fr-FR" dirty="0" err="1"/>
-              <a:t>object</a:t>
-            </a:r>
-            <a:r>
-              <a:rPr lang="fr-FR" dirty="0"/>
-              <a:t>) </a:t>
-            </a:r>
-            <a:r>
-              <a:rPr lang="fr-FR" dirty="0">
-                <a:sym typeface="Wingdings" panose="05000000000000000000" pitchFamily="2" charset="2"/>
-              </a:rPr>
-              <a:t> </a:t>
-            </a:r>
-            <a:r>
-              <a:rPr lang="fr-FR" dirty="0" err="1">
-                <a:sym typeface="Wingdings" panose="05000000000000000000" pitchFamily="2" charset="2"/>
-              </a:rPr>
-              <a:t>object</a:t>
-            </a:r>
-            <a:r>
-              <a:rPr lang="fr-FR" dirty="0">
-                <a:sym typeface="Wingdings" panose="05000000000000000000" pitchFamily="2" charset="2"/>
-              </a:rPr>
-              <a:t>.__</a:t>
-            </a:r>
-            <a:r>
-              <a:rPr lang="fr-FR" dirty="0" err="1">
-                <a:sym typeface="Wingdings" panose="05000000000000000000" pitchFamily="2" charset="2"/>
-              </a:rPr>
-              <a:t>len</a:t>
-            </a:r>
-            <a:r>
-              <a:rPr lang="fr-FR" dirty="0">
-                <a:sym typeface="Wingdings" panose="05000000000000000000" pitchFamily="2" charset="2"/>
-              </a:rPr>
-              <a:t>__</a:t>
-            </a:r>
-            <a:endParaRPr lang="fr-FR" dirty="0"/>
+              <a:t>del</a:t>
+            </a:r>
+            <a:r>
+              <a:rPr lang="fr-FR" dirty="0"/>
+              <a:t> objet[index]</a:t>
+            </a:r>
           </a:p>
         </p:txBody>
       </p:sp>
@@ -4477,8 +4390,8 @@
         </p:blipFill>
         <p:spPr>
           <a:xfrm>
-            <a:off x="1691680" y="3140968"/>
-            <a:ext cx="5829375" cy="936104"/>
+            <a:off x="3419872" y="4086824"/>
+            <a:ext cx="5733095" cy="2470171"/>
           </a:xfrm>
           <a:prstGeom prst="rect">
             <a:avLst/>
@@ -4488,7 +4401,7 @@
     </p:spTree>
     <p:extLst>
       <p:ext uri="{BB962C8B-B14F-4D97-AF65-F5344CB8AC3E}">
-        <p14:creationId xmlns:p14="http://schemas.microsoft.com/office/powerpoint/2010/main" val="617469741"/>
+        <p14:creationId xmlns:p14="http://schemas.microsoft.com/office/powerpoint/2010/main" val="2180427101"/>
       </p:ext>
     </p:extLst>
   </p:cSld>
@@ -4532,8 +4445,13 @@
           <a:p>
             <a:r>
               <a:rPr lang="fr-FR" dirty="0"/>
-              <a:t>Surcharge des opérateurs</a:t>
-            </a:r>
+              <a:t>In et </a:t>
+            </a:r>
+            <a:r>
+              <a:rPr lang="fr-FR" dirty="0" err="1"/>
+              <a:t>contains</a:t>
+            </a:r>
+            <a:endParaRPr lang="fr-FR" dirty="0"/>
           </a:p>
         </p:txBody>
       </p:sp>
@@ -4547,130 +4465,112 @@
             <p:ph idx="1"/>
           </p:nvPr>
         </p:nvSpPr>
-        <p:spPr>
-          <a:xfrm>
-            <a:off x="179512" y="1412776"/>
-            <a:ext cx="8640959" cy="5040560"/>
-          </a:xfrm>
-        </p:spPr>
+        <p:spPr/>
         <p:txBody>
           <a:bodyPr/>
           <a:lstStyle/>
           <a:p>
             <a:r>
-              <a:rPr lang="fr-FR" sz="2000" dirty="0"/>
+              <a:rPr lang="fr-FR" dirty="0"/>
+              <a:t>Il existe une quatrième méthode, appelée __</a:t>
+            </a:r>
+            <a:r>
+              <a:rPr lang="fr-FR" dirty="0" err="1"/>
+              <a:t>contains</a:t>
+            </a:r>
+            <a:r>
+              <a:rPr lang="fr-FR" dirty="0"/>
+              <a:t>__, qui est utilisée quand on souhaite savoir si un objet se trouve dans une classe</a:t>
+            </a:r>
+          </a:p>
+          <a:p>
+            <a:endParaRPr lang="fr-FR" dirty="0"/>
+          </a:p>
+          <a:p>
+            <a:endParaRPr lang="fr-FR" dirty="0"/>
+          </a:p>
+          <a:p>
+            <a:endParaRPr lang="fr-FR" dirty="0"/>
+          </a:p>
+          <a:p>
+            <a:r>
+              <a:rPr lang="fr-FR" dirty="0"/>
+              <a:t>Nombre d’élément de la classe</a:t>
+            </a:r>
+          </a:p>
+          <a:p>
+            <a:pPr lvl="1"/>
+            <a:r>
+              <a:rPr lang="fr-FR" dirty="0"/>
+              <a:t>Len()</a:t>
+            </a:r>
+          </a:p>
+          <a:p>
+            <a:pPr lvl="1"/>
+            <a:r>
+              <a:rPr lang="fr-FR" dirty="0"/>
+              <a:t>Redéfinir __</a:t>
+            </a:r>
+            <a:r>
+              <a:rPr lang="fr-FR" dirty="0" err="1"/>
+              <a:t>len</a:t>
+            </a:r>
+            <a:r>
+              <a:rPr lang="fr-FR" dirty="0"/>
               <a:t>__</a:t>
             </a:r>
-            <a:r>
-              <a:rPr lang="fr-FR" sz="2000" dirty="0" err="1"/>
-              <a:t>add</a:t>
-            </a:r>
-            <a:r>
-              <a:rPr lang="fr-FR" sz="2000" dirty="0"/>
-              <a:t>__ : surcharge de l'opérateur + </a:t>
-            </a:r>
-          </a:p>
-          <a:p>
-            <a:r>
-              <a:rPr lang="fr-FR" sz="2000" dirty="0"/>
+          </a:p>
+          <a:p>
+            <a:pPr lvl="1"/>
+            <a:r>
+              <a:rPr lang="fr-FR" dirty="0"/>
+              <a:t>Len(</a:t>
+            </a:r>
+            <a:r>
+              <a:rPr lang="fr-FR" dirty="0" err="1"/>
+              <a:t>object</a:t>
+            </a:r>
+            <a:r>
+              <a:rPr lang="fr-FR" dirty="0"/>
+              <a:t>) </a:t>
+            </a:r>
+            <a:r>
+              <a:rPr lang="fr-FR" dirty="0">
+                <a:sym typeface="Wingdings" panose="05000000000000000000" pitchFamily="2" charset="2"/>
+              </a:rPr>
+              <a:t> </a:t>
+            </a:r>
+            <a:r>
+              <a:rPr lang="fr-FR" dirty="0" err="1">
+                <a:sym typeface="Wingdings" panose="05000000000000000000" pitchFamily="2" charset="2"/>
+              </a:rPr>
+              <a:t>object</a:t>
+            </a:r>
+            <a:r>
+              <a:rPr lang="fr-FR" dirty="0">
+                <a:sym typeface="Wingdings" panose="05000000000000000000" pitchFamily="2" charset="2"/>
+              </a:rPr>
+              <a:t>.__</a:t>
+            </a:r>
+            <a:r>
+              <a:rPr lang="fr-FR" dirty="0" err="1">
+                <a:sym typeface="Wingdings" panose="05000000000000000000" pitchFamily="2" charset="2"/>
+              </a:rPr>
+              <a:t>len</a:t>
+            </a:r>
+            <a:r>
+              <a:rPr lang="fr-FR" dirty="0">
+                <a:sym typeface="Wingdings" panose="05000000000000000000" pitchFamily="2" charset="2"/>
+              </a:rPr>
               <a:t>__</a:t>
             </a:r>
-            <a:r>
-              <a:rPr lang="fr-FR" sz="2000" dirty="0" err="1"/>
-              <a:t>sub</a:t>
-            </a:r>
-            <a:r>
-              <a:rPr lang="fr-FR" sz="2000" dirty="0"/>
-              <a:t>__ : surcharge de l'opérateur - </a:t>
-            </a:r>
-          </a:p>
-          <a:p>
-            <a:r>
-              <a:rPr lang="fr-FR" sz="2000" dirty="0"/>
-              <a:t>__</a:t>
-            </a:r>
-            <a:r>
-              <a:rPr lang="fr-FR" sz="2000" dirty="0" err="1"/>
-              <a:t>mul</a:t>
-            </a:r>
-            <a:r>
-              <a:rPr lang="fr-FR" sz="2000" dirty="0"/>
-              <a:t>__ : surcharge de l'opérateur * </a:t>
-            </a:r>
-          </a:p>
-          <a:p>
-            <a:r>
-              <a:rPr lang="fr-FR" sz="2000" dirty="0"/>
-              <a:t>__</a:t>
-            </a:r>
-            <a:r>
-              <a:rPr lang="fr-FR" sz="2000" dirty="0" err="1"/>
-              <a:t>truediv</a:t>
-            </a:r>
-            <a:r>
-              <a:rPr lang="fr-FR" sz="2000" dirty="0"/>
-              <a:t>__ : surcharge de l'opérateur / </a:t>
-            </a:r>
-          </a:p>
-          <a:p>
-            <a:r>
-              <a:rPr lang="fr-FR" sz="2000" dirty="0"/>
-              <a:t>__le__ : surcharge de l'opérateur &lt;=</a:t>
-            </a:r>
-          </a:p>
-          <a:p>
-            <a:r>
-              <a:rPr lang="fr-FR" sz="2000" dirty="0"/>
-              <a:t>__</a:t>
-            </a:r>
-            <a:r>
-              <a:rPr lang="fr-FR" sz="2000" dirty="0" err="1"/>
-              <a:t>lt</a:t>
-            </a:r>
-            <a:r>
-              <a:rPr lang="fr-FR" sz="2000" dirty="0"/>
-              <a:t>__ : surcharge de l'opérateur &lt;</a:t>
-            </a:r>
-          </a:p>
-          <a:p>
-            <a:r>
-              <a:rPr lang="fr-FR" sz="2000" dirty="0"/>
-              <a:t>__</a:t>
-            </a:r>
-            <a:r>
-              <a:rPr lang="fr-FR" sz="2000" dirty="0" err="1"/>
-              <a:t>pow</a:t>
-            </a:r>
-            <a:r>
-              <a:rPr lang="fr-FR" sz="2000" dirty="0"/>
-              <a:t>__ : surcharge de l'opérateur ** (puissance) ;</a:t>
-            </a:r>
-          </a:p>
-          <a:p>
-            <a:r>
-              <a:rPr lang="fr-FR" sz="2000" dirty="0"/>
-              <a:t>__</a:t>
-            </a:r>
-            <a:r>
-              <a:rPr lang="fr-FR" sz="2000" dirty="0" err="1"/>
-              <a:t>eq</a:t>
-            </a:r>
-            <a:r>
-              <a:rPr lang="fr-FR" sz="2000" dirty="0"/>
-              <a:t>__ : ==</a:t>
-            </a:r>
-          </a:p>
-          <a:p>
-            <a:r>
-              <a:rPr lang="fr-FR" sz="2000" dirty="0"/>
-              <a:t>__ne__ : !=</a:t>
-            </a:r>
+            <a:endParaRPr lang="fr-FR" dirty="0"/>
           </a:p>
         </p:txBody>
       </p:sp>
       <p:pic>
         <p:nvPicPr>
-          <p:cNvPr id="5" name="Image 4"/>
+          <p:cNvPr id="4" name="Image 3"/>
           <p:cNvPicPr>
             <a:picLocks noChangeAspect="1"/>
           </p:cNvPicPr>
@@ -4684,8 +4584,8 @@
         </p:blipFill>
         <p:spPr>
           <a:xfrm>
-            <a:off x="3260600" y="4002956"/>
-            <a:ext cx="5883400" cy="2450380"/>
+            <a:off x="1691680" y="3140968"/>
+            <a:ext cx="5829375" cy="936104"/>
           </a:xfrm>
           <a:prstGeom prst="rect">
             <a:avLst/>
@@ -4695,7 +4595,7 @@
     </p:spTree>
     <p:extLst>
       <p:ext uri="{BB962C8B-B14F-4D97-AF65-F5344CB8AC3E}">
-        <p14:creationId xmlns:p14="http://schemas.microsoft.com/office/powerpoint/2010/main" val="3261323662"/>
+        <p14:creationId xmlns:p14="http://schemas.microsoft.com/office/powerpoint/2010/main" val="617469741"/>
       </p:ext>
     </p:extLst>
   </p:cSld>
@@ -4739,7 +4639,7 @@
           <a:p>
             <a:r>
               <a:rPr lang="fr-FR" dirty="0"/>
-              <a:t>Liste des attributs</a:t>
+              <a:t>Surcharge des opérateurs</a:t>
             </a:r>
           </a:p>
         </p:txBody>
@@ -4754,104 +4654,155 @@
             <p:ph idx="1"/>
           </p:nvPr>
         </p:nvSpPr>
-        <p:spPr/>
+        <p:spPr>
+          <a:xfrm>
+            <a:off x="179512" y="1412776"/>
+            <a:ext cx="8640959" cy="5040560"/>
+          </a:xfrm>
+        </p:spPr>
         <p:txBody>
           <a:bodyPr/>
           <a:lstStyle/>
           <a:p>
             <a:r>
-              <a:rPr lang="fr-FR" dirty="0"/>
+              <a:rPr lang="fr-FR" sz="2000" dirty="0"/>
               <a:t>__</a:t>
             </a:r>
             <a:r>
-              <a:rPr lang="fr-FR" dirty="0" err="1"/>
-              <a:t>get_state</a:t>
-            </a:r>
-            <a:r>
-              <a:rPr lang="fr-FR" dirty="0"/>
-              <a:t>__(self)</a:t>
-            </a:r>
-          </a:p>
-          <a:p>
-            <a:pPr lvl="1"/>
-            <a:r>
-              <a:rPr lang="fr-FR" dirty="0"/>
-              <a:t>Renvoie le dictionnaire des attributs de la classe</a:t>
-            </a:r>
-          </a:p>
-          <a:p>
-            <a:r>
-              <a:rPr lang="fr-FR" dirty="0"/>
+              <a:rPr lang="fr-FR" sz="2000" dirty="0" err="1"/>
+              <a:t>add</a:t>
+            </a:r>
+            <a:r>
+              <a:rPr lang="fr-FR" sz="2000" dirty="0"/>
+              <a:t>__ : surcharge de l'opérateur + </a:t>
+            </a:r>
+          </a:p>
+          <a:p>
+            <a:r>
+              <a:rPr lang="fr-FR" sz="2000" dirty="0"/>
               <a:t>__</a:t>
             </a:r>
             <a:r>
-              <a:rPr lang="fr-FR" dirty="0" err="1"/>
-              <a:t>set_state</a:t>
-            </a:r>
-            <a:r>
-              <a:rPr lang="fr-FR" dirty="0"/>
-              <a:t>__(self)</a:t>
-            </a:r>
-          </a:p>
-          <a:p>
-            <a:pPr lvl="1"/>
-            <a:r>
-              <a:rPr lang="fr-FR" dirty="0"/>
-              <a:t>Permet de modifier ce dictionnaire</a:t>
-            </a:r>
-          </a:p>
-          <a:p>
-            <a:pPr lvl="1"/>
-            <a:r>
-              <a:rPr lang="fr-FR" dirty="0"/>
-              <a:t>Utilisé par </a:t>
-            </a:r>
-            <a:r>
-              <a:rPr lang="fr-FR" dirty="0" err="1"/>
-              <a:t>Pickle</a:t>
-            </a:r>
-            <a:endParaRPr lang="fr-FR" dirty="0"/>
-          </a:p>
-          <a:p>
-            <a:r>
-              <a:rPr lang="fr-FR" dirty="0"/>
+              <a:rPr lang="fr-FR" sz="2000" dirty="0" err="1"/>
+              <a:t>sub</a:t>
+            </a:r>
+            <a:r>
+              <a:rPr lang="fr-FR" sz="2000" dirty="0"/>
+              <a:t>__ : surcharge de l'opérateur - </a:t>
+            </a:r>
+          </a:p>
+          <a:p>
+            <a:r>
+              <a:rPr lang="fr-FR" sz="2000" dirty="0"/>
               <a:t>__</a:t>
             </a:r>
             <a:r>
-              <a:rPr lang="fr-FR" dirty="0" err="1"/>
-              <a:t>dir</a:t>
-            </a:r>
-            <a:r>
-              <a:rPr lang="fr-FR" dirty="0"/>
-              <a:t>__(</a:t>
-            </a:r>
-            <a:r>
-              <a:rPr lang="fr-FR" dirty="0" err="1"/>
-              <a:t>object</a:t>
-            </a:r>
-            <a:r>
-              <a:rPr lang="fr-FR" dirty="0"/>
-              <a:t>)</a:t>
-            </a:r>
-          </a:p>
-          <a:p>
-            <a:pPr lvl="1"/>
-            <a:r>
-              <a:rPr lang="fr-FR" dirty="0"/>
-              <a:t>Permet de liste les attributs </a:t>
-            </a:r>
-            <a:r>
-              <a:rPr lang="fr-FR"/>
-              <a:t>d’une classe</a:t>
-            </a:r>
-            <a:endParaRPr lang="fr-FR" dirty="0"/>
+              <a:rPr lang="fr-FR" sz="2000" dirty="0" err="1"/>
+              <a:t>mul</a:t>
+            </a:r>
+            <a:r>
+              <a:rPr lang="fr-FR" sz="2000" dirty="0"/>
+              <a:t>__ : surcharge de l'opérateur * </a:t>
+            </a:r>
+          </a:p>
+          <a:p>
+            <a:r>
+              <a:rPr lang="fr-FR" sz="2000" dirty="0"/>
+              <a:t>__</a:t>
+            </a:r>
+            <a:r>
+              <a:rPr lang="fr-FR" sz="2000" dirty="0" err="1"/>
+              <a:t>truediv</a:t>
+            </a:r>
+            <a:r>
+              <a:rPr lang="fr-FR" sz="2000" dirty="0"/>
+              <a:t>__ : surcharge de l'opérateur / </a:t>
+            </a:r>
+          </a:p>
+          <a:p>
+            <a:r>
+              <a:rPr lang="fr-FR" sz="2000" dirty="0"/>
+              <a:t>__le__ : surcharge de l'opérateur &lt;=</a:t>
+            </a:r>
+          </a:p>
+          <a:p>
+            <a:r>
+              <a:rPr lang="fr-FR" sz="2000" dirty="0"/>
+              <a:t>__</a:t>
+            </a:r>
+            <a:r>
+              <a:rPr lang="fr-FR" sz="2000" dirty="0" err="1"/>
+              <a:t>lt</a:t>
+            </a:r>
+            <a:r>
+              <a:rPr lang="fr-FR" sz="2000" dirty="0"/>
+              <a:t>__ : surcharge de l'opérateur &lt;</a:t>
+            </a:r>
+          </a:p>
+          <a:p>
+            <a:r>
+              <a:rPr lang="fr-FR" sz="2000" dirty="0"/>
+              <a:t>__</a:t>
+            </a:r>
+            <a:r>
+              <a:rPr lang="fr-FR" sz="2000" dirty="0" err="1"/>
+              <a:t>pow</a:t>
+            </a:r>
+            <a:r>
+              <a:rPr lang="fr-FR" sz="2000" dirty="0"/>
+              <a:t>__ : surcharge de l'opérateur ** (puissance) ;</a:t>
+            </a:r>
+          </a:p>
+          <a:p>
+            <a:r>
+              <a:rPr lang="fr-FR" sz="2000" dirty="0"/>
+              <a:t>__</a:t>
+            </a:r>
+            <a:r>
+              <a:rPr lang="fr-FR" sz="2000" dirty="0" err="1"/>
+              <a:t>eq</a:t>
+            </a:r>
+            <a:r>
+              <a:rPr lang="fr-FR" sz="2000" dirty="0"/>
+              <a:t>__ : ==</a:t>
+            </a:r>
+          </a:p>
+          <a:p>
+            <a:r>
+              <a:rPr lang="fr-FR" sz="2000" dirty="0"/>
+              <a:t>__ne__ : !=</a:t>
+            </a:r>
           </a:p>
         </p:txBody>
       </p:sp>
+      <p:pic>
+        <p:nvPicPr>
+          <p:cNvPr id="5" name="Image 4"/>
+          <p:cNvPicPr>
+            <a:picLocks noChangeAspect="1"/>
+          </p:cNvPicPr>
+          <p:nvPr/>
+        </p:nvPicPr>
+        <p:blipFill>
+          <a:blip r:embed="rId2"/>
+          <a:stretch>
+            <a:fillRect/>
+          </a:stretch>
+        </p:blipFill>
+        <p:spPr>
+          <a:xfrm>
+            <a:off x="3260600" y="4002956"/>
+            <a:ext cx="5883400" cy="2450380"/>
+          </a:xfrm>
+          <a:prstGeom prst="rect">
+            <a:avLst/>
+          </a:prstGeom>
+        </p:spPr>
+      </p:pic>
     </p:spTree>
     <p:extLst>
       <p:ext uri="{BB962C8B-B14F-4D97-AF65-F5344CB8AC3E}">
-        <p14:creationId xmlns:p14="http://schemas.microsoft.com/office/powerpoint/2010/main" val="713473702"/>
+        <p14:creationId xmlns:p14="http://schemas.microsoft.com/office/powerpoint/2010/main" val="3261323662"/>
       </p:ext>
     </p:extLst>
   </p:cSld>
@@ -4894,10 +4845,9 @@
           <a:lstStyle/>
           <a:p>
             <a:r>
-              <a:rPr lang="fr-FR" dirty="0" err="1"/>
-              <a:t>Map</a:t>
-            </a:r>
-            <a:endParaRPr lang="fr-FR" dirty="0"/>
+              <a:rPr lang="fr-FR" dirty="0"/>
+              <a:t>Liste des attributs</a:t>
+            </a:r>
           </a:p>
         </p:txBody>
       </p:sp>
@@ -4917,38 +4867,90 @@
           <a:lstStyle/>
           <a:p>
             <a:r>
+              <a:rPr lang="fr-FR" dirty="0"/>
+              <a:t>__</a:t>
+            </a:r>
+            <a:r>
               <a:rPr lang="fr-FR" dirty="0" err="1"/>
-              <a:t>Map</a:t>
-            </a:r>
-            <a:r>
-              <a:rPr lang="fr-FR" dirty="0"/>
-              <a:t> permet d’appliquer une fonction sur une collection</a:t>
+              <a:t>get_state</a:t>
+            </a:r>
+            <a:r>
+              <a:rPr lang="fr-FR" dirty="0"/>
+              <a:t>__(self)</a:t>
             </a:r>
           </a:p>
           <a:p>
             <a:pPr lvl="1"/>
             <a:r>
-              <a:rPr lang="en-US" dirty="0"/>
-              <a:t>l= ["It's over 9000 !", "All your base are belong to us."]</a:t>
+              <a:rPr lang="fr-FR" dirty="0"/>
+              <a:t>Renvoie le dictionnaire des attributs de la classe</a:t>
+            </a:r>
+          </a:p>
+          <a:p>
+            <a:r>
+              <a:rPr lang="fr-FR" dirty="0"/>
+              <a:t>__</a:t>
+            </a:r>
+            <a:r>
+              <a:rPr lang="fr-FR" dirty="0" err="1"/>
+              <a:t>set_state</a:t>
+            </a:r>
+            <a:r>
+              <a:rPr lang="fr-FR" dirty="0"/>
+              <a:t>__(self)</a:t>
             </a:r>
           </a:p>
           <a:p>
             <a:pPr lvl="1"/>
             <a:r>
-              <a:rPr lang="en-US" dirty="0"/>
-              <a:t>print(map(</a:t>
-            </a:r>
-            <a:r>
-              <a:rPr lang="en-US" dirty="0" err="1"/>
-              <a:t>unicode.upper</a:t>
-            </a:r>
-            <a:r>
-              <a:rPr lang="en-US" dirty="0"/>
-              <a:t>, l))</a:t>
+              <a:rPr lang="fr-FR" dirty="0"/>
+              <a:t>Permet de modifier ce dictionnaire</a:t>
             </a:r>
           </a:p>
           <a:p>
             <a:pPr lvl="1"/>
+            <a:r>
+              <a:rPr lang="fr-FR" dirty="0"/>
+              <a:t>Utilisé par </a:t>
+            </a:r>
+            <a:r>
+              <a:rPr lang="fr-FR" dirty="0" err="1"/>
+              <a:t>Pickle</a:t>
+            </a:r>
+            <a:endParaRPr lang="fr-FR" dirty="0"/>
+          </a:p>
+          <a:p>
+            <a:r>
+              <a:rPr lang="fr-FR" dirty="0"/>
+              <a:t>__</a:t>
+            </a:r>
+            <a:r>
+              <a:rPr lang="fr-FR" dirty="0" err="1"/>
+              <a:t>dir</a:t>
+            </a:r>
+            <a:r>
+              <a:rPr lang="fr-FR" dirty="0"/>
+              <a:t>__(</a:t>
+            </a:r>
+            <a:r>
+              <a:rPr lang="fr-FR" dirty="0" err="1"/>
+              <a:t>object</a:t>
+            </a:r>
+            <a:r>
+              <a:rPr lang="fr-FR" dirty="0"/>
+              <a:t>)</a:t>
+            </a:r>
+          </a:p>
+          <a:p>
+            <a:pPr lvl="1"/>
+            <a:r>
+              <a:rPr lang="fr-FR" dirty="0"/>
+              <a:t>Permet de liste les attributs </a:t>
+            </a:r>
+            <a:r>
+              <a:rPr lang="fr-FR"/>
+              <a:t>d’une classe</a:t>
+            </a:r>
             <a:endParaRPr lang="fr-FR" dirty="0"/>
           </a:p>
         </p:txBody>
@@ -4956,7 +4958,7 @@
     </p:spTree>
     <p:extLst>
       <p:ext uri="{BB962C8B-B14F-4D97-AF65-F5344CB8AC3E}">
-        <p14:creationId xmlns:p14="http://schemas.microsoft.com/office/powerpoint/2010/main" val="3928039841"/>
+        <p14:creationId xmlns:p14="http://schemas.microsoft.com/office/powerpoint/2010/main" val="713473702"/>
       </p:ext>
     </p:extLst>
   </p:cSld>
@@ -5000,7 +5002,7 @@
           <a:p>
             <a:r>
               <a:rPr lang="fr-FR" dirty="0" err="1"/>
-              <a:t>Reduce</a:t>
+              <a:t>Map</a:t>
             </a:r>
             <a:endParaRPr lang="fr-FR" dirty="0"/>
           </a:p>
@@ -5016,77 +5018,52 @@
             <p:ph idx="1"/>
           </p:nvPr>
         </p:nvSpPr>
-        <p:spPr>
-          <a:xfrm>
-            <a:off x="179512" y="1412776"/>
-            <a:ext cx="5439537" cy="5040560"/>
-          </a:xfrm>
-        </p:spPr>
+        <p:spPr/>
         <p:txBody>
           <a:bodyPr/>
           <a:lstStyle/>
           <a:p>
             <a:r>
-              <a:rPr lang="fr-FR" dirty="0"/>
-              <a:t>La fonction doit prendre deux paramètres en entrée, et retourner une valeur</a:t>
-            </a:r>
-          </a:p>
-          <a:p>
-            <a:r>
-              <a:rPr lang="fr-FR" dirty="0"/>
-              <a:t>Au premier appel, les deux premiers éléments de l’</a:t>
-            </a:r>
-            <a:r>
               <a:rPr lang="fr-FR" dirty="0" err="1"/>
-              <a:t>itérable</a:t>
-            </a:r>
-            <a:r>
-              <a:rPr lang="fr-FR" dirty="0"/>
-              <a:t> sont passés en paramètres</a:t>
-            </a:r>
-          </a:p>
-          <a:p>
-            <a:r>
-              <a:rPr lang="fr-FR" dirty="0"/>
-              <a:t>Ensuite, le résultat de cet appel et l’élément suivant sont passés en paramètre, et ainsi de suite</a:t>
-            </a:r>
-          </a:p>
-          <a:p>
-            <a:r>
-              <a:rPr lang="fr-FR" dirty="0"/>
-              <a:t>Vous avez compris ?</a:t>
-            </a:r>
+              <a:t>Map</a:t>
+            </a:r>
+            <a:r>
+              <a:rPr lang="fr-FR" dirty="0"/>
+              <a:t> permet d’appliquer une fonction sur une collection</a:t>
+            </a:r>
+          </a:p>
+          <a:p>
+            <a:pPr lvl="1"/>
+            <a:r>
+              <a:rPr lang="en-US" dirty="0"/>
+              <a:t>l= ["It's over 9000 !", "All your base are belong to us."]</a:t>
+            </a:r>
+          </a:p>
+          <a:p>
+            <a:pPr lvl="1"/>
+            <a:r>
+              <a:rPr lang="en-US" dirty="0"/>
+              <a:t>print(map(</a:t>
+            </a:r>
+            <a:r>
+              <a:rPr lang="en-US" dirty="0" err="1"/>
+              <a:t>unicode.upper</a:t>
+            </a:r>
+            <a:r>
+              <a:rPr lang="en-US" dirty="0"/>
+              <a:t>, l))</a:t>
+            </a:r>
+          </a:p>
+          <a:p>
+            <a:pPr lvl="1"/>
+            <a:endParaRPr lang="fr-FR" dirty="0"/>
           </a:p>
         </p:txBody>
       </p:sp>
-      <p:pic>
-        <p:nvPicPr>
-          <p:cNvPr id="4" name="Image 3"/>
-          <p:cNvPicPr>
-            <a:picLocks noChangeAspect="1"/>
-          </p:cNvPicPr>
-          <p:nvPr/>
-        </p:nvPicPr>
-        <p:blipFill>
-          <a:blip r:embed="rId2"/>
-          <a:stretch>
-            <a:fillRect/>
-          </a:stretch>
-        </p:blipFill>
-        <p:spPr>
-          <a:xfrm>
-            <a:off x="5619049" y="1412777"/>
-            <a:ext cx="3416850" cy="5040560"/>
-          </a:xfrm>
-          <a:prstGeom prst="rect">
-            <a:avLst/>
-          </a:prstGeom>
-        </p:spPr>
-      </p:pic>
     </p:spTree>
     <p:extLst>
       <p:ext uri="{BB962C8B-B14F-4D97-AF65-F5344CB8AC3E}">
-        <p14:creationId xmlns:p14="http://schemas.microsoft.com/office/powerpoint/2010/main" val="1138190459"/>
+        <p14:creationId xmlns:p14="http://schemas.microsoft.com/office/powerpoint/2010/main" val="3928039841"/>
       </p:ext>
     </p:extLst>
   </p:cSld>
@@ -5146,6 +5123,264 @@
             <p:ph idx="1"/>
           </p:nvPr>
         </p:nvSpPr>
+        <p:spPr>
+          <a:xfrm>
+            <a:off x="179512" y="1412776"/>
+            <a:ext cx="5439537" cy="5040560"/>
+          </a:xfrm>
+        </p:spPr>
+        <p:txBody>
+          <a:bodyPr/>
+          <a:lstStyle/>
+          <a:p>
+            <a:r>
+              <a:rPr lang="fr-FR" dirty="0"/>
+              <a:t>La fonction doit prendre deux paramètres en entrée, et retourner une valeur</a:t>
+            </a:r>
+          </a:p>
+          <a:p>
+            <a:r>
+              <a:rPr lang="fr-FR" dirty="0"/>
+              <a:t>Au premier appel, les deux premiers éléments de l’</a:t>
+            </a:r>
+            <a:r>
+              <a:rPr lang="fr-FR" dirty="0" err="1"/>
+              <a:t>itérable</a:t>
+            </a:r>
+            <a:r>
+              <a:rPr lang="fr-FR" dirty="0"/>
+              <a:t> sont passés en paramètres</a:t>
+            </a:r>
+          </a:p>
+          <a:p>
+            <a:r>
+              <a:rPr lang="fr-FR" dirty="0"/>
+              <a:t>Ensuite, le résultat de cet appel et l’élément suivant sont passés en paramètre, et ainsi de suite</a:t>
+            </a:r>
+          </a:p>
+          <a:p>
+            <a:r>
+              <a:rPr lang="fr-FR" dirty="0"/>
+              <a:t>Vous avez compris ?</a:t>
+            </a:r>
+          </a:p>
+        </p:txBody>
+      </p:sp>
+      <p:pic>
+        <p:nvPicPr>
+          <p:cNvPr id="4" name="Image 3"/>
+          <p:cNvPicPr>
+            <a:picLocks noChangeAspect="1"/>
+          </p:cNvPicPr>
+          <p:nvPr/>
+        </p:nvPicPr>
+        <p:blipFill>
+          <a:blip r:embed="rId2"/>
+          <a:stretch>
+            <a:fillRect/>
+          </a:stretch>
+        </p:blipFill>
+        <p:spPr>
+          <a:xfrm>
+            <a:off x="5619049" y="1412777"/>
+            <a:ext cx="3416850" cy="5040560"/>
+          </a:xfrm>
+          <a:prstGeom prst="rect">
+            <a:avLst/>
+          </a:prstGeom>
+        </p:spPr>
+      </p:pic>
+    </p:spTree>
+    <p:extLst>
+      <p:ext uri="{BB962C8B-B14F-4D97-AF65-F5344CB8AC3E}">
+        <p14:creationId xmlns:p14="http://schemas.microsoft.com/office/powerpoint/2010/main" val="1138190459"/>
+      </p:ext>
+    </p:extLst>
+  </p:cSld>
+  <p:clrMapOvr>
+    <a:masterClrMapping/>
+  </p:clrMapOvr>
+</p:sld>
+</file>
+
+<file path=ppt/slides/slide2.xml><?xml version="1.0" encoding="utf-8"?>
+<p:sld xmlns:a="http://schemas.openxmlformats.org/drawingml/2006/main" xmlns:r="http://schemas.openxmlformats.org/officeDocument/2006/relationships" xmlns:p="http://schemas.openxmlformats.org/presentationml/2006/main">
+  <p:cSld>
+    <p:spTree>
+      <p:nvGrpSpPr>
+        <p:cNvPr id="1" name=""/>
+        <p:cNvGrpSpPr/>
+        <p:nvPr/>
+      </p:nvGrpSpPr>
+      <p:grpSpPr>
+        <a:xfrm>
+          <a:off x="0" y="0"/>
+          <a:ext cx="0" cy="0"/>
+          <a:chOff x="0" y="0"/>
+          <a:chExt cx="0" cy="0"/>
+        </a:xfrm>
+      </p:grpSpPr>
+      <p:sp>
+        <p:nvSpPr>
+          <p:cNvPr id="2" name="Titre 1">
+            <a:extLst>
+              <a:ext uri="{FF2B5EF4-FFF2-40B4-BE49-F238E27FC236}">
+                <a16:creationId xmlns:a16="http://schemas.microsoft.com/office/drawing/2014/main" id="{3E329FBA-78DD-4216-9826-FED88D65EB34}"/>
+              </a:ext>
+            </a:extLst>
+          </p:cNvPr>
+          <p:cNvSpPr>
+            <a:spLocks noGrp="1"/>
+          </p:cNvSpPr>
+          <p:nvPr>
+            <p:ph type="title"/>
+          </p:nvPr>
+        </p:nvSpPr>
+        <p:spPr/>
+        <p:txBody>
+          <a:bodyPr/>
+          <a:lstStyle/>
+          <a:p>
+            <a:r>
+              <a:rPr lang="fr-FR" dirty="0"/>
+              <a:t>:=</a:t>
+            </a:r>
+          </a:p>
+        </p:txBody>
+      </p:sp>
+      <p:sp>
+        <p:nvSpPr>
+          <p:cNvPr id="3" name="Espace réservé du contenu 2">
+            <a:extLst>
+              <a:ext uri="{FF2B5EF4-FFF2-40B4-BE49-F238E27FC236}">
+                <a16:creationId xmlns:a16="http://schemas.microsoft.com/office/drawing/2014/main" id="{1683CFD9-7508-43D7-B76D-84E4DA5BE964}"/>
+              </a:ext>
+            </a:extLst>
+          </p:cNvPr>
+          <p:cNvSpPr>
+            <a:spLocks noGrp="1"/>
+          </p:cNvSpPr>
+          <p:nvPr>
+            <p:ph idx="1"/>
+          </p:nvPr>
+        </p:nvSpPr>
+        <p:spPr/>
+        <p:txBody>
+          <a:bodyPr/>
+          <a:lstStyle/>
+          <a:p>
+            <a:r>
+              <a:rPr lang="fr-FR" dirty="0"/>
+              <a:t>Permet d'économiser du temps</a:t>
+            </a:r>
+          </a:p>
+          <a:p>
+            <a:pPr lvl="1"/>
+            <a:r>
+              <a:rPr lang="fr-FR" dirty="0"/>
+              <a:t>3.8</a:t>
+            </a:r>
+          </a:p>
+          <a:p>
+            <a:pPr marL="457200" lvl="1" indent="0">
+              <a:buNone/>
+            </a:pPr>
+            <a:r>
+              <a:rPr lang="en-US" dirty="0"/>
+              <a:t>if (n := </a:t>
+            </a:r>
+            <a:r>
+              <a:rPr lang="en-US" dirty="0" err="1"/>
+              <a:t>len</a:t>
+            </a:r>
+            <a:r>
+              <a:rPr lang="en-US" dirty="0"/>
+              <a:t>(a)) &gt; 10:</a:t>
+            </a:r>
+          </a:p>
+          <a:p>
+            <a:pPr marL="457200" lvl="1" indent="0">
+              <a:buNone/>
+            </a:pPr>
+            <a:r>
+              <a:rPr lang="en-US" dirty="0"/>
+              <a:t>    print(</a:t>
+            </a:r>
+            <a:r>
+              <a:rPr lang="en-US" dirty="0" err="1"/>
+              <a:t>f"List</a:t>
+            </a:r>
+            <a:r>
+              <a:rPr lang="en-US" dirty="0"/>
+              <a:t> is too long ({n} elements, expected &lt;= 10)")</a:t>
+            </a:r>
+            <a:endParaRPr lang="fr-FR" dirty="0"/>
+          </a:p>
+        </p:txBody>
+      </p:sp>
+    </p:spTree>
+    <p:extLst>
+      <p:ext uri="{BB962C8B-B14F-4D97-AF65-F5344CB8AC3E}">
+        <p14:creationId xmlns:p14="http://schemas.microsoft.com/office/powerpoint/2010/main" val="3166426264"/>
+      </p:ext>
+    </p:extLst>
+  </p:cSld>
+  <p:clrMapOvr>
+    <a:masterClrMapping/>
+  </p:clrMapOvr>
+</p:sld>
+</file>
+
+<file path=ppt/slides/slide20.xml><?xml version="1.0" encoding="utf-8"?>
+<p:sld xmlns:a="http://schemas.openxmlformats.org/drawingml/2006/main" xmlns:r="http://schemas.openxmlformats.org/officeDocument/2006/relationships" xmlns:p="http://schemas.openxmlformats.org/presentationml/2006/main">
+  <p:cSld>
+    <p:spTree>
+      <p:nvGrpSpPr>
+        <p:cNvPr id="1" name=""/>
+        <p:cNvGrpSpPr/>
+        <p:nvPr/>
+      </p:nvGrpSpPr>
+      <p:grpSpPr>
+        <a:xfrm>
+          <a:off x="0" y="0"/>
+          <a:ext cx="0" cy="0"/>
+          <a:chOff x="0" y="0"/>
+          <a:chExt cx="0" cy="0"/>
+        </a:xfrm>
+      </p:grpSpPr>
+      <p:sp>
+        <p:nvSpPr>
+          <p:cNvPr id="2" name="Titre 1"/>
+          <p:cNvSpPr>
+            <a:spLocks noGrp="1"/>
+          </p:cNvSpPr>
+          <p:nvPr>
+            <p:ph type="title"/>
+          </p:nvPr>
+        </p:nvSpPr>
+        <p:spPr/>
+        <p:txBody>
+          <a:bodyPr/>
+          <a:lstStyle/>
+          <a:p>
+            <a:r>
+              <a:rPr lang="fr-FR" dirty="0" err="1"/>
+              <a:t>Reduce</a:t>
+            </a:r>
+            <a:endParaRPr lang="fr-FR" dirty="0"/>
+          </a:p>
+        </p:txBody>
+      </p:sp>
+      <p:sp>
+        <p:nvSpPr>
+          <p:cNvPr id="3" name="Espace réservé du contenu 2"/>
+          <p:cNvSpPr>
+            <a:spLocks noGrp="1"/>
+          </p:cNvSpPr>
+          <p:nvPr>
+            <p:ph idx="1"/>
+          </p:nvPr>
+        </p:nvSpPr>
         <p:spPr/>
         <p:txBody>
           <a:bodyPr/>
@@ -5359,7 +5594,466 @@
 </p:sld>
 </file>
 
-<file path=ppt/slides/slide2.xml><?xml version="1.0" encoding="utf-8"?>
+<file path=ppt/slides/slide21.xml><?xml version="1.0" encoding="utf-8"?>
+<p:sld xmlns:a="http://schemas.openxmlformats.org/drawingml/2006/main" xmlns:r="http://schemas.openxmlformats.org/officeDocument/2006/relationships" xmlns:p="http://schemas.openxmlformats.org/presentationml/2006/main">
+  <p:cSld>
+    <p:spTree>
+      <p:nvGrpSpPr>
+        <p:cNvPr id="1" name=""/>
+        <p:cNvGrpSpPr/>
+        <p:nvPr/>
+      </p:nvGrpSpPr>
+      <p:grpSpPr>
+        <a:xfrm>
+          <a:off x="0" y="0"/>
+          <a:ext cx="0" cy="0"/>
+          <a:chOff x="0" y="0"/>
+          <a:chExt cx="0" cy="0"/>
+        </a:xfrm>
+      </p:grpSpPr>
+      <p:sp>
+        <p:nvSpPr>
+          <p:cNvPr id="2" name="Titre 1"/>
+          <p:cNvSpPr>
+            <a:spLocks noGrp="1"/>
+          </p:cNvSpPr>
+          <p:nvPr>
+            <p:ph type="title"/>
+          </p:nvPr>
+        </p:nvSpPr>
+        <p:spPr/>
+        <p:txBody>
+          <a:bodyPr/>
+          <a:lstStyle/>
+          <a:p>
+            <a:r>
+              <a:rPr lang="fr-FR" dirty="0"/>
+              <a:t>Les listes en intension</a:t>
+            </a:r>
+          </a:p>
+        </p:txBody>
+      </p:sp>
+      <p:sp>
+        <p:nvSpPr>
+          <p:cNvPr id="3" name="Espace réservé du contenu 2"/>
+          <p:cNvSpPr>
+            <a:spLocks noGrp="1"/>
+          </p:cNvSpPr>
+          <p:nvPr>
+            <p:ph idx="1"/>
+          </p:nvPr>
+        </p:nvSpPr>
+        <p:spPr/>
+        <p:txBody>
+          <a:bodyPr/>
+          <a:lstStyle/>
+          <a:p>
+            <a:r>
+              <a:rPr lang="fr-FR" dirty="0"/>
+              <a:t>Rappel</a:t>
+            </a:r>
+          </a:p>
+          <a:p>
+            <a:pPr lvl="1"/>
+            <a:r>
+              <a:rPr lang="fr-FR" dirty="0"/>
+              <a:t>Il est possible d’effectuer une boucle une liste grâce aux </a:t>
+            </a:r>
+            <a:r>
+              <a:rPr lang="fr-FR" dirty="0" err="1"/>
+              <a:t>itérateurs</a:t>
+            </a:r>
+            <a:endParaRPr lang="fr-FR" dirty="0"/>
+          </a:p>
+          <a:p>
+            <a:pPr lvl="2"/>
+            <a:endParaRPr lang="fr-FR" dirty="0"/>
+          </a:p>
+          <a:p>
+            <a:pPr lvl="2"/>
+            <a:endParaRPr lang="fr-FR" dirty="0"/>
+          </a:p>
+          <a:p>
+            <a:pPr lvl="2"/>
+            <a:endParaRPr lang="fr-FR" dirty="0"/>
+          </a:p>
+          <a:p>
+            <a:r>
+              <a:rPr lang="fr-FR" dirty="0"/>
+              <a:t>Il est possible de créer une liste en intension qui </a:t>
+            </a:r>
+            <a:r>
+              <a:rPr lang="fr-FR"/>
+              <a:t>sera une liste</a:t>
+            </a:r>
+            <a:endParaRPr lang="fr-FR" dirty="0"/>
+          </a:p>
+        </p:txBody>
+      </p:sp>
+      <p:pic>
+        <p:nvPicPr>
+          <p:cNvPr id="4" name="Image 3"/>
+          <p:cNvPicPr>
+            <a:picLocks noChangeAspect="1"/>
+          </p:cNvPicPr>
+          <p:nvPr/>
+        </p:nvPicPr>
+        <p:blipFill>
+          <a:blip r:embed="rId2"/>
+          <a:stretch>
+            <a:fillRect/>
+          </a:stretch>
+        </p:blipFill>
+        <p:spPr>
+          <a:xfrm>
+            <a:off x="2915816" y="2924944"/>
+            <a:ext cx="2256530" cy="895722"/>
+          </a:xfrm>
+          <a:prstGeom prst="rect">
+            <a:avLst/>
+          </a:prstGeom>
+        </p:spPr>
+      </p:pic>
+      <p:pic>
+        <p:nvPicPr>
+          <p:cNvPr id="5" name="Image 4"/>
+          <p:cNvPicPr>
+            <a:picLocks noChangeAspect="1"/>
+          </p:cNvPicPr>
+          <p:nvPr/>
+        </p:nvPicPr>
+        <p:blipFill>
+          <a:blip r:embed="rId3"/>
+          <a:stretch>
+            <a:fillRect/>
+          </a:stretch>
+        </p:blipFill>
+        <p:spPr>
+          <a:xfrm>
+            <a:off x="2895541" y="4837918"/>
+            <a:ext cx="3842873" cy="989831"/>
+          </a:xfrm>
+          <a:prstGeom prst="rect">
+            <a:avLst/>
+          </a:prstGeom>
+        </p:spPr>
+      </p:pic>
+    </p:spTree>
+    <p:extLst>
+      <p:ext uri="{BB962C8B-B14F-4D97-AF65-F5344CB8AC3E}">
+        <p14:creationId xmlns:p14="http://schemas.microsoft.com/office/powerpoint/2010/main" val="3347416299"/>
+      </p:ext>
+    </p:extLst>
+  </p:cSld>
+  <p:clrMapOvr>
+    <a:masterClrMapping/>
+  </p:clrMapOvr>
+</p:sld>
+</file>
+
+<file path=ppt/slides/slide22.xml><?xml version="1.0" encoding="utf-8"?>
+<p:sld xmlns:a="http://schemas.openxmlformats.org/drawingml/2006/main" xmlns:r="http://schemas.openxmlformats.org/officeDocument/2006/relationships" xmlns:p="http://schemas.openxmlformats.org/presentationml/2006/main">
+  <p:cSld>
+    <p:spTree>
+      <p:nvGrpSpPr>
+        <p:cNvPr id="1" name=""/>
+        <p:cNvGrpSpPr/>
+        <p:nvPr/>
+      </p:nvGrpSpPr>
+      <p:grpSpPr>
+        <a:xfrm>
+          <a:off x="0" y="0"/>
+          <a:ext cx="0" cy="0"/>
+          <a:chOff x="0" y="0"/>
+          <a:chExt cx="0" cy="0"/>
+        </a:xfrm>
+      </p:grpSpPr>
+      <p:sp>
+        <p:nvSpPr>
+          <p:cNvPr id="2" name="Titre 1"/>
+          <p:cNvSpPr>
+            <a:spLocks noGrp="1"/>
+          </p:cNvSpPr>
+          <p:nvPr>
+            <p:ph type="title"/>
+          </p:nvPr>
+        </p:nvSpPr>
+        <p:spPr/>
+        <p:txBody>
+          <a:bodyPr/>
+          <a:lstStyle/>
+          <a:p>
+            <a:r>
+              <a:rPr lang="fr-FR" dirty="0"/>
+              <a:t>Générateur</a:t>
+            </a:r>
+          </a:p>
+        </p:txBody>
+      </p:sp>
+      <p:sp>
+        <p:nvSpPr>
+          <p:cNvPr id="3" name="Espace réservé du contenu 2"/>
+          <p:cNvSpPr>
+            <a:spLocks noGrp="1"/>
+          </p:cNvSpPr>
+          <p:nvPr>
+            <p:ph idx="1"/>
+          </p:nvPr>
+        </p:nvSpPr>
+        <p:spPr/>
+        <p:txBody>
+          <a:bodyPr/>
+          <a:lstStyle/>
+          <a:p>
+            <a:r>
+              <a:rPr lang="fr-FR" dirty="0"/>
+              <a:t>Un générateur est identique à une liste en intension mais elle sera exécuté uniquement au moment du for</a:t>
+            </a:r>
+          </a:p>
+          <a:p>
+            <a:pPr lvl="1"/>
+            <a:r>
+              <a:rPr lang="fr-FR" dirty="0"/>
+              <a:t>Utilisateur du </a:t>
+            </a:r>
+            <a:r>
+              <a:rPr lang="fr-FR" dirty="0" err="1"/>
+              <a:t>yield</a:t>
+            </a:r>
+            <a:r>
+              <a:rPr lang="fr-FR" dirty="0"/>
+              <a:t> au lieu de l’</a:t>
+            </a:r>
+            <a:r>
+              <a:rPr lang="fr-FR" dirty="0" err="1"/>
+              <a:t>itérateur</a:t>
+            </a:r>
+            <a:endParaRPr lang="fr-FR" dirty="0"/>
+          </a:p>
+          <a:p>
+            <a:pPr lvl="1"/>
+            <a:r>
+              <a:rPr lang="fr-FR" dirty="0"/>
+              <a:t>() au lieu de []</a:t>
+            </a:r>
+          </a:p>
+        </p:txBody>
+      </p:sp>
+      <p:pic>
+        <p:nvPicPr>
+          <p:cNvPr id="4" name="Image 3"/>
+          <p:cNvPicPr>
+            <a:picLocks noChangeAspect="1"/>
+          </p:cNvPicPr>
+          <p:nvPr/>
+        </p:nvPicPr>
+        <p:blipFill>
+          <a:blip r:embed="rId2"/>
+          <a:stretch>
+            <a:fillRect/>
+          </a:stretch>
+        </p:blipFill>
+        <p:spPr>
+          <a:xfrm>
+            <a:off x="1547664" y="4005064"/>
+            <a:ext cx="5271586" cy="1008112"/>
+          </a:xfrm>
+          <a:prstGeom prst="rect">
+            <a:avLst/>
+          </a:prstGeom>
+        </p:spPr>
+      </p:pic>
+    </p:spTree>
+    <p:extLst>
+      <p:ext uri="{BB962C8B-B14F-4D97-AF65-F5344CB8AC3E}">
+        <p14:creationId xmlns:p14="http://schemas.microsoft.com/office/powerpoint/2010/main" val="1168370978"/>
+      </p:ext>
+    </p:extLst>
+  </p:cSld>
+  <p:clrMapOvr>
+    <a:masterClrMapping/>
+  </p:clrMapOvr>
+</p:sld>
+</file>
+
+<file path=ppt/slides/slide23.xml><?xml version="1.0" encoding="utf-8"?>
+<p:sld xmlns:a="http://schemas.openxmlformats.org/drawingml/2006/main" xmlns:r="http://schemas.openxmlformats.org/officeDocument/2006/relationships" xmlns:p="http://schemas.openxmlformats.org/presentationml/2006/main">
+  <p:cSld>
+    <p:spTree>
+      <p:nvGrpSpPr>
+        <p:cNvPr id="1" name=""/>
+        <p:cNvGrpSpPr/>
+        <p:nvPr/>
+      </p:nvGrpSpPr>
+      <p:grpSpPr>
+        <a:xfrm>
+          <a:off x="0" y="0"/>
+          <a:ext cx="0" cy="0"/>
+          <a:chOff x="0" y="0"/>
+          <a:chExt cx="0" cy="0"/>
+        </a:xfrm>
+      </p:grpSpPr>
+      <p:sp>
+        <p:nvSpPr>
+          <p:cNvPr id="2" name="Titre 1"/>
+          <p:cNvSpPr>
+            <a:spLocks noGrp="1"/>
+          </p:cNvSpPr>
+          <p:nvPr>
+            <p:ph type="title"/>
+          </p:nvPr>
+        </p:nvSpPr>
+        <p:spPr/>
+        <p:txBody>
+          <a:bodyPr/>
+          <a:lstStyle/>
+          <a:p>
+            <a:r>
+              <a:rPr lang="fr-FR" dirty="0" err="1"/>
+              <a:t>Yield</a:t>
+            </a:r>
+            <a:endParaRPr lang="fr-FR" dirty="0"/>
+          </a:p>
+        </p:txBody>
+      </p:sp>
+      <p:sp>
+        <p:nvSpPr>
+          <p:cNvPr id="3" name="Espace réservé du contenu 2"/>
+          <p:cNvSpPr>
+            <a:spLocks noGrp="1"/>
+          </p:cNvSpPr>
+          <p:nvPr>
+            <p:ph idx="1"/>
+          </p:nvPr>
+        </p:nvSpPr>
+        <p:spPr/>
+        <p:txBody>
+          <a:bodyPr/>
+          <a:lstStyle/>
+          <a:p>
+            <a:r>
+              <a:rPr lang="fr-FR" dirty="0" err="1"/>
+              <a:t>yield</a:t>
+            </a:r>
+            <a:r>
+              <a:rPr lang="fr-FR" dirty="0"/>
+              <a:t> est un mot clé utilisé en lieu et place de return, à la différence près qu’on va récupérer un générateur</a:t>
+            </a:r>
+          </a:p>
+          <a:p>
+            <a:pPr lvl="1"/>
+            <a:r>
+              <a:rPr lang="fr-FR" dirty="0"/>
+              <a:t>Exécution en retard (</a:t>
+            </a:r>
+            <a:r>
+              <a:rPr lang="fr-FR" dirty="0" err="1"/>
+              <a:t>Lazy</a:t>
+            </a:r>
+            <a:r>
+              <a:rPr lang="fr-FR" dirty="0"/>
+              <a:t> </a:t>
+            </a:r>
+            <a:r>
+              <a:rPr lang="fr-FR" dirty="0" err="1"/>
+              <a:t>Loading</a:t>
+            </a:r>
+            <a:r>
+              <a:rPr lang="fr-FR" dirty="0"/>
+              <a:t>)</a:t>
+            </a:r>
+          </a:p>
+          <a:p>
+            <a:pPr lvl="1"/>
+            <a:r>
+              <a:rPr lang="fr-FR" dirty="0"/>
+              <a:t>Utilisé pour les filtres</a:t>
+            </a:r>
+          </a:p>
+          <a:p>
+            <a:pPr lvl="1"/>
+            <a:r>
+              <a:rPr lang="fr-FR" dirty="0"/>
+              <a:t>Compatible </a:t>
+            </a:r>
+            <a:r>
+              <a:rPr lang="fr-FR" dirty="0" err="1"/>
+              <a:t>await</a:t>
+            </a:r>
+            <a:r>
+              <a:rPr lang="fr-FR" dirty="0"/>
+              <a:t> </a:t>
+            </a:r>
+            <a:r>
+              <a:rPr lang="fr-FR"/>
+              <a:t>async</a:t>
+            </a:r>
+            <a:endParaRPr lang="fr-FR" dirty="0"/>
+          </a:p>
+        </p:txBody>
+      </p:sp>
+      <p:pic>
+        <p:nvPicPr>
+          <p:cNvPr id="4" name="Image 3"/>
+          <p:cNvPicPr>
+            <a:picLocks noChangeAspect="1"/>
+          </p:cNvPicPr>
+          <p:nvPr/>
+        </p:nvPicPr>
+        <p:blipFill>
+          <a:blip r:embed="rId2"/>
+          <a:stretch>
+            <a:fillRect/>
+          </a:stretch>
+        </p:blipFill>
+        <p:spPr>
+          <a:xfrm>
+            <a:off x="4211960" y="3300899"/>
+            <a:ext cx="3562360" cy="1480740"/>
+          </a:xfrm>
+          <a:prstGeom prst="rect">
+            <a:avLst/>
+          </a:prstGeom>
+        </p:spPr>
+      </p:pic>
+      <p:pic>
+        <p:nvPicPr>
+          <p:cNvPr id="5" name="Image 4"/>
+          <p:cNvPicPr>
+            <a:picLocks noChangeAspect="1"/>
+          </p:cNvPicPr>
+          <p:nvPr/>
+        </p:nvPicPr>
+        <p:blipFill>
+          <a:blip r:embed="rId3"/>
+          <a:stretch>
+            <a:fillRect/>
+          </a:stretch>
+        </p:blipFill>
+        <p:spPr>
+          <a:xfrm>
+            <a:off x="4431436" y="5061500"/>
+            <a:ext cx="3123408" cy="753926"/>
+          </a:xfrm>
+          <a:prstGeom prst="rect">
+            <a:avLst/>
+          </a:prstGeom>
+        </p:spPr>
+      </p:pic>
+    </p:spTree>
+    <p:extLst>
+      <p:ext uri="{BB962C8B-B14F-4D97-AF65-F5344CB8AC3E}">
+        <p14:creationId xmlns:p14="http://schemas.microsoft.com/office/powerpoint/2010/main" val="1104021961"/>
+      </p:ext>
+    </p:extLst>
+  </p:cSld>
+  <p:clrMapOvr>
+    <a:masterClrMapping/>
+  </p:clrMapOvr>
+</p:sld>
+</file>
+
+<file path=ppt/slides/slide3.xml><?xml version="1.0" encoding="utf-8"?>
 <p:sld xmlns:a="http://schemas.openxmlformats.org/drawingml/2006/main" xmlns:r="http://schemas.openxmlformats.org/officeDocument/2006/relationships" xmlns:p="http://schemas.openxmlformats.org/presentationml/2006/main">
   <p:cSld>
     <p:spTree>
@@ -5622,621 +6316,6 @@
 </p:sld>
 </file>
 
-<file path=ppt/slides/slide20.xml><?xml version="1.0" encoding="utf-8"?>
-<p:sld xmlns:a="http://schemas.openxmlformats.org/drawingml/2006/main" xmlns:r="http://schemas.openxmlformats.org/officeDocument/2006/relationships" xmlns:p="http://schemas.openxmlformats.org/presentationml/2006/main">
-  <p:cSld>
-    <p:spTree>
-      <p:nvGrpSpPr>
-        <p:cNvPr id="1" name=""/>
-        <p:cNvGrpSpPr/>
-        <p:nvPr/>
-      </p:nvGrpSpPr>
-      <p:grpSpPr>
-        <a:xfrm>
-          <a:off x="0" y="0"/>
-          <a:ext cx="0" cy="0"/>
-          <a:chOff x="0" y="0"/>
-          <a:chExt cx="0" cy="0"/>
-        </a:xfrm>
-      </p:grpSpPr>
-      <p:sp>
-        <p:nvSpPr>
-          <p:cNvPr id="2" name="Titre 1"/>
-          <p:cNvSpPr>
-            <a:spLocks noGrp="1"/>
-          </p:cNvSpPr>
-          <p:nvPr>
-            <p:ph type="title"/>
-          </p:nvPr>
-        </p:nvSpPr>
-        <p:spPr/>
-        <p:txBody>
-          <a:bodyPr/>
-          <a:lstStyle/>
-          <a:p>
-            <a:r>
-              <a:rPr lang="fr-FR" dirty="0"/>
-              <a:t>Les listes en intension</a:t>
-            </a:r>
-          </a:p>
-        </p:txBody>
-      </p:sp>
-      <p:sp>
-        <p:nvSpPr>
-          <p:cNvPr id="3" name="Espace réservé du contenu 2"/>
-          <p:cNvSpPr>
-            <a:spLocks noGrp="1"/>
-          </p:cNvSpPr>
-          <p:nvPr>
-            <p:ph idx="1"/>
-          </p:nvPr>
-        </p:nvSpPr>
-        <p:spPr/>
-        <p:txBody>
-          <a:bodyPr/>
-          <a:lstStyle/>
-          <a:p>
-            <a:r>
-              <a:rPr lang="fr-FR" dirty="0"/>
-              <a:t>Rappel</a:t>
-            </a:r>
-          </a:p>
-          <a:p>
-            <a:pPr lvl="1"/>
-            <a:r>
-              <a:rPr lang="fr-FR" dirty="0"/>
-              <a:t>Il est possible d’effectuer une boucle une liste grâce aux </a:t>
-            </a:r>
-            <a:r>
-              <a:rPr lang="fr-FR" dirty="0" err="1"/>
-              <a:t>itérateurs</a:t>
-            </a:r>
-            <a:endParaRPr lang="fr-FR" dirty="0"/>
-          </a:p>
-          <a:p>
-            <a:pPr lvl="2"/>
-            <a:endParaRPr lang="fr-FR" dirty="0"/>
-          </a:p>
-          <a:p>
-            <a:pPr lvl="2"/>
-            <a:endParaRPr lang="fr-FR" dirty="0"/>
-          </a:p>
-          <a:p>
-            <a:pPr lvl="2"/>
-            <a:endParaRPr lang="fr-FR" dirty="0"/>
-          </a:p>
-          <a:p>
-            <a:r>
-              <a:rPr lang="fr-FR" dirty="0"/>
-              <a:t>Il est possible de créer une liste en intension qui </a:t>
-            </a:r>
-            <a:r>
-              <a:rPr lang="fr-FR"/>
-              <a:t>sera une liste</a:t>
-            </a:r>
-            <a:endParaRPr lang="fr-FR" dirty="0"/>
-          </a:p>
-        </p:txBody>
-      </p:sp>
-      <p:pic>
-        <p:nvPicPr>
-          <p:cNvPr id="4" name="Image 3"/>
-          <p:cNvPicPr>
-            <a:picLocks noChangeAspect="1"/>
-          </p:cNvPicPr>
-          <p:nvPr/>
-        </p:nvPicPr>
-        <p:blipFill>
-          <a:blip r:embed="rId2"/>
-          <a:stretch>
-            <a:fillRect/>
-          </a:stretch>
-        </p:blipFill>
-        <p:spPr>
-          <a:xfrm>
-            <a:off x="2915816" y="2924944"/>
-            <a:ext cx="2256530" cy="895722"/>
-          </a:xfrm>
-          <a:prstGeom prst="rect">
-            <a:avLst/>
-          </a:prstGeom>
-        </p:spPr>
-      </p:pic>
-      <p:pic>
-        <p:nvPicPr>
-          <p:cNvPr id="5" name="Image 4"/>
-          <p:cNvPicPr>
-            <a:picLocks noChangeAspect="1"/>
-          </p:cNvPicPr>
-          <p:nvPr/>
-        </p:nvPicPr>
-        <p:blipFill>
-          <a:blip r:embed="rId3"/>
-          <a:stretch>
-            <a:fillRect/>
-          </a:stretch>
-        </p:blipFill>
-        <p:spPr>
-          <a:xfrm>
-            <a:off x="2895541" y="4837918"/>
-            <a:ext cx="3842873" cy="989831"/>
-          </a:xfrm>
-          <a:prstGeom prst="rect">
-            <a:avLst/>
-          </a:prstGeom>
-        </p:spPr>
-      </p:pic>
-    </p:spTree>
-    <p:extLst>
-      <p:ext uri="{BB962C8B-B14F-4D97-AF65-F5344CB8AC3E}">
-        <p14:creationId xmlns:p14="http://schemas.microsoft.com/office/powerpoint/2010/main" val="3347416299"/>
-      </p:ext>
-    </p:extLst>
-  </p:cSld>
-  <p:clrMapOvr>
-    <a:masterClrMapping/>
-  </p:clrMapOvr>
-</p:sld>
-</file>
-
-<file path=ppt/slides/slide21.xml><?xml version="1.0" encoding="utf-8"?>
-<p:sld xmlns:a="http://schemas.openxmlformats.org/drawingml/2006/main" xmlns:r="http://schemas.openxmlformats.org/officeDocument/2006/relationships" xmlns:p="http://schemas.openxmlformats.org/presentationml/2006/main">
-  <p:cSld>
-    <p:spTree>
-      <p:nvGrpSpPr>
-        <p:cNvPr id="1" name=""/>
-        <p:cNvGrpSpPr/>
-        <p:nvPr/>
-      </p:nvGrpSpPr>
-      <p:grpSpPr>
-        <a:xfrm>
-          <a:off x="0" y="0"/>
-          <a:ext cx="0" cy="0"/>
-          <a:chOff x="0" y="0"/>
-          <a:chExt cx="0" cy="0"/>
-        </a:xfrm>
-      </p:grpSpPr>
-      <p:sp>
-        <p:nvSpPr>
-          <p:cNvPr id="2" name="Titre 1"/>
-          <p:cNvSpPr>
-            <a:spLocks noGrp="1"/>
-          </p:cNvSpPr>
-          <p:nvPr>
-            <p:ph type="title"/>
-          </p:nvPr>
-        </p:nvSpPr>
-        <p:spPr/>
-        <p:txBody>
-          <a:bodyPr/>
-          <a:lstStyle/>
-          <a:p>
-            <a:r>
-              <a:rPr lang="fr-FR" dirty="0"/>
-              <a:t>Générateur</a:t>
-            </a:r>
-          </a:p>
-        </p:txBody>
-      </p:sp>
-      <p:sp>
-        <p:nvSpPr>
-          <p:cNvPr id="3" name="Espace réservé du contenu 2"/>
-          <p:cNvSpPr>
-            <a:spLocks noGrp="1"/>
-          </p:cNvSpPr>
-          <p:nvPr>
-            <p:ph idx="1"/>
-          </p:nvPr>
-        </p:nvSpPr>
-        <p:spPr/>
-        <p:txBody>
-          <a:bodyPr/>
-          <a:lstStyle/>
-          <a:p>
-            <a:r>
-              <a:rPr lang="fr-FR" dirty="0"/>
-              <a:t>Un générateur est identique à une liste en intension mais elle sera exécuté uniquement au moment du for</a:t>
-            </a:r>
-          </a:p>
-          <a:p>
-            <a:pPr lvl="1"/>
-            <a:r>
-              <a:rPr lang="fr-FR" dirty="0"/>
-              <a:t>Utilisateur du </a:t>
-            </a:r>
-            <a:r>
-              <a:rPr lang="fr-FR" dirty="0" err="1"/>
-              <a:t>yield</a:t>
-            </a:r>
-            <a:r>
-              <a:rPr lang="fr-FR" dirty="0"/>
-              <a:t> au lieu de l’</a:t>
-            </a:r>
-            <a:r>
-              <a:rPr lang="fr-FR" dirty="0" err="1"/>
-              <a:t>itérateur</a:t>
-            </a:r>
-            <a:endParaRPr lang="fr-FR" dirty="0"/>
-          </a:p>
-          <a:p>
-            <a:pPr lvl="1"/>
-            <a:r>
-              <a:rPr lang="fr-FR" dirty="0"/>
-              <a:t>() au lieu de []</a:t>
-            </a:r>
-          </a:p>
-        </p:txBody>
-      </p:sp>
-      <p:pic>
-        <p:nvPicPr>
-          <p:cNvPr id="4" name="Image 3"/>
-          <p:cNvPicPr>
-            <a:picLocks noChangeAspect="1"/>
-          </p:cNvPicPr>
-          <p:nvPr/>
-        </p:nvPicPr>
-        <p:blipFill>
-          <a:blip r:embed="rId2"/>
-          <a:stretch>
-            <a:fillRect/>
-          </a:stretch>
-        </p:blipFill>
-        <p:spPr>
-          <a:xfrm>
-            <a:off x="1547664" y="4005064"/>
-            <a:ext cx="5271586" cy="1008112"/>
-          </a:xfrm>
-          <a:prstGeom prst="rect">
-            <a:avLst/>
-          </a:prstGeom>
-        </p:spPr>
-      </p:pic>
-    </p:spTree>
-    <p:extLst>
-      <p:ext uri="{BB962C8B-B14F-4D97-AF65-F5344CB8AC3E}">
-        <p14:creationId xmlns:p14="http://schemas.microsoft.com/office/powerpoint/2010/main" val="1168370978"/>
-      </p:ext>
-    </p:extLst>
-  </p:cSld>
-  <p:clrMapOvr>
-    <a:masterClrMapping/>
-  </p:clrMapOvr>
-</p:sld>
-</file>
-
-<file path=ppt/slides/slide22.xml><?xml version="1.0" encoding="utf-8"?>
-<p:sld xmlns:a="http://schemas.openxmlformats.org/drawingml/2006/main" xmlns:r="http://schemas.openxmlformats.org/officeDocument/2006/relationships" xmlns:p="http://schemas.openxmlformats.org/presentationml/2006/main">
-  <p:cSld>
-    <p:spTree>
-      <p:nvGrpSpPr>
-        <p:cNvPr id="1" name=""/>
-        <p:cNvGrpSpPr/>
-        <p:nvPr/>
-      </p:nvGrpSpPr>
-      <p:grpSpPr>
-        <a:xfrm>
-          <a:off x="0" y="0"/>
-          <a:ext cx="0" cy="0"/>
-          <a:chOff x="0" y="0"/>
-          <a:chExt cx="0" cy="0"/>
-        </a:xfrm>
-      </p:grpSpPr>
-      <p:sp>
-        <p:nvSpPr>
-          <p:cNvPr id="2" name="Titre 1"/>
-          <p:cNvSpPr>
-            <a:spLocks noGrp="1"/>
-          </p:cNvSpPr>
-          <p:nvPr>
-            <p:ph type="title"/>
-          </p:nvPr>
-        </p:nvSpPr>
-        <p:spPr/>
-        <p:txBody>
-          <a:bodyPr/>
-          <a:lstStyle/>
-          <a:p>
-            <a:r>
-              <a:rPr lang="fr-FR" dirty="0" err="1"/>
-              <a:t>Yield</a:t>
-            </a:r>
-            <a:endParaRPr lang="fr-FR" dirty="0"/>
-          </a:p>
-        </p:txBody>
-      </p:sp>
-      <p:sp>
-        <p:nvSpPr>
-          <p:cNvPr id="3" name="Espace réservé du contenu 2"/>
-          <p:cNvSpPr>
-            <a:spLocks noGrp="1"/>
-          </p:cNvSpPr>
-          <p:nvPr>
-            <p:ph idx="1"/>
-          </p:nvPr>
-        </p:nvSpPr>
-        <p:spPr/>
-        <p:txBody>
-          <a:bodyPr/>
-          <a:lstStyle/>
-          <a:p>
-            <a:r>
-              <a:rPr lang="fr-FR" dirty="0" err="1"/>
-              <a:t>yield</a:t>
-            </a:r>
-            <a:r>
-              <a:rPr lang="fr-FR" dirty="0"/>
-              <a:t> est un mot clé utilisé en lieu et place de return, à la différence près qu’on va récupérer un générateur</a:t>
-            </a:r>
-          </a:p>
-          <a:p>
-            <a:pPr lvl="1"/>
-            <a:r>
-              <a:rPr lang="fr-FR" dirty="0"/>
-              <a:t>Exécution en retard (</a:t>
-            </a:r>
-            <a:r>
-              <a:rPr lang="fr-FR" dirty="0" err="1"/>
-              <a:t>Lazy</a:t>
-            </a:r>
-            <a:r>
-              <a:rPr lang="fr-FR" dirty="0"/>
-              <a:t> </a:t>
-            </a:r>
-            <a:r>
-              <a:rPr lang="fr-FR" dirty="0" err="1"/>
-              <a:t>Loading</a:t>
-            </a:r>
-            <a:r>
-              <a:rPr lang="fr-FR" dirty="0"/>
-              <a:t>)</a:t>
-            </a:r>
-          </a:p>
-          <a:p>
-            <a:pPr lvl="1"/>
-            <a:r>
-              <a:rPr lang="fr-FR" dirty="0"/>
-              <a:t>Utilisé pour les filtres</a:t>
-            </a:r>
-          </a:p>
-          <a:p>
-            <a:pPr lvl="1"/>
-            <a:r>
-              <a:rPr lang="fr-FR" dirty="0"/>
-              <a:t>Compatible </a:t>
-            </a:r>
-            <a:r>
-              <a:rPr lang="fr-FR" dirty="0" err="1"/>
-              <a:t>await</a:t>
-            </a:r>
-            <a:r>
-              <a:rPr lang="fr-FR" dirty="0"/>
-              <a:t> </a:t>
-            </a:r>
-            <a:r>
-              <a:rPr lang="fr-FR"/>
-              <a:t>async</a:t>
-            </a:r>
-            <a:endParaRPr lang="fr-FR" dirty="0"/>
-          </a:p>
-        </p:txBody>
-      </p:sp>
-      <p:pic>
-        <p:nvPicPr>
-          <p:cNvPr id="4" name="Image 3"/>
-          <p:cNvPicPr>
-            <a:picLocks noChangeAspect="1"/>
-          </p:cNvPicPr>
-          <p:nvPr/>
-        </p:nvPicPr>
-        <p:blipFill>
-          <a:blip r:embed="rId2"/>
-          <a:stretch>
-            <a:fillRect/>
-          </a:stretch>
-        </p:blipFill>
-        <p:spPr>
-          <a:xfrm>
-            <a:off x="4211960" y="3300899"/>
-            <a:ext cx="3562360" cy="1480740"/>
-          </a:xfrm>
-          <a:prstGeom prst="rect">
-            <a:avLst/>
-          </a:prstGeom>
-        </p:spPr>
-      </p:pic>
-      <p:pic>
-        <p:nvPicPr>
-          <p:cNvPr id="5" name="Image 4"/>
-          <p:cNvPicPr>
-            <a:picLocks noChangeAspect="1"/>
-          </p:cNvPicPr>
-          <p:nvPr/>
-        </p:nvPicPr>
-        <p:blipFill>
-          <a:blip r:embed="rId3"/>
-          <a:stretch>
-            <a:fillRect/>
-          </a:stretch>
-        </p:blipFill>
-        <p:spPr>
-          <a:xfrm>
-            <a:off x="4431436" y="5061500"/>
-            <a:ext cx="3123408" cy="753926"/>
-          </a:xfrm>
-          <a:prstGeom prst="rect">
-            <a:avLst/>
-          </a:prstGeom>
-        </p:spPr>
-      </p:pic>
-    </p:spTree>
-    <p:extLst>
-      <p:ext uri="{BB962C8B-B14F-4D97-AF65-F5344CB8AC3E}">
-        <p14:creationId xmlns:p14="http://schemas.microsoft.com/office/powerpoint/2010/main" val="1104021961"/>
-      </p:ext>
-    </p:extLst>
-  </p:cSld>
-  <p:clrMapOvr>
-    <a:masterClrMapping/>
-  </p:clrMapOvr>
-</p:sld>
-</file>
-
-<file path=ppt/slides/slide3.xml><?xml version="1.0" encoding="utf-8"?>
-<p:sld xmlns:a="http://schemas.openxmlformats.org/drawingml/2006/main" xmlns:r="http://schemas.openxmlformats.org/officeDocument/2006/relationships" xmlns:p="http://schemas.openxmlformats.org/presentationml/2006/main">
-  <p:cSld>
-    <p:spTree>
-      <p:nvGrpSpPr>
-        <p:cNvPr id="1" name=""/>
-        <p:cNvGrpSpPr/>
-        <p:nvPr/>
-      </p:nvGrpSpPr>
-      <p:grpSpPr>
-        <a:xfrm>
-          <a:off x="0" y="0"/>
-          <a:ext cx="0" cy="0"/>
-          <a:chOff x="0" y="0"/>
-          <a:chExt cx="0" cy="0"/>
-        </a:xfrm>
-      </p:grpSpPr>
-      <p:sp>
-        <p:nvSpPr>
-          <p:cNvPr id="2" name="Titre 1"/>
-          <p:cNvSpPr>
-            <a:spLocks noGrp="1"/>
-          </p:cNvSpPr>
-          <p:nvPr>
-            <p:ph type="title"/>
-          </p:nvPr>
-        </p:nvSpPr>
-        <p:spPr/>
-        <p:txBody>
-          <a:bodyPr/>
-          <a:lstStyle/>
-          <a:p>
-            <a:r>
-              <a:rPr lang="fr-FR" dirty="0"/>
-              <a:t>Constructeur, destructeur</a:t>
-            </a:r>
-          </a:p>
-        </p:txBody>
-      </p:sp>
-      <p:sp>
-        <p:nvSpPr>
-          <p:cNvPr id="3" name="Espace réservé du contenu 2"/>
-          <p:cNvSpPr>
-            <a:spLocks noGrp="1"/>
-          </p:cNvSpPr>
-          <p:nvPr>
-            <p:ph idx="1"/>
-          </p:nvPr>
-        </p:nvSpPr>
-        <p:spPr/>
-        <p:txBody>
-          <a:bodyPr/>
-          <a:lstStyle/>
-          <a:p>
-            <a:r>
-              <a:rPr lang="fr-FR" dirty="0"/>
-              <a:t>__</a:t>
-            </a:r>
-            <a:r>
-              <a:rPr lang="fr-FR" dirty="0" err="1"/>
-              <a:t>init</a:t>
-            </a:r>
-            <a:r>
-              <a:rPr lang="fr-FR" dirty="0"/>
-              <a:t>__</a:t>
-            </a:r>
-          </a:p>
-          <a:p>
-            <a:pPr lvl="1"/>
-            <a:r>
-              <a:rPr lang="fr-FR" dirty="0" err="1"/>
-              <a:t>Initialisateur</a:t>
-            </a:r>
-            <a:r>
-              <a:rPr lang="fr-FR" dirty="0"/>
-              <a:t>, est appelé par __new__</a:t>
-            </a:r>
-          </a:p>
-          <a:p>
-            <a:r>
-              <a:rPr lang="fr-FR" dirty="0"/>
-              <a:t>__</a:t>
-            </a:r>
-            <a:r>
-              <a:rPr lang="fr-FR" dirty="0" err="1"/>
-              <a:t>del</a:t>
-            </a:r>
-            <a:r>
-              <a:rPr lang="fr-FR" dirty="0"/>
-              <a:t>__ : destructeur</a:t>
-            </a:r>
-          </a:p>
-          <a:p>
-            <a:pPr lvl="1"/>
-            <a:r>
-              <a:rPr lang="fr-FR" dirty="0"/>
-              <a:t>Dernière méthode appelée avant destruction</a:t>
-            </a:r>
-          </a:p>
-          <a:p>
-            <a:pPr lvl="1"/>
-            <a:r>
-              <a:rPr lang="fr-FR" dirty="0" err="1"/>
-              <a:t>Garbage</a:t>
-            </a:r>
-            <a:r>
-              <a:rPr lang="fr-FR" dirty="0"/>
-              <a:t> collector</a:t>
-            </a:r>
-          </a:p>
-          <a:p>
-            <a:pPr lvl="1"/>
-            <a:r>
-              <a:rPr lang="fr-FR" dirty="0"/>
-              <a:t>Non immédiat</a:t>
-            </a:r>
-          </a:p>
-        </p:txBody>
-      </p:sp>
-      <p:pic>
-        <p:nvPicPr>
-          <p:cNvPr id="4" name="Image 3"/>
-          <p:cNvPicPr>
-            <a:picLocks noChangeAspect="1"/>
-          </p:cNvPicPr>
-          <p:nvPr/>
-        </p:nvPicPr>
-        <p:blipFill>
-          <a:blip r:embed="rId2"/>
-          <a:stretch>
-            <a:fillRect/>
-          </a:stretch>
-        </p:blipFill>
-        <p:spPr>
-          <a:xfrm>
-            <a:off x="2915815" y="5805264"/>
-            <a:ext cx="5655901" cy="648072"/>
-          </a:xfrm>
-          <a:prstGeom prst="rect">
-            <a:avLst/>
-          </a:prstGeom>
-        </p:spPr>
-      </p:pic>
-    </p:spTree>
-    <p:extLst>
-      <p:ext uri="{BB962C8B-B14F-4D97-AF65-F5344CB8AC3E}">
-        <p14:creationId xmlns:p14="http://schemas.microsoft.com/office/powerpoint/2010/main" val="3591549803"/>
-      </p:ext>
-    </p:extLst>
-  </p:cSld>
-  <p:clrMapOvr>
-    <a:masterClrMapping/>
-  </p:clrMapOvr>
-</p:sld>
-</file>
-
 <file path=ppt/slides/slide4.xml><?xml version="1.0" encoding="utf-8"?>
 <p:sld xmlns:a="http://schemas.openxmlformats.org/drawingml/2006/main" xmlns:r="http://schemas.openxmlformats.org/officeDocument/2006/relationships" xmlns:p="http://schemas.openxmlformats.org/presentationml/2006/main">
   <p:cSld>
@@ -6271,7 +6350,7 @@
           <a:p>
             <a:r>
               <a:rPr lang="fr-FR" dirty="0"/>
-              <a:t>Mécanisme détaillé d’instanciation</a:t>
+              <a:t>Constructeur, destructeur</a:t>
             </a:r>
           </a:p>
         </p:txBody>
@@ -6293,33 +6372,6 @@
           <a:p>
             <a:r>
               <a:rPr lang="fr-FR" dirty="0"/>
-              <a:t>En python une classe est également un objet</a:t>
-            </a:r>
-          </a:p>
-          <a:p>
-            <a:pPr lvl="1"/>
-            <a:r>
-              <a:rPr lang="fr-FR" dirty="0"/>
-              <a:t>Tout est objet en Python</a:t>
-            </a:r>
-          </a:p>
-          <a:p>
-            <a:r>
-              <a:rPr lang="fr-FR" dirty="0"/>
-              <a:t>Lors de l’instanciation d’une classe Python appel 2 méthodes dans l’ordre suivant</a:t>
-            </a:r>
-          </a:p>
-          <a:p>
-            <a:pPr lvl="1"/>
-            <a:r>
-              <a:rPr lang="fr-FR" dirty="0"/>
-              <a:t>__new__()</a:t>
-            </a:r>
-          </a:p>
-          <a:p>
-            <a:pPr lvl="1"/>
-            <a:r>
-              <a:rPr lang="fr-FR" dirty="0"/>
               <a:t>__</a:t>
             </a:r>
             <a:r>
@@ -6328,18 +6380,89 @@
             </a:r>
             <a:r>
               <a:rPr lang="fr-FR" dirty="0"/>
-              <a:t>__(self)</a:t>
-            </a:r>
-          </a:p>
-          <a:p>
-            <a:endParaRPr lang="fr-FR" dirty="0"/>
+              <a:t>__</a:t>
+            </a:r>
+          </a:p>
+          <a:p>
+            <a:pPr lvl="1"/>
+            <a:r>
+              <a:rPr lang="fr-FR" dirty="0" err="1"/>
+              <a:t>Initialisateur</a:t>
+            </a:r>
+            <a:r>
+              <a:rPr lang="fr-FR" dirty="0"/>
+              <a:t>, est appelé par __new__</a:t>
+            </a:r>
+          </a:p>
+          <a:p>
+            <a:r>
+              <a:rPr lang="fr-FR" dirty="0"/>
+              <a:t>__</a:t>
+            </a:r>
+            <a:r>
+              <a:rPr lang="fr-FR" dirty="0" err="1"/>
+              <a:t>del</a:t>
+            </a:r>
+            <a:r>
+              <a:rPr lang="fr-FR" dirty="0"/>
+              <a:t>__ : destructeur</a:t>
+            </a:r>
+          </a:p>
+          <a:p>
+            <a:pPr lvl="1"/>
+            <a:r>
+              <a:rPr lang="fr-FR" dirty="0"/>
+              <a:t>Dernière méthode appelée avant destruction</a:t>
+            </a:r>
+          </a:p>
+          <a:p>
+            <a:pPr lvl="1"/>
+            <a:r>
+              <a:rPr lang="fr-FR" dirty="0" err="1"/>
+              <a:t>Garbage</a:t>
+            </a:r>
+            <a:r>
+              <a:rPr lang="fr-FR" dirty="0"/>
+              <a:t> collector</a:t>
+            </a:r>
+          </a:p>
+          <a:p>
+            <a:pPr lvl="1"/>
+            <a:r>
+              <a:rPr lang="fr-FR" dirty="0"/>
+              <a:t>Non immédiat</a:t>
+            </a:r>
           </a:p>
         </p:txBody>
       </p:sp>
+      <p:pic>
+        <p:nvPicPr>
+          <p:cNvPr id="4" name="Image 3"/>
+          <p:cNvPicPr>
+            <a:picLocks noChangeAspect="1"/>
+          </p:cNvPicPr>
+          <p:nvPr/>
+        </p:nvPicPr>
+        <p:blipFill>
+          <a:blip r:embed="rId2"/>
+          <a:stretch>
+            <a:fillRect/>
+          </a:stretch>
+        </p:blipFill>
+        <p:spPr>
+          <a:xfrm>
+            <a:off x="2915815" y="5805264"/>
+            <a:ext cx="5655901" cy="648072"/>
+          </a:xfrm>
+          <a:prstGeom prst="rect">
+            <a:avLst/>
+          </a:prstGeom>
+        </p:spPr>
+      </p:pic>
     </p:spTree>
     <p:extLst>
       <p:ext uri="{BB962C8B-B14F-4D97-AF65-F5344CB8AC3E}">
-        <p14:creationId xmlns:p14="http://schemas.microsoft.com/office/powerpoint/2010/main" val="2369298512"/>
+        <p14:creationId xmlns:p14="http://schemas.microsoft.com/office/powerpoint/2010/main" val="3591549803"/>
       </p:ext>
     </p:extLst>
   </p:cSld>
@@ -6383,7 +6506,7 @@
           <a:p>
             <a:r>
               <a:rPr lang="fr-FR" dirty="0"/>
-              <a:t>__new__</a:t>
+              <a:t>Mécanisme détaillé d’instanciation</a:t>
             </a:r>
           </a:p>
         </p:txBody>
@@ -6405,13 +6528,34 @@
           <a:p>
             <a:r>
               <a:rPr lang="fr-FR" dirty="0"/>
-              <a:t>__new__ est le constructeur réel de la classe</a:t>
-            </a:r>
-          </a:p>
-          <a:p>
-            <a:r>
-              <a:rPr lang="fr-FR" dirty="0"/>
-              <a:t>Si __new__ renvoie une instance de classe, il créé le paramètre self pour le passer à __</a:t>
+              <a:t>En python une classe est également un objet</a:t>
+            </a:r>
+          </a:p>
+          <a:p>
+            <a:pPr lvl="1"/>
+            <a:r>
+              <a:rPr lang="fr-FR" dirty="0"/>
+              <a:t>Tout est objet en Python</a:t>
+            </a:r>
+          </a:p>
+          <a:p>
+            <a:r>
+              <a:rPr lang="fr-FR" dirty="0"/>
+              <a:t>Lors de l’instanciation d’une classe Python appel 2 méthodes dans l’ordre suivant</a:t>
+            </a:r>
+          </a:p>
+          <a:p>
+            <a:pPr lvl="1"/>
+            <a:r>
+              <a:rPr lang="fr-FR" dirty="0"/>
+              <a:t>__new__()</a:t>
+            </a:r>
+          </a:p>
+          <a:p>
+            <a:pPr lvl="1"/>
+            <a:r>
+              <a:rPr lang="fr-FR" dirty="0"/>
+              <a:t>__</a:t>
             </a:r>
             <a:r>
               <a:rPr lang="fr-FR" dirty="0" err="1"/>
@@ -6419,20 +6563,8 @@
             </a:r>
             <a:r>
               <a:rPr lang="fr-FR" dirty="0"/>
-              <a:t>__</a:t>
-            </a:r>
-          </a:p>
-          <a:p>
-            <a:r>
-              <a:rPr lang="fr-FR" dirty="0"/>
-              <a:t>Sinon c’est un appel statique</a:t>
-            </a:r>
-          </a:p>
-          <a:p>
-            <a:pPr marL="0" indent="0">
-              <a:buNone/>
-            </a:pPr>
-            <a:endParaRPr lang="fr-FR" dirty="0"/>
+              <a:t>__(self)</a:t>
+            </a:r>
           </a:p>
           <a:p>
             <a:endParaRPr lang="fr-FR" dirty="0"/>
@@ -6442,7 +6574,7 @@
     </p:spTree>
     <p:extLst>
       <p:ext uri="{BB962C8B-B14F-4D97-AF65-F5344CB8AC3E}">
-        <p14:creationId xmlns:p14="http://schemas.microsoft.com/office/powerpoint/2010/main" val="2158930288"/>
+        <p14:creationId xmlns:p14="http://schemas.microsoft.com/office/powerpoint/2010/main" val="2369298512"/>
       </p:ext>
     </p:extLst>
   </p:cSld>
@@ -6485,10 +6617,9 @@
           <a:lstStyle/>
           <a:p>
             <a:r>
-              <a:rPr lang="fr-FR" dirty="0" err="1"/>
-              <a:t>Métaclasse</a:t>
-            </a:r>
-            <a:endParaRPr lang="fr-FR" dirty="0"/>
+              <a:rPr lang="fr-FR" dirty="0"/>
+              <a:t>__new__</a:t>
+            </a:r>
           </a:p>
         </p:txBody>
       </p:sp>
@@ -6509,73 +6640,33 @@
           <a:p>
             <a:r>
               <a:rPr lang="fr-FR" dirty="0"/>
-              <a:t>Les classes sont toutes modelées par rapport à la </a:t>
+              <a:t>__new__ est le constructeur réel de la classe</a:t>
+            </a:r>
+          </a:p>
+          <a:p>
+            <a:r>
+              <a:rPr lang="fr-FR" dirty="0"/>
+              <a:t>Si __new__ renvoie une instance de classe, il créé le paramètre self pour le passer à __</a:t>
             </a:r>
             <a:r>
               <a:rPr lang="fr-FR" dirty="0" err="1"/>
-              <a:t>métaclasse</a:t>
-            </a:r>
-            <a:r>
-              <a:rPr lang="fr-FR" dirty="0"/>
-              <a:t> type</a:t>
-            </a:r>
-          </a:p>
-          <a:p>
-            <a:pPr lvl="1"/>
-            <a:r>
-              <a:rPr lang="fr-FR" dirty="0"/>
-              <a:t>Lors de l’exécution de __new__</a:t>
-            </a:r>
-          </a:p>
-          <a:p>
-            <a:r>
-              <a:rPr lang="fr-FR" dirty="0"/>
-              <a:t>Il s’agit de l’implémentation de l’interpréteur Python</a:t>
-            </a:r>
-          </a:p>
-          <a:p>
-            <a:r>
-              <a:rPr lang="fr-FR" dirty="0"/>
-              <a:t>Il est possible de changer la </a:t>
-            </a:r>
-            <a:r>
-              <a:rPr lang="fr-FR" dirty="0" err="1"/>
-              <a:t>métaclasse</a:t>
-            </a:r>
-            <a:endParaRPr lang="fr-FR" dirty="0"/>
-          </a:p>
-          <a:p>
-            <a:pPr lvl="1"/>
-            <a:r>
-              <a:rPr lang="fr-FR" dirty="0"/>
-              <a:t>class </a:t>
-            </a:r>
-            <a:r>
-              <a:rPr lang="fr-FR" dirty="0" err="1"/>
-              <a:t>AbstractClass</a:t>
-            </a:r>
-            <a:r>
-              <a:rPr lang="fr-FR" dirty="0"/>
-              <a:t>(</a:t>
-            </a:r>
-            <a:r>
-              <a:rPr lang="fr-FR" dirty="0" err="1"/>
-              <a:t>metaclass</a:t>
-            </a:r>
-            <a:r>
-              <a:rPr lang="fr-FR" dirty="0"/>
-              <a:t>=</a:t>
-            </a:r>
-            <a:r>
-              <a:rPr lang="fr-FR" dirty="0" err="1"/>
-              <a:t>abc.ABCMeta</a:t>
-            </a:r>
-            <a:r>
-              <a:rPr lang="fr-FR" dirty="0"/>
-              <a:t>)</a:t>
-            </a:r>
-          </a:p>
-          <a:p>
+              <a:t>init</a:t>
+            </a:r>
+            <a:r>
+              <a:rPr lang="fr-FR" dirty="0"/>
+              <a:t>__</a:t>
+            </a:r>
+          </a:p>
+          <a:p>
+            <a:r>
+              <a:rPr lang="fr-FR" dirty="0"/>
+              <a:t>Sinon c’est un appel statique</a:t>
+            </a:r>
+          </a:p>
+          <a:p>
+            <a:pPr marL="0" indent="0">
+              <a:buNone/>
+            </a:pPr>
             <a:endParaRPr lang="fr-FR" dirty="0"/>
           </a:p>
           <a:p>
@@ -6586,7 +6677,7 @@
     </p:spTree>
     <p:extLst>
       <p:ext uri="{BB962C8B-B14F-4D97-AF65-F5344CB8AC3E}">
-        <p14:creationId xmlns:p14="http://schemas.microsoft.com/office/powerpoint/2010/main" val="3237066092"/>
+        <p14:creationId xmlns:p14="http://schemas.microsoft.com/office/powerpoint/2010/main" val="2158930288"/>
       </p:ext>
     </p:extLst>
   </p:cSld>
@@ -6630,7 +6721,7 @@
           <a:p>
             <a:r>
               <a:rPr lang="fr-FR" dirty="0" err="1"/>
-              <a:t>MyPy</a:t>
+              <a:t>Métaclasse</a:t>
             </a:r>
             <a:endParaRPr lang="fr-FR" dirty="0"/>
           </a:p>
@@ -6653,89 +6744,84 @@
           <a:p>
             <a:r>
               <a:rPr lang="fr-FR" dirty="0"/>
-              <a:t>Python fortement typé</a:t>
-            </a:r>
-          </a:p>
-          <a:p>
-            <a:r>
-              <a:rPr lang="fr-FR" dirty="0" err="1"/>
-              <a:t>From</a:t>
-            </a:r>
-            <a:r>
-              <a:rPr lang="fr-FR" dirty="0"/>
-              <a:t> </a:t>
-            </a:r>
-            <a:r>
-              <a:rPr lang="fr-FR" dirty="0" err="1"/>
-              <a:t>typing</a:t>
-            </a:r>
-            <a:r>
-              <a:rPr lang="fr-FR"/>
-              <a:t> import *</a:t>
-            </a:r>
-            <a:endParaRPr lang="fr-FR" dirty="0"/>
-          </a:p>
-          <a:p>
-            <a:r>
-              <a:rPr lang="fr-FR" dirty="0"/>
-              <a:t>Extensions *.</a:t>
-            </a:r>
-            <a:r>
-              <a:rPr lang="fr-FR" dirty="0" err="1"/>
-              <a:t>pyi</a:t>
-            </a:r>
-            <a:endParaRPr lang="fr-FR" dirty="0"/>
-          </a:p>
-          <a:p>
-            <a:pPr lvl="1"/>
-            <a:r>
-              <a:rPr lang="fr-FR" dirty="0"/>
-              <a:t>Généralise le </a:t>
-            </a:r>
-            <a:r>
-              <a:rPr lang="fr-FR" dirty="0" err="1"/>
-              <a:t>isinstance</a:t>
-            </a:r>
-            <a:r>
-              <a:rPr lang="fr-FR" dirty="0"/>
-              <a:t> par </a:t>
+              <a:t>Les classes sont toutes modelées par rapport à la </a:t>
             </a:r>
             <a:r>
               <a:rPr lang="fr-FR" dirty="0" err="1"/>
               <a:t>métaclasse</a:t>
             </a:r>
+            <a:r>
+              <a:rPr lang="fr-FR" dirty="0"/>
+              <a:t> type</a:t>
+            </a:r>
+          </a:p>
+          <a:p>
+            <a:pPr lvl="1"/>
+            <a:r>
+              <a:rPr lang="fr-FR" dirty="0"/>
+              <a:t>Lors de l’exécution de __new__</a:t>
+            </a:r>
+          </a:p>
+          <a:p>
+            <a:r>
+              <a:rPr lang="fr-FR" dirty="0"/>
+              <a:t>Il s’agit de l’implémentation de l’interpréteur Python</a:t>
+            </a:r>
+          </a:p>
+          <a:p>
+            <a:r>
+              <a:rPr lang="fr-FR" dirty="0"/>
+              <a:t>Il est possible de changer la </a:t>
+            </a:r>
+            <a:r>
+              <a:rPr lang="fr-FR" dirty="0" err="1"/>
+              <a:t>métaclasse</a:t>
+            </a:r>
+            <a:endParaRPr lang="fr-FR" dirty="0"/>
+          </a:p>
+          <a:p>
+            <a:pPr lvl="1"/>
+            <a:r>
+              <a:rPr lang="fr-FR" dirty="0"/>
+              <a:t>class </a:t>
+            </a:r>
+            <a:r>
+              <a:rPr lang="fr-FR" dirty="0" err="1"/>
+              <a:t>AbstractClass</a:t>
+            </a:r>
+            <a:r>
+              <a:rPr lang="fr-FR" dirty="0"/>
+              <a:t>(</a:t>
+            </a:r>
+            <a:r>
+              <a:rPr lang="fr-FR" dirty="0" err="1"/>
+              <a:t>metaclass</a:t>
+            </a:r>
+            <a:r>
+              <a:rPr lang="fr-FR" dirty="0"/>
+              <a:t>=</a:t>
+            </a:r>
+            <a:r>
+              <a:rPr lang="fr-FR" dirty="0" err="1"/>
+              <a:t>abc.ABCMeta</a:t>
+            </a:r>
+            <a:r>
+              <a:rPr lang="fr-FR" dirty="0"/>
+              <a:t>)</a:t>
+            </a:r>
+          </a:p>
+          <a:p>
+            <a:endParaRPr lang="fr-FR" dirty="0"/>
+          </a:p>
+          <a:p>
             <a:endParaRPr lang="fr-FR" dirty="0"/>
           </a:p>
         </p:txBody>
       </p:sp>
-      <p:pic>
-        <p:nvPicPr>
-          <p:cNvPr id="4" name="Image 3"/>
-          <p:cNvPicPr>
-            <a:picLocks noChangeAspect="1"/>
-          </p:cNvPicPr>
-          <p:nvPr/>
-        </p:nvPicPr>
-        <p:blipFill>
-          <a:blip r:embed="rId2"/>
-          <a:stretch>
-            <a:fillRect/>
-          </a:stretch>
-        </p:blipFill>
-        <p:spPr>
-          <a:xfrm>
-            <a:off x="1403648" y="3645024"/>
-            <a:ext cx="6577316" cy="2016224"/>
-          </a:xfrm>
-          <a:prstGeom prst="rect">
-            <a:avLst/>
-          </a:prstGeom>
-        </p:spPr>
-      </p:pic>
     </p:spTree>
     <p:extLst>
       <p:ext uri="{BB962C8B-B14F-4D97-AF65-F5344CB8AC3E}">
-        <p14:creationId xmlns:p14="http://schemas.microsoft.com/office/powerpoint/2010/main" val="804897276"/>
+        <p14:creationId xmlns:p14="http://schemas.microsoft.com/office/powerpoint/2010/main" val="3237066092"/>
       </p:ext>
     </p:extLst>
   </p:cSld>
@@ -6785,6 +6871,78 @@
           </a:p>
         </p:txBody>
       </p:sp>
+      <p:sp>
+        <p:nvSpPr>
+          <p:cNvPr id="3" name="Espace réservé du contenu 2"/>
+          <p:cNvSpPr>
+            <a:spLocks noGrp="1"/>
+          </p:cNvSpPr>
+          <p:nvPr>
+            <p:ph idx="1"/>
+          </p:nvPr>
+        </p:nvSpPr>
+        <p:spPr/>
+        <p:txBody>
+          <a:bodyPr/>
+          <a:lstStyle/>
+          <a:p>
+            <a:r>
+              <a:rPr lang="fr-FR" dirty="0"/>
+              <a:t>Python fortement typé</a:t>
+            </a:r>
+          </a:p>
+          <a:p>
+            <a:r>
+              <a:rPr lang="fr-FR" dirty="0" err="1"/>
+              <a:t>From</a:t>
+            </a:r>
+            <a:r>
+              <a:rPr lang="fr-FR" dirty="0"/>
+              <a:t> </a:t>
+            </a:r>
+            <a:r>
+              <a:rPr lang="fr-FR" dirty="0" err="1"/>
+              <a:t>typing</a:t>
+            </a:r>
+            <a:r>
+              <a:rPr lang="fr-FR"/>
+              <a:t> import *</a:t>
+            </a:r>
+            <a:endParaRPr lang="fr-FR" dirty="0"/>
+          </a:p>
+          <a:p>
+            <a:r>
+              <a:rPr lang="fr-FR" dirty="0"/>
+              <a:t>Extensions *.</a:t>
+            </a:r>
+            <a:r>
+              <a:rPr lang="fr-FR" dirty="0" err="1"/>
+              <a:t>pyi</a:t>
+            </a:r>
+            <a:endParaRPr lang="fr-FR" dirty="0"/>
+          </a:p>
+          <a:p>
+            <a:pPr lvl="1"/>
+            <a:r>
+              <a:rPr lang="fr-FR" dirty="0"/>
+              <a:t>Généralise le </a:t>
+            </a:r>
+            <a:r>
+              <a:rPr lang="fr-FR" dirty="0" err="1"/>
+              <a:t>isinstance</a:t>
+            </a:r>
+            <a:r>
+              <a:rPr lang="fr-FR" dirty="0"/>
+              <a:t> par </a:t>
+            </a:r>
+            <a:r>
+              <a:rPr lang="fr-FR" dirty="0" err="1"/>
+              <a:t>métaclasse</a:t>
+            </a:r>
+            <a:endParaRPr lang="fr-FR" dirty="0"/>
+          </a:p>
+        </p:txBody>
+      </p:sp>
       <p:pic>
         <p:nvPicPr>
           <p:cNvPr id="4" name="Image 3"/>
@@ -6801,8 +6959,8 @@
         </p:blipFill>
         <p:spPr>
           <a:xfrm>
-            <a:off x="0" y="2060848"/>
-            <a:ext cx="9144000" cy="2880319"/>
+            <a:off x="1403648" y="3645024"/>
+            <a:ext cx="6577316" cy="2016224"/>
           </a:xfrm>
           <a:prstGeom prst="rect">
             <a:avLst/>
@@ -6812,7 +6970,7 @@
     </p:spTree>
     <p:extLst>
       <p:ext uri="{BB962C8B-B14F-4D97-AF65-F5344CB8AC3E}">
-        <p14:creationId xmlns:p14="http://schemas.microsoft.com/office/powerpoint/2010/main" val="1672951942"/>
+        <p14:creationId xmlns:p14="http://schemas.microsoft.com/office/powerpoint/2010/main" val="804897276"/>
       </p:ext>
     </p:extLst>
   </p:cSld>
@@ -6855,39 +7013,10 @@
           <a:lstStyle/>
           <a:p>
             <a:r>
-              <a:rPr lang="fr-FR" dirty="0"/>
-              <a:t>__</a:t>
-            </a:r>
-            <a:r>
               <a:rPr lang="fr-FR" dirty="0" err="1"/>
-              <a:t>getattr</a:t>
-            </a:r>
-            <a:r>
-              <a:rPr lang="fr-FR" dirty="0"/>
-              <a:t>__</a:t>
-            </a:r>
-          </a:p>
-        </p:txBody>
-      </p:sp>
-      <p:sp>
-        <p:nvSpPr>
-          <p:cNvPr id="3" name="Espace réservé du contenu 2"/>
-          <p:cNvSpPr>
-            <a:spLocks noGrp="1"/>
-          </p:cNvSpPr>
-          <p:nvPr>
-            <p:ph idx="1"/>
-          </p:nvPr>
-        </p:nvSpPr>
-        <p:spPr/>
-        <p:txBody>
-          <a:bodyPr/>
-          <a:lstStyle/>
-          <a:p>
-            <a:r>
-              <a:rPr lang="fr-FR" dirty="0"/>
-              <a:t>C’est la méthode qui est appelée lorsque Python accède à un attribut</a:t>
-            </a:r>
+              <a:t>MyPy</a:t>
+            </a:r>
+            <a:endParaRPr lang="fr-FR" dirty="0"/>
           </a:p>
         </p:txBody>
       </p:sp>
@@ -6907,8 +7036,8 @@
         </p:blipFill>
         <p:spPr>
           <a:xfrm>
-            <a:off x="1822" y="2318568"/>
-            <a:ext cx="6586402" cy="4134797"/>
+            <a:off x="0" y="2060848"/>
+            <a:ext cx="9144000" cy="2880319"/>
           </a:xfrm>
           <a:prstGeom prst="rect">
             <a:avLst/>
@@ -6918,7 +7047,7 @@
     </p:spTree>
     <p:extLst>
       <p:ext uri="{BB962C8B-B14F-4D97-AF65-F5344CB8AC3E}">
-        <p14:creationId xmlns:p14="http://schemas.microsoft.com/office/powerpoint/2010/main" val="3643471913"/>
+        <p14:creationId xmlns:p14="http://schemas.microsoft.com/office/powerpoint/2010/main" val="1672951942"/>
       </p:ext>
     </p:extLst>
   </p:cSld>

--- a/PPT/Python15-Reflexion.pptx
+++ b/PPT/Python15-Reflexion.pptx
@@ -27,7 +27,7 @@
     <p:sldId id="273" r:id="rId15"/>
     <p:sldId id="274" r:id="rId16"/>
     <p:sldId id="275" r:id="rId17"/>
-    <p:sldId id="276" r:id="rId18"/>
+    <p:sldId id="294" r:id="rId18"/>
     <p:sldId id="285" r:id="rId19"/>
     <p:sldId id="286" r:id="rId20"/>
     <p:sldId id="287" r:id="rId21"/>
@@ -4831,7 +4831,13 @@
       </p:grpSpPr>
       <p:sp>
         <p:nvSpPr>
-          <p:cNvPr id="2" name="Titre 1"/>
+          <p:cNvPr id="2" name="Titre 1">
+            <a:extLst>
+              <a:ext uri="{FF2B5EF4-FFF2-40B4-BE49-F238E27FC236}">
+                <a16:creationId xmlns:a16="http://schemas.microsoft.com/office/drawing/2014/main" id="{41968886-441C-402F-8D43-6D0A3C7F6122}"/>
+              </a:ext>
+            </a:extLst>
+          </p:cNvPr>
           <p:cNvSpPr>
             <a:spLocks noGrp="1"/>
           </p:cNvSpPr>
@@ -4846,14 +4852,20 @@
           <a:p>
             <a:r>
               <a:rPr lang="fr-FR" dirty="0"/>
-              <a:t>Liste des attributs</a:t>
+              <a:t>Réflexion des data class</a:t>
             </a:r>
           </a:p>
         </p:txBody>
       </p:sp>
       <p:sp>
         <p:nvSpPr>
-          <p:cNvPr id="3" name="Espace réservé du contenu 2"/>
+          <p:cNvPr id="3" name="Espace réservé du contenu 2">
+            <a:extLst>
+              <a:ext uri="{FF2B5EF4-FFF2-40B4-BE49-F238E27FC236}">
+                <a16:creationId xmlns:a16="http://schemas.microsoft.com/office/drawing/2014/main" id="{CD96E8FC-D3AB-41AA-8890-94B4D6EC5540}"/>
+              </a:ext>
+            </a:extLst>
+          </p:cNvPr>
           <p:cNvSpPr>
             <a:spLocks noGrp="1"/>
           </p:cNvSpPr>
@@ -4868,97 +4880,138 @@
           <a:p>
             <a:r>
               <a:rPr lang="fr-FR" dirty="0"/>
-              <a:t>__</a:t>
-            </a:r>
-            <a:r>
-              <a:rPr lang="fr-FR" dirty="0" err="1"/>
-              <a:t>get_state</a:t>
-            </a:r>
-            <a:r>
-              <a:rPr lang="fr-FR" dirty="0"/>
-              <a:t>__(self)</a:t>
-            </a:r>
-          </a:p>
-          <a:p>
-            <a:pPr lvl="1"/>
-            <a:r>
-              <a:rPr lang="fr-FR" dirty="0"/>
-              <a:t>Renvoie le dictionnaire des attributs de la classe</a:t>
-            </a:r>
-          </a:p>
-          <a:p>
-            <a:r>
-              <a:rPr lang="fr-FR" dirty="0"/>
-              <a:t>__</a:t>
-            </a:r>
-            <a:r>
-              <a:rPr lang="fr-FR" dirty="0" err="1"/>
-              <a:t>set_state</a:t>
-            </a:r>
-            <a:r>
-              <a:rPr lang="fr-FR" dirty="0"/>
-              <a:t>__(self)</a:t>
-            </a:r>
-          </a:p>
-          <a:p>
-            <a:pPr lvl="1"/>
-            <a:r>
-              <a:rPr lang="fr-FR" dirty="0"/>
-              <a:t>Permet de modifier ce dictionnaire</a:t>
-            </a:r>
-          </a:p>
-          <a:p>
-            <a:pPr lvl="1"/>
-            <a:r>
-              <a:rPr lang="fr-FR" dirty="0"/>
-              <a:t>Utilisé par </a:t>
-            </a:r>
-            <a:r>
-              <a:rPr lang="fr-FR" dirty="0" err="1"/>
-              <a:t>Pickle</a:t>
-            </a:r>
-            <a:endParaRPr lang="fr-FR" dirty="0"/>
-          </a:p>
-          <a:p>
-            <a:r>
-              <a:rPr lang="fr-FR" dirty="0"/>
-              <a:t>__</a:t>
-            </a:r>
-            <a:r>
-              <a:rPr lang="fr-FR" dirty="0" err="1"/>
-              <a:t>dir</a:t>
-            </a:r>
-            <a:r>
-              <a:rPr lang="fr-FR" dirty="0"/>
-              <a:t>__(</a:t>
-            </a:r>
-            <a:r>
-              <a:rPr lang="fr-FR" dirty="0" err="1"/>
-              <a:t>object</a:t>
-            </a:r>
-            <a:r>
-              <a:rPr lang="fr-FR" dirty="0"/>
-              <a:t>)</a:t>
-            </a:r>
-          </a:p>
-          <a:p>
-            <a:pPr lvl="1"/>
-            <a:r>
-              <a:rPr lang="fr-FR" dirty="0"/>
-              <a:t>Permet de liste les attributs </a:t>
-            </a:r>
-            <a:r>
-              <a:rPr lang="fr-FR"/>
-              <a:t>d’une classe</a:t>
-            </a:r>
-            <a:endParaRPr lang="fr-FR" dirty="0"/>
+              <a:t>Les Data class possède des méthodes pour générer automatiquement de la réflexion</a:t>
+            </a:r>
+          </a:p>
+          <a:p>
+            <a:r>
+              <a:rPr lang="fr-FR" b="0" i="0" dirty="0">
+                <a:solidFill>
+                  <a:srgbClr val="000000"/>
+                </a:solidFill>
+                <a:effectLst/>
+                <a:latin typeface="Source Code Pro"/>
+              </a:rPr>
+              <a:t>@</a:t>
+            </a:r>
+            <a:r>
+              <a:rPr lang="fr-FR" b="0" i="0" dirty="0">
+                <a:solidFill>
+                  <a:srgbClr val="0086B3"/>
+                </a:solidFill>
+                <a:effectLst/>
+                <a:latin typeface="Source Code Pro"/>
+              </a:rPr>
+              <a:t>dataclass</a:t>
+            </a:r>
+            <a:r>
+              <a:rPr lang="fr-FR" b="0" i="0" dirty="0">
+                <a:solidFill>
+                  <a:srgbClr val="777777"/>
+                </a:solidFill>
+                <a:effectLst/>
+                <a:latin typeface="Source Code Pro"/>
+              </a:rPr>
+              <a:t>(</a:t>
+            </a:r>
+            <a:r>
+              <a:rPr lang="fr-FR" b="0" i="0" dirty="0">
+                <a:solidFill>
+                  <a:srgbClr val="000000"/>
+                </a:solidFill>
+                <a:effectLst/>
+                <a:latin typeface="Source Code Pro"/>
+              </a:rPr>
+              <a:t>init=</a:t>
+            </a:r>
+            <a:r>
+              <a:rPr lang="fr-FR" b="1" i="0" dirty="0">
+                <a:solidFill>
+                  <a:srgbClr val="34068A"/>
+                </a:solidFill>
+                <a:effectLst/>
+                <a:latin typeface="Source Code Pro"/>
+              </a:rPr>
+              <a:t>True</a:t>
+            </a:r>
+            <a:r>
+              <a:rPr lang="fr-FR" b="0" i="0" dirty="0">
+                <a:solidFill>
+                  <a:srgbClr val="000000"/>
+                </a:solidFill>
+                <a:effectLst/>
+                <a:latin typeface="Source Code Pro"/>
+              </a:rPr>
+              <a:t>, </a:t>
+            </a:r>
+            <a:r>
+              <a:rPr lang="fr-FR" b="0" i="0" dirty="0" err="1">
+                <a:solidFill>
+                  <a:srgbClr val="000000"/>
+                </a:solidFill>
+                <a:effectLst/>
+                <a:latin typeface="Source Code Pro"/>
+              </a:rPr>
+              <a:t>repr</a:t>
+            </a:r>
+            <a:r>
+              <a:rPr lang="fr-FR" b="0" i="0" dirty="0">
+                <a:solidFill>
+                  <a:srgbClr val="000000"/>
+                </a:solidFill>
+                <a:effectLst/>
+                <a:latin typeface="Source Code Pro"/>
+              </a:rPr>
+              <a:t>=</a:t>
+            </a:r>
+            <a:r>
+              <a:rPr lang="fr-FR" b="1" i="0" dirty="0" err="1">
+                <a:solidFill>
+                  <a:srgbClr val="34068A"/>
+                </a:solidFill>
+                <a:effectLst/>
+                <a:latin typeface="Source Code Pro"/>
+              </a:rPr>
+              <a:t>True</a:t>
+            </a:r>
+            <a:r>
+              <a:rPr lang="fr-FR" b="0" i="0" dirty="0">
+                <a:solidFill>
+                  <a:srgbClr val="000000"/>
+                </a:solidFill>
+                <a:effectLst/>
+                <a:latin typeface="Source Code Pro"/>
+              </a:rPr>
+              <a:t>, eq=</a:t>
+            </a:r>
+            <a:r>
+              <a:rPr lang="fr-FR" b="1" i="0" dirty="0" err="1">
+                <a:solidFill>
+                  <a:srgbClr val="34068A"/>
+                </a:solidFill>
+                <a:effectLst/>
+                <a:latin typeface="Source Code Pro"/>
+              </a:rPr>
+              <a:t>True</a:t>
+            </a:r>
+            <a:r>
+              <a:rPr lang="fr-FR" b="1" i="0">
+                <a:solidFill>
+                  <a:srgbClr val="34068A"/>
+                </a:solidFill>
+                <a:effectLst/>
+                <a:latin typeface="Source Code Pro"/>
+              </a:rPr>
+              <a:t>, …)</a:t>
+            </a:r>
+            <a:endParaRPr lang="fr-FR"/>
           </a:p>
         </p:txBody>
       </p:sp>
     </p:spTree>
     <p:extLst>
       <p:ext uri="{BB962C8B-B14F-4D97-AF65-F5344CB8AC3E}">
-        <p14:creationId xmlns:p14="http://schemas.microsoft.com/office/powerpoint/2010/main" val="713473702"/>
+        <p14:creationId xmlns:p14="http://schemas.microsoft.com/office/powerpoint/2010/main" val="578178287"/>
       </p:ext>
     </p:extLst>
   </p:cSld>

--- a/PPT/Python15-Reflexion.pptx
+++ b/PPT/Python15-Reflexion.pptx
@@ -5,10 +5,10 @@
     <p:sldMasterId id="2147483653" r:id="rId1"/>
   </p:sldMasterIdLst>
   <p:notesMasterIdLst>
-    <p:notesMasterId r:id="rId21"/>
+    <p:notesMasterId r:id="rId19"/>
   </p:notesMasterIdLst>
   <p:handoutMasterIdLst>
-    <p:handoutMasterId r:id="rId22"/>
+    <p:handoutMasterId r:id="rId20"/>
   </p:handoutMasterIdLst>
   <p:sldIdLst>
     <p:sldId id="264" r:id="rId2"/>
@@ -17,19 +17,17 @@
     <p:sldId id="288" r:id="rId5"/>
     <p:sldId id="289" r:id="rId6"/>
     <p:sldId id="290" r:id="rId7"/>
-    <p:sldId id="291" r:id="rId8"/>
-    <p:sldId id="292" r:id="rId9"/>
-    <p:sldId id="269" r:id="rId10"/>
-    <p:sldId id="270" r:id="rId11"/>
-    <p:sldId id="271" r:id="rId12"/>
-    <p:sldId id="282" r:id="rId13"/>
-    <p:sldId id="274" r:id="rId14"/>
-    <p:sldId id="275" r:id="rId15"/>
-    <p:sldId id="276" r:id="rId16"/>
-    <p:sldId id="285" r:id="rId17"/>
-    <p:sldId id="277" r:id="rId18"/>
-    <p:sldId id="278" r:id="rId19"/>
-    <p:sldId id="279" r:id="rId20"/>
+    <p:sldId id="269" r:id="rId8"/>
+    <p:sldId id="270" r:id="rId9"/>
+    <p:sldId id="271" r:id="rId10"/>
+    <p:sldId id="282" r:id="rId11"/>
+    <p:sldId id="274" r:id="rId12"/>
+    <p:sldId id="275" r:id="rId13"/>
+    <p:sldId id="276" r:id="rId14"/>
+    <p:sldId id="285" r:id="rId15"/>
+    <p:sldId id="277" r:id="rId16"/>
+    <p:sldId id="278" r:id="rId17"/>
+    <p:sldId id="279" r:id="rId18"/>
   </p:sldIdLst>
   <p:sldSz cx="9144000" cy="6858000" type="screen4x3"/>
   <p:notesSz cx="6648450" cy="9782175"/>
@@ -3815,7 +3813,7 @@
             </a:r>
             <a:r>
               <a:rPr lang="fr-FR" dirty="0" err="1" smtClean="0"/>
-              <a:t>setattr</a:t>
+              <a:t>dict</a:t>
             </a:r>
             <a:r>
               <a:rPr lang="fr-FR" dirty="0" smtClean="0"/>
@@ -3842,40 +3840,125 @@
           <a:p>
             <a:r>
               <a:rPr lang="fr-FR" dirty="0" smtClean="0"/>
-              <a:t>C’est la méthode qui est appelée lorsque Python accède à un attribut en écriture</a:t>
-            </a:r>
+              <a:t>Une classe est en fait un dictionnaire</a:t>
+            </a:r>
+          </a:p>
+          <a:p>
+            <a:r>
+              <a:rPr lang="fr-FR" dirty="0"/>
+              <a:t>self.__</a:t>
+            </a:r>
+            <a:r>
+              <a:rPr lang="fr-FR" dirty="0" err="1"/>
+              <a:t>dict</a:t>
+            </a:r>
+            <a:r>
+              <a:rPr lang="fr-FR" dirty="0"/>
+              <a:t>__[</a:t>
+            </a:r>
+            <a:r>
+              <a:rPr lang="fr-FR" dirty="0" err="1"/>
+              <a:t>name</a:t>
+            </a:r>
+            <a:r>
+              <a:rPr lang="fr-FR" dirty="0"/>
+              <a:t>] = </a:t>
+            </a:r>
+            <a:r>
+              <a:rPr lang="fr-FR" dirty="0" smtClean="0"/>
+              <a:t>value</a:t>
+            </a:r>
+          </a:p>
+          <a:p>
+            <a:pPr lvl="1"/>
+            <a:r>
+              <a:rPr lang="fr-FR" dirty="0" smtClean="0"/>
+              <a:t>Est équivalent à</a:t>
+            </a:r>
+          </a:p>
+          <a:p>
+            <a:pPr lvl="1"/>
+            <a:r>
+              <a:rPr lang="en-US" dirty="0"/>
+              <a:t>object.__</a:t>
+            </a:r>
+            <a:r>
+              <a:rPr lang="en-US" dirty="0" err="1"/>
+              <a:t>setattr</a:t>
+            </a:r>
+            <a:r>
+              <a:rPr lang="en-US" dirty="0"/>
+              <a:t>__(self, name, value</a:t>
+            </a:r>
+            <a:r>
+              <a:rPr lang="en-US" dirty="0" smtClean="0"/>
+              <a:t>)</a:t>
+            </a:r>
+          </a:p>
+          <a:p>
+            <a:r>
+              <a:rPr lang="en-US" dirty="0" smtClean="0"/>
+              <a:t>Les supers classes </a:t>
+            </a:r>
+            <a:r>
+              <a:rPr lang="en-US" dirty="0" err="1" smtClean="0"/>
+              <a:t>sont</a:t>
+            </a:r>
+            <a:r>
+              <a:rPr lang="en-US" dirty="0" smtClean="0"/>
+              <a:t> </a:t>
+            </a:r>
+            <a:r>
+              <a:rPr lang="en-US" dirty="0" err="1" smtClean="0"/>
+              <a:t>stockées</a:t>
+            </a:r>
+            <a:r>
+              <a:rPr lang="en-US" dirty="0" smtClean="0"/>
+              <a:t> </a:t>
+            </a:r>
+            <a:r>
+              <a:rPr lang="en-US" dirty="0" err="1" smtClean="0"/>
+              <a:t>dans</a:t>
+            </a:r>
+            <a:r>
+              <a:rPr lang="en-US" dirty="0" smtClean="0"/>
+              <a:t> </a:t>
+            </a:r>
+            <a:r>
+              <a:rPr lang="en-US" dirty="0" err="1" smtClean="0"/>
+              <a:t>une</a:t>
+            </a:r>
+            <a:r>
+              <a:rPr lang="en-US" dirty="0" smtClean="0"/>
+              <a:t> </a:t>
+            </a:r>
+            <a:r>
+              <a:rPr lang="en-US" dirty="0" err="1" smtClean="0"/>
+              <a:t>liste</a:t>
+            </a:r>
+            <a:r>
+              <a:rPr lang="en-US" dirty="0" smtClean="0"/>
+              <a:t> </a:t>
+            </a:r>
+            <a:r>
+              <a:rPr lang="en-US" dirty="0" err="1" smtClean="0"/>
+              <a:t>nommée</a:t>
+            </a:r>
+            <a:r>
+              <a:rPr lang="en-US" dirty="0" smtClean="0"/>
+              <a:t> __bases__</a:t>
+            </a:r>
+            <a:endParaRPr lang="fr-FR" dirty="0" smtClean="0"/>
+          </a:p>
+          <a:p>
             <a:endParaRPr lang="fr-FR" dirty="0"/>
           </a:p>
         </p:txBody>
       </p:sp>
-      <p:pic>
-        <p:nvPicPr>
-          <p:cNvPr id="5" name="Image 4"/>
-          <p:cNvPicPr>
-            <a:picLocks noChangeAspect="1"/>
-          </p:cNvPicPr>
-          <p:nvPr/>
-        </p:nvPicPr>
-        <p:blipFill>
-          <a:blip r:embed="rId2"/>
-          <a:stretch>
-            <a:fillRect/>
-          </a:stretch>
-        </p:blipFill>
-        <p:spPr>
-          <a:xfrm>
-            <a:off x="1547664" y="3068960"/>
-            <a:ext cx="6434878" cy="1292721"/>
-          </a:xfrm>
-          <a:prstGeom prst="rect">
-            <a:avLst/>
-          </a:prstGeom>
-        </p:spPr>
-      </p:pic>
     </p:spTree>
     <p:extLst>
       <p:ext uri="{BB962C8B-B14F-4D97-AF65-F5344CB8AC3E}">
-        <p14:creationId xmlns:p14="http://schemas.microsoft.com/office/powerpoint/2010/main" val="3326776791"/>
+        <p14:creationId xmlns:p14="http://schemas.microsoft.com/office/powerpoint/2010/main" val="3887820562"/>
       </p:ext>
     </p:extLst>
   </p:cSld>
@@ -3926,15 +4009,11 @@
           <a:p>
             <a:r>
               <a:rPr lang="fr-FR" dirty="0" smtClean="0"/>
-              <a:t>__</a:t>
+              <a:t>In et </a:t>
             </a:r>
             <a:r>
               <a:rPr lang="fr-FR" dirty="0" err="1" smtClean="0"/>
-              <a:t>delattr</a:t>
-            </a:r>
-            <a:r>
-              <a:rPr lang="fr-FR" dirty="0" smtClean="0"/>
-              <a:t>__</a:t>
+              <a:t>contains</a:t>
             </a:r>
             <a:endParaRPr lang="fr-FR" dirty="0"/>
           </a:p>
@@ -3956,8 +4035,102 @@
           <a:lstStyle/>
           <a:p>
             <a:r>
-              <a:rPr lang="fr-FR" dirty="0" smtClean="0"/>
-              <a:t>Méthode appelée pour effacer un attribut</a:t>
+              <a:rPr lang="fr-FR" dirty="0"/>
+              <a:t>Il existe une quatrième méthode, appelée __</a:t>
+            </a:r>
+            <a:r>
+              <a:rPr lang="fr-FR" dirty="0" err="1"/>
+              <a:t>contains</a:t>
+            </a:r>
+            <a:r>
+              <a:rPr lang="fr-FR" dirty="0"/>
+              <a:t>__, qui est utilisée quand on souhaite savoir si un objet se trouve dans </a:t>
+            </a:r>
+            <a:r>
+              <a:rPr lang="fr-FR" dirty="0" smtClean="0"/>
+              <a:t>une classe</a:t>
+            </a:r>
+          </a:p>
+          <a:p>
+            <a:endParaRPr lang="fr-FR" dirty="0"/>
+          </a:p>
+          <a:p>
+            <a:endParaRPr lang="fr-FR" dirty="0" smtClean="0"/>
+          </a:p>
+          <a:p>
+            <a:endParaRPr lang="fr-FR" dirty="0"/>
+          </a:p>
+          <a:p>
+            <a:r>
+              <a:rPr lang="fr-FR" dirty="0" smtClean="0"/>
+              <a:t>Nombre d’élément de la classe</a:t>
+            </a:r>
+          </a:p>
+          <a:p>
+            <a:pPr lvl="1"/>
+            <a:r>
+              <a:rPr lang="fr-FR" dirty="0" smtClean="0"/>
+              <a:t>Len()</a:t>
+            </a:r>
+          </a:p>
+          <a:p>
+            <a:pPr lvl="1"/>
+            <a:r>
+              <a:rPr lang="fr-FR" dirty="0" smtClean="0"/>
+              <a:t>Redéfinir __</a:t>
+            </a:r>
+            <a:r>
+              <a:rPr lang="fr-FR" dirty="0" err="1" smtClean="0"/>
+              <a:t>len</a:t>
+            </a:r>
+            <a:r>
+              <a:rPr lang="fr-FR" dirty="0" smtClean="0"/>
+              <a:t>__</a:t>
+            </a:r>
+          </a:p>
+          <a:p>
+            <a:pPr lvl="1"/>
+            <a:r>
+              <a:rPr lang="fr-FR" dirty="0" smtClean="0"/>
+              <a:t>Len(</a:t>
+            </a:r>
+            <a:r>
+              <a:rPr lang="fr-FR" dirty="0" err="1" smtClean="0"/>
+              <a:t>object</a:t>
+            </a:r>
+            <a:r>
+              <a:rPr lang="fr-FR" dirty="0" smtClean="0"/>
+              <a:t>) </a:t>
+            </a:r>
+            <a:r>
+              <a:rPr lang="fr-FR" dirty="0" smtClean="0">
+                <a:sym typeface="Wingdings" panose="05000000000000000000" pitchFamily="2" charset="2"/>
+              </a:rPr>
+              <a:t> </a:t>
+            </a:r>
+            <a:r>
+              <a:rPr lang="fr-FR" dirty="0" err="1" smtClean="0">
+                <a:sym typeface="Wingdings" panose="05000000000000000000" pitchFamily="2" charset="2"/>
+              </a:rPr>
+              <a:t>object</a:t>
+            </a:r>
+            <a:r>
+              <a:rPr lang="fr-FR" dirty="0" smtClean="0">
+                <a:sym typeface="Wingdings" panose="05000000000000000000" pitchFamily="2" charset="2"/>
+              </a:rPr>
+              <a:t>.__</a:t>
+            </a:r>
+            <a:r>
+              <a:rPr lang="fr-FR" dirty="0" err="1" smtClean="0">
+                <a:sym typeface="Wingdings" panose="05000000000000000000" pitchFamily="2" charset="2"/>
+              </a:rPr>
+              <a:t>len</a:t>
+            </a:r>
+            <a:r>
+              <a:rPr lang="fr-FR" dirty="0" smtClean="0">
+                <a:sym typeface="Wingdings" panose="05000000000000000000" pitchFamily="2" charset="2"/>
+              </a:rPr>
+              <a:t>__</a:t>
             </a:r>
             <a:endParaRPr lang="fr-FR" dirty="0"/>
           </a:p>
@@ -3979,8 +4152,8 @@
         </p:blipFill>
         <p:spPr>
           <a:xfrm>
-            <a:off x="611560" y="2060848"/>
-            <a:ext cx="7592844" cy="936104"/>
+            <a:off x="1691680" y="3140968"/>
+            <a:ext cx="5829375" cy="936104"/>
           </a:xfrm>
           <a:prstGeom prst="rect">
             <a:avLst/>
@@ -3990,7 +4163,7 @@
     </p:spTree>
     <p:extLst>
       <p:ext uri="{BB962C8B-B14F-4D97-AF65-F5344CB8AC3E}">
-        <p14:creationId xmlns:p14="http://schemas.microsoft.com/office/powerpoint/2010/main" val="434229379"/>
+        <p14:creationId xmlns:p14="http://schemas.microsoft.com/office/powerpoint/2010/main" val="617469741"/>
       </p:ext>
     </p:extLst>
   </p:cSld>
@@ -4041,15 +4214,7 @@
           <a:p>
             <a:r>
               <a:rPr lang="fr-FR" dirty="0" smtClean="0"/>
-              <a:t>__</a:t>
-            </a:r>
-            <a:r>
-              <a:rPr lang="fr-FR" dirty="0" err="1" smtClean="0"/>
-              <a:t>dict</a:t>
-            </a:r>
-            <a:r>
-              <a:rPr lang="fr-FR" dirty="0" smtClean="0"/>
-              <a:t>__</a:t>
+              <a:t>Surcharge des opérateurs</a:t>
             </a:r>
             <a:endParaRPr lang="fr-FR" dirty="0"/>
           </a:p>
@@ -4065,132 +4230,190 @@
             <p:ph idx="1"/>
           </p:nvPr>
         </p:nvSpPr>
-        <p:spPr/>
+        <p:spPr>
+          <a:xfrm>
+            <a:off x="179512" y="1412776"/>
+            <a:ext cx="8640959" cy="5040560"/>
+          </a:xfrm>
+        </p:spPr>
         <p:txBody>
           <a:bodyPr/>
           <a:lstStyle/>
           <a:p>
             <a:r>
-              <a:rPr lang="fr-FR" dirty="0" smtClean="0"/>
-              <a:t>Une classe est en fait un dictionnaire</a:t>
-            </a:r>
-          </a:p>
-          <a:p>
-            <a:r>
-              <a:rPr lang="fr-FR" dirty="0"/>
-              <a:t>self.__</a:t>
-            </a:r>
-            <a:r>
-              <a:rPr lang="fr-FR" dirty="0" err="1"/>
-              <a:t>dict</a:t>
-            </a:r>
-            <a:r>
-              <a:rPr lang="fr-FR" dirty="0"/>
-              <a:t>__[</a:t>
-            </a:r>
-            <a:r>
-              <a:rPr lang="fr-FR" dirty="0" err="1"/>
-              <a:t>name</a:t>
-            </a:r>
-            <a:r>
-              <a:rPr lang="fr-FR" dirty="0"/>
-              <a:t>] = </a:t>
-            </a:r>
-            <a:r>
-              <a:rPr lang="fr-FR" dirty="0" smtClean="0"/>
-              <a:t>value</a:t>
-            </a:r>
-          </a:p>
-          <a:p>
-            <a:pPr lvl="1"/>
-            <a:r>
-              <a:rPr lang="fr-FR" dirty="0" smtClean="0"/>
-              <a:t>Est équivalent à</a:t>
-            </a:r>
-          </a:p>
-          <a:p>
-            <a:pPr lvl="1"/>
-            <a:r>
-              <a:rPr lang="en-US" dirty="0"/>
-              <a:t>object.__</a:t>
-            </a:r>
-            <a:r>
-              <a:rPr lang="en-US" dirty="0" err="1"/>
-              <a:t>setattr</a:t>
-            </a:r>
-            <a:r>
-              <a:rPr lang="en-US" dirty="0"/>
-              <a:t>__(self, name, value</a:t>
-            </a:r>
-            <a:r>
-              <a:rPr lang="en-US" dirty="0" smtClean="0"/>
-              <a:t>)</a:t>
-            </a:r>
-          </a:p>
-          <a:p>
-            <a:r>
-              <a:rPr lang="en-US" dirty="0" smtClean="0"/>
-              <a:t>Les supers classes </a:t>
-            </a:r>
-            <a:r>
-              <a:rPr lang="en-US" dirty="0" err="1" smtClean="0"/>
-              <a:t>sont</a:t>
-            </a:r>
-            <a:r>
-              <a:rPr lang="en-US" dirty="0" smtClean="0"/>
-              <a:t> </a:t>
-            </a:r>
-            <a:r>
-              <a:rPr lang="en-US" dirty="0" err="1" smtClean="0"/>
-              <a:t>stockées</a:t>
-            </a:r>
-            <a:r>
-              <a:rPr lang="en-US" dirty="0" smtClean="0"/>
-              <a:t> </a:t>
-            </a:r>
-            <a:r>
-              <a:rPr lang="en-US" dirty="0" err="1" smtClean="0"/>
-              <a:t>dans</a:t>
-            </a:r>
-            <a:r>
-              <a:rPr lang="en-US" dirty="0" smtClean="0"/>
-              <a:t> </a:t>
-            </a:r>
-            <a:r>
-              <a:rPr lang="en-US" dirty="0" err="1" smtClean="0"/>
-              <a:t>une</a:t>
-            </a:r>
-            <a:r>
-              <a:rPr lang="en-US" dirty="0" smtClean="0"/>
-              <a:t> </a:t>
-            </a:r>
-            <a:r>
-              <a:rPr lang="en-US" dirty="0" err="1" smtClean="0"/>
-              <a:t>liste</a:t>
-            </a:r>
-            <a:r>
-              <a:rPr lang="en-US" dirty="0" smtClean="0"/>
-              <a:t> </a:t>
-            </a:r>
-            <a:r>
-              <a:rPr lang="en-US" dirty="0" err="1" smtClean="0"/>
-              <a:t>nommée</a:t>
-            </a:r>
-            <a:r>
-              <a:rPr lang="en-US" dirty="0" smtClean="0"/>
-              <a:t> __bases__</a:t>
-            </a:r>
-            <a:endParaRPr lang="fr-FR" dirty="0" smtClean="0"/>
-          </a:p>
-          <a:p>
-            <a:endParaRPr lang="fr-FR" dirty="0"/>
+              <a:rPr lang="fr-FR" sz="2000" dirty="0" smtClean="0"/>
+              <a:t>__</a:t>
+            </a:r>
+            <a:r>
+              <a:rPr lang="fr-FR" sz="2000" dirty="0" err="1" smtClean="0"/>
+              <a:t>add</a:t>
+            </a:r>
+            <a:r>
+              <a:rPr lang="fr-FR" sz="2000" dirty="0" smtClean="0"/>
+              <a:t>__ </a:t>
+            </a:r>
+            <a:r>
+              <a:rPr lang="fr-FR" sz="2000" dirty="0"/>
+              <a:t>: surcharge de l'opérateur </a:t>
+            </a:r>
+            <a:r>
+              <a:rPr lang="fr-FR" sz="2000" dirty="0" smtClean="0"/>
+              <a:t>+ </a:t>
+            </a:r>
+          </a:p>
+          <a:p>
+            <a:r>
+              <a:rPr lang="fr-FR" sz="2000" dirty="0" smtClean="0"/>
+              <a:t>__</a:t>
+            </a:r>
+            <a:r>
+              <a:rPr lang="fr-FR" sz="2000" dirty="0" err="1" smtClean="0"/>
+              <a:t>sub</a:t>
+            </a:r>
+            <a:r>
+              <a:rPr lang="fr-FR" sz="2000" dirty="0" smtClean="0"/>
+              <a:t>__ : surcharge de l'opérateur - </a:t>
+            </a:r>
+            <a:endParaRPr lang="fr-FR" sz="2000" dirty="0"/>
+          </a:p>
+          <a:p>
+            <a:r>
+              <a:rPr lang="fr-FR" sz="2000" dirty="0"/>
+              <a:t>__</a:t>
+            </a:r>
+            <a:r>
+              <a:rPr lang="fr-FR" sz="2000" dirty="0" err="1"/>
+              <a:t>mul</a:t>
+            </a:r>
+            <a:r>
+              <a:rPr lang="fr-FR" sz="2000" dirty="0"/>
+              <a:t>__ : surcharge de l'opérateur * </a:t>
+            </a:r>
+          </a:p>
+          <a:p>
+            <a:r>
+              <a:rPr lang="fr-FR" sz="2000" dirty="0"/>
+              <a:t>__</a:t>
+            </a:r>
+            <a:r>
+              <a:rPr lang="fr-FR" sz="2000" dirty="0" err="1"/>
+              <a:t>truediv</a:t>
+            </a:r>
+            <a:r>
+              <a:rPr lang="fr-FR" sz="2000" dirty="0"/>
+              <a:t>__ : surcharge de l'opérateur / </a:t>
+            </a:r>
+          </a:p>
+          <a:p>
+            <a:r>
+              <a:rPr lang="fr-FR" sz="2000" dirty="0" smtClean="0"/>
+              <a:t>__le__ </a:t>
+            </a:r>
+            <a:r>
+              <a:rPr lang="fr-FR" sz="2000" dirty="0"/>
+              <a:t>: surcharge de </a:t>
+            </a:r>
+            <a:r>
+              <a:rPr lang="fr-FR" sz="2000"/>
+              <a:t>l'opérateur </a:t>
+            </a:r>
+            <a:r>
+              <a:rPr lang="fr-FR" sz="2000" smtClean="0"/>
+              <a:t>&lt;=</a:t>
+            </a:r>
+            <a:endParaRPr lang="fr-FR" sz="2000" dirty="0"/>
+          </a:p>
+          <a:p>
+            <a:r>
+              <a:rPr lang="fr-FR" sz="2000" dirty="0" smtClean="0"/>
+              <a:t>__</a:t>
+            </a:r>
+            <a:r>
+              <a:rPr lang="fr-FR" sz="2000" dirty="0" err="1" smtClean="0"/>
+              <a:t>lt</a:t>
+            </a:r>
+            <a:r>
+              <a:rPr lang="fr-FR" sz="2000" dirty="0" smtClean="0"/>
+              <a:t>__ </a:t>
+            </a:r>
+            <a:r>
+              <a:rPr lang="fr-FR" sz="2000" dirty="0"/>
+              <a:t>: surcharge de l'opérateur </a:t>
+            </a:r>
+            <a:r>
+              <a:rPr lang="fr-FR" sz="2000" dirty="0" smtClean="0"/>
+              <a:t>&lt;</a:t>
+            </a:r>
+          </a:p>
+          <a:p>
+            <a:r>
+              <a:rPr lang="fr-FR" sz="2000" dirty="0" smtClean="0"/>
+              <a:t>__</a:t>
+            </a:r>
+            <a:r>
+              <a:rPr lang="fr-FR" sz="2000" dirty="0" err="1"/>
+              <a:t>pow</a:t>
+            </a:r>
+            <a:r>
+              <a:rPr lang="fr-FR" sz="2000" dirty="0"/>
+              <a:t>__ : surcharge de l'opérateur ** (puissance) </a:t>
+            </a:r>
+            <a:r>
+              <a:rPr lang="fr-FR" sz="2000" dirty="0" smtClean="0"/>
+              <a:t>;</a:t>
+            </a:r>
+          </a:p>
+          <a:p>
+            <a:r>
+              <a:rPr lang="fr-FR" sz="2000" dirty="0" smtClean="0"/>
+              <a:t>__</a:t>
+            </a:r>
+            <a:r>
+              <a:rPr lang="fr-FR" sz="2000" dirty="0" err="1" smtClean="0"/>
+              <a:t>eq</a:t>
+            </a:r>
+            <a:r>
+              <a:rPr lang="fr-FR" sz="2000" dirty="0" smtClean="0"/>
+              <a:t>__ : ==</a:t>
+            </a:r>
+          </a:p>
+          <a:p>
+            <a:r>
+              <a:rPr lang="fr-FR" sz="2000" dirty="0" smtClean="0"/>
+              <a:t>__ne__ : !=</a:t>
+            </a:r>
+            <a:endParaRPr lang="fr-FR" sz="2000" dirty="0"/>
           </a:p>
         </p:txBody>
       </p:sp>
+      <p:pic>
+        <p:nvPicPr>
+          <p:cNvPr id="5" name="Image 4"/>
+          <p:cNvPicPr>
+            <a:picLocks noChangeAspect="1"/>
+          </p:cNvPicPr>
+          <p:nvPr/>
+        </p:nvPicPr>
+        <p:blipFill>
+          <a:blip r:embed="rId2"/>
+          <a:stretch>
+            <a:fillRect/>
+          </a:stretch>
+        </p:blipFill>
+        <p:spPr>
+          <a:xfrm>
+            <a:off x="3260600" y="4002956"/>
+            <a:ext cx="5883400" cy="2450380"/>
+          </a:xfrm>
+          <a:prstGeom prst="rect">
+            <a:avLst/>
+          </a:prstGeom>
+        </p:spPr>
+      </p:pic>
     </p:spTree>
     <p:extLst>
       <p:ext uri="{BB962C8B-B14F-4D97-AF65-F5344CB8AC3E}">
-        <p14:creationId xmlns:p14="http://schemas.microsoft.com/office/powerpoint/2010/main" val="3887820562"/>
+        <p14:creationId xmlns:p14="http://schemas.microsoft.com/office/powerpoint/2010/main" val="3261323662"/>
       </p:ext>
     </p:extLst>
   </p:cSld>
@@ -4241,11 +4464,7 @@
           <a:p>
             <a:r>
               <a:rPr lang="fr-FR" dirty="0" smtClean="0"/>
-              <a:t>In et </a:t>
-            </a:r>
-            <a:r>
-              <a:rPr lang="fr-FR" dirty="0" err="1" smtClean="0"/>
-              <a:t>contains</a:t>
+              <a:t>Liste des attributs</a:t>
             </a:r>
             <a:endParaRPr lang="fr-FR" dirty="0"/>
           </a:p>
@@ -4267,64 +4486,70 @@
           <a:lstStyle/>
           <a:p>
             <a:r>
-              <a:rPr lang="fr-FR" dirty="0"/>
-              <a:t>Il existe une quatrième méthode, appelée __</a:t>
-            </a:r>
-            <a:r>
-              <a:rPr lang="fr-FR" dirty="0" err="1"/>
-              <a:t>contains</a:t>
-            </a:r>
-            <a:r>
-              <a:rPr lang="fr-FR" dirty="0"/>
-              <a:t>__, qui est utilisée quand on souhaite savoir si un objet se trouve dans </a:t>
-            </a:r>
-            <a:r>
-              <a:rPr lang="fr-FR" dirty="0" smtClean="0"/>
-              <a:t>une classe</a:t>
-            </a:r>
-          </a:p>
-          <a:p>
-            <a:endParaRPr lang="fr-FR" dirty="0"/>
-          </a:p>
-          <a:p>
+              <a:rPr lang="fr-FR" dirty="0" smtClean="0"/>
+              <a:t>__</a:t>
+            </a:r>
+            <a:r>
+              <a:rPr lang="fr-FR" dirty="0" err="1" smtClean="0"/>
+              <a:t>get_state</a:t>
+            </a:r>
+            <a:r>
+              <a:rPr lang="fr-FR" dirty="0" smtClean="0"/>
+              <a:t>__(self)</a:t>
+            </a:r>
+          </a:p>
+          <a:p>
+            <a:pPr lvl="1"/>
+            <a:r>
+              <a:rPr lang="fr-FR" dirty="0" smtClean="0"/>
+              <a:t>Renvoie le dictionnaire des attributs de la classe</a:t>
+            </a:r>
+          </a:p>
+          <a:p>
+            <a:r>
+              <a:rPr lang="fr-FR" dirty="0" smtClean="0"/>
+              <a:t>__</a:t>
+            </a:r>
+            <a:r>
+              <a:rPr lang="fr-FR" dirty="0" err="1" smtClean="0"/>
+              <a:t>set_state</a:t>
+            </a:r>
+            <a:r>
+              <a:rPr lang="fr-FR" dirty="0" smtClean="0"/>
+              <a:t>__(self)</a:t>
+            </a:r>
+          </a:p>
+          <a:p>
+            <a:pPr lvl="1"/>
+            <a:r>
+              <a:rPr lang="fr-FR" dirty="0" smtClean="0"/>
+              <a:t>Permet de modifier ce dictionnaire</a:t>
+            </a:r>
+          </a:p>
+          <a:p>
+            <a:pPr lvl="1"/>
+            <a:r>
+              <a:rPr lang="fr-FR" dirty="0" smtClean="0"/>
+              <a:t>Utilisé par </a:t>
+            </a:r>
+            <a:r>
+              <a:rPr lang="fr-FR" dirty="0" err="1" smtClean="0"/>
+              <a:t>Pickle</a:t>
+            </a:r>
             <a:endParaRPr lang="fr-FR" dirty="0" smtClean="0"/>
           </a:p>
           <a:p>
-            <a:endParaRPr lang="fr-FR" dirty="0"/>
-          </a:p>
-          <a:p>
-            <a:r>
-              <a:rPr lang="fr-FR" dirty="0" smtClean="0"/>
-              <a:t>Nombre d’élément de la classe</a:t>
-            </a:r>
-          </a:p>
-          <a:p>
-            <a:pPr lvl="1"/>
-            <a:r>
-              <a:rPr lang="fr-FR" dirty="0" smtClean="0"/>
-              <a:t>Len()</a:t>
-            </a:r>
-          </a:p>
-          <a:p>
-            <a:pPr lvl="1"/>
-            <a:r>
-              <a:rPr lang="fr-FR" dirty="0" smtClean="0"/>
-              <a:t>Redéfinir __</a:t>
+            <a:r>
+              <a:rPr lang="fr-FR" dirty="0" smtClean="0"/>
+              <a:t>__</a:t>
             </a:r>
             <a:r>
               <a:rPr lang="fr-FR" dirty="0" err="1" smtClean="0"/>
-              <a:t>len</a:t>
-            </a:r>
-            <a:r>
-              <a:rPr lang="fr-FR" dirty="0" smtClean="0"/>
-              <a:t>__</a:t>
-            </a:r>
-          </a:p>
-          <a:p>
-            <a:pPr lvl="1"/>
-            <a:r>
-              <a:rPr lang="fr-FR" dirty="0" smtClean="0"/>
-              <a:t>Len(</a:t>
+              <a:t>dir</a:t>
+            </a:r>
+            <a:r>
+              <a:rPr lang="fr-FR" dirty="0" smtClean="0"/>
+              <a:t>__(</a:t>
             </a:r>
             <a:r>
               <a:rPr lang="fr-FR" dirty="0" err="1" smtClean="0"/>
@@ -4332,70 +4557,27 @@
             </a:r>
             <a:r>
               <a:rPr lang="fr-FR" dirty="0" smtClean="0"/>
-              <a:t>) </a:t>
-            </a:r>
-            <a:r>
-              <a:rPr lang="fr-FR" dirty="0" smtClean="0">
-                <a:sym typeface="Wingdings" panose="05000000000000000000" pitchFamily="2" charset="2"/>
-              </a:rPr>
-              <a:t> </a:t>
-            </a:r>
-            <a:r>
-              <a:rPr lang="fr-FR" dirty="0" err="1" smtClean="0">
-                <a:sym typeface="Wingdings" panose="05000000000000000000" pitchFamily="2" charset="2"/>
-              </a:rPr>
-              <a:t>object</a:t>
-            </a:r>
-            <a:r>
-              <a:rPr lang="fr-FR" dirty="0" smtClean="0">
-                <a:sym typeface="Wingdings" panose="05000000000000000000" pitchFamily="2" charset="2"/>
-              </a:rPr>
-              <a:t>.__</a:t>
-            </a:r>
-            <a:r>
-              <a:rPr lang="fr-FR" dirty="0" err="1" smtClean="0">
-                <a:sym typeface="Wingdings" panose="05000000000000000000" pitchFamily="2" charset="2"/>
-              </a:rPr>
-              <a:t>len</a:t>
-            </a:r>
-            <a:r>
-              <a:rPr lang="fr-FR" dirty="0" smtClean="0">
-                <a:sym typeface="Wingdings" panose="05000000000000000000" pitchFamily="2" charset="2"/>
-              </a:rPr>
-              <a:t>__</a:t>
-            </a:r>
-            <a:endParaRPr lang="fr-FR" dirty="0"/>
+              <a:t>)</a:t>
+            </a:r>
+          </a:p>
+          <a:p>
+            <a:pPr lvl="1"/>
+            <a:r>
+              <a:rPr lang="fr-FR" dirty="0" smtClean="0"/>
+              <a:t>Permet de liste les attributs </a:t>
+            </a:r>
+            <a:r>
+              <a:rPr lang="fr-FR" smtClean="0"/>
+              <a:t>d’une classe</a:t>
+            </a:r>
+            <a:endParaRPr lang="fr-FR" dirty="0" smtClean="0"/>
           </a:p>
         </p:txBody>
       </p:sp>
-      <p:pic>
-        <p:nvPicPr>
-          <p:cNvPr id="4" name="Image 3"/>
-          <p:cNvPicPr>
-            <a:picLocks noChangeAspect="1"/>
-          </p:cNvPicPr>
-          <p:nvPr/>
-        </p:nvPicPr>
-        <p:blipFill>
-          <a:blip r:embed="rId2"/>
-          <a:stretch>
-            <a:fillRect/>
-          </a:stretch>
-        </p:blipFill>
-        <p:spPr>
-          <a:xfrm>
-            <a:off x="1691680" y="3140968"/>
-            <a:ext cx="5829375" cy="936104"/>
-          </a:xfrm>
-          <a:prstGeom prst="rect">
-            <a:avLst/>
-          </a:prstGeom>
-        </p:spPr>
-      </p:pic>
     </p:spTree>
     <p:extLst>
       <p:ext uri="{BB962C8B-B14F-4D97-AF65-F5344CB8AC3E}">
-        <p14:creationId xmlns:p14="http://schemas.microsoft.com/office/powerpoint/2010/main" val="617469741"/>
+        <p14:creationId xmlns:p14="http://schemas.microsoft.com/office/powerpoint/2010/main" val="713473702"/>
       </p:ext>
     </p:extLst>
   </p:cSld>
@@ -4445,8 +4627,8 @@
           <a:lstStyle/>
           <a:p>
             <a:r>
-              <a:rPr lang="fr-FR" dirty="0" smtClean="0"/>
-              <a:t>Surcharge des opérateurs</a:t>
+              <a:rPr lang="fr-FR" dirty="0" err="1" smtClean="0"/>
+              <a:t>Map</a:t>
             </a:r>
             <a:endParaRPr lang="fr-FR" dirty="0"/>
           </a:p>
@@ -4462,190 +4644,60 @@
             <p:ph idx="1"/>
           </p:nvPr>
         </p:nvSpPr>
-        <p:spPr>
-          <a:xfrm>
-            <a:off x="179512" y="1412776"/>
-            <a:ext cx="8640959" cy="5040560"/>
-          </a:xfrm>
-        </p:spPr>
+        <p:spPr/>
         <p:txBody>
           <a:bodyPr/>
           <a:lstStyle/>
           <a:p>
             <a:r>
-              <a:rPr lang="fr-FR" sz="2000" dirty="0" smtClean="0"/>
-              <a:t>__</a:t>
-            </a:r>
-            <a:r>
-              <a:rPr lang="fr-FR" sz="2000" dirty="0" err="1" smtClean="0"/>
-              <a:t>add</a:t>
-            </a:r>
-            <a:r>
-              <a:rPr lang="fr-FR" sz="2000" dirty="0" smtClean="0"/>
-              <a:t>__ </a:t>
-            </a:r>
-            <a:r>
-              <a:rPr lang="fr-FR" sz="2000" dirty="0"/>
-              <a:t>: surcharge de l'opérateur </a:t>
-            </a:r>
-            <a:r>
-              <a:rPr lang="fr-FR" sz="2000" dirty="0" smtClean="0"/>
-              <a:t>+ </a:t>
-            </a:r>
-          </a:p>
-          <a:p>
-            <a:r>
-              <a:rPr lang="fr-FR" sz="2000" dirty="0" smtClean="0"/>
-              <a:t>__</a:t>
-            </a:r>
-            <a:r>
-              <a:rPr lang="fr-FR" sz="2000" dirty="0" err="1" smtClean="0"/>
-              <a:t>sub</a:t>
-            </a:r>
-            <a:r>
-              <a:rPr lang="fr-FR" sz="2000" dirty="0" smtClean="0"/>
-              <a:t>__ : surcharge de l'opérateur - </a:t>
-            </a:r>
-            <a:endParaRPr lang="fr-FR" sz="2000" dirty="0"/>
-          </a:p>
-          <a:p>
-            <a:r>
-              <a:rPr lang="fr-FR" sz="2000" dirty="0"/>
-              <a:t>__</a:t>
-            </a:r>
-            <a:r>
-              <a:rPr lang="fr-FR" sz="2000" dirty="0" err="1"/>
-              <a:t>mul</a:t>
-            </a:r>
-            <a:r>
-              <a:rPr lang="fr-FR" sz="2000" dirty="0"/>
-              <a:t>__ : surcharge de l'opérateur * </a:t>
-            </a:r>
-          </a:p>
-          <a:p>
-            <a:r>
-              <a:rPr lang="fr-FR" sz="2000" dirty="0"/>
-              <a:t>__</a:t>
-            </a:r>
-            <a:r>
-              <a:rPr lang="fr-FR" sz="2000" dirty="0" err="1"/>
-              <a:t>truediv</a:t>
-            </a:r>
-            <a:r>
-              <a:rPr lang="fr-FR" sz="2000" dirty="0"/>
-              <a:t>__ : surcharge de l'opérateur / </a:t>
-            </a:r>
-          </a:p>
-          <a:p>
-            <a:r>
-              <a:rPr lang="fr-FR" sz="2000" dirty="0" smtClean="0"/>
-              <a:t>__le__ </a:t>
-            </a:r>
-            <a:r>
-              <a:rPr lang="fr-FR" sz="2000" dirty="0"/>
-              <a:t>: surcharge de </a:t>
-            </a:r>
-            <a:r>
-              <a:rPr lang="fr-FR" sz="2000"/>
-              <a:t>l'opérateur </a:t>
-            </a:r>
-            <a:r>
-              <a:rPr lang="fr-FR" sz="2000" smtClean="0"/>
-              <a:t>&lt;=</a:t>
-            </a:r>
-            <a:endParaRPr lang="fr-FR" sz="2000" dirty="0"/>
-          </a:p>
-          <a:p>
-            <a:r>
-              <a:rPr lang="fr-FR" sz="2000" dirty="0" smtClean="0"/>
-              <a:t>__</a:t>
-            </a:r>
-            <a:r>
-              <a:rPr lang="fr-FR" sz="2000" dirty="0" err="1" smtClean="0"/>
-              <a:t>lt</a:t>
-            </a:r>
-            <a:r>
-              <a:rPr lang="fr-FR" sz="2000" dirty="0" smtClean="0"/>
-              <a:t>__ </a:t>
-            </a:r>
-            <a:r>
-              <a:rPr lang="fr-FR" sz="2000" dirty="0"/>
-              <a:t>: surcharge de l'opérateur </a:t>
-            </a:r>
-            <a:r>
-              <a:rPr lang="fr-FR" sz="2000" dirty="0" smtClean="0"/>
-              <a:t>&lt;</a:t>
-            </a:r>
-          </a:p>
-          <a:p>
-            <a:r>
-              <a:rPr lang="fr-FR" sz="2000" dirty="0" smtClean="0"/>
-              <a:t>__</a:t>
-            </a:r>
-            <a:r>
-              <a:rPr lang="fr-FR" sz="2000" dirty="0" err="1"/>
-              <a:t>pow</a:t>
-            </a:r>
-            <a:r>
-              <a:rPr lang="fr-FR" sz="2000" dirty="0"/>
-              <a:t>__ : surcharge de l'opérateur ** (puissance) </a:t>
-            </a:r>
-            <a:r>
-              <a:rPr lang="fr-FR" sz="2000" dirty="0" smtClean="0"/>
-              <a:t>;</a:t>
-            </a:r>
-          </a:p>
-          <a:p>
-            <a:r>
-              <a:rPr lang="fr-FR" sz="2000" dirty="0" smtClean="0"/>
-              <a:t>__</a:t>
-            </a:r>
-            <a:r>
-              <a:rPr lang="fr-FR" sz="2000" dirty="0" err="1" smtClean="0"/>
-              <a:t>eq</a:t>
-            </a:r>
-            <a:r>
-              <a:rPr lang="fr-FR" sz="2000" dirty="0" smtClean="0"/>
-              <a:t>__ : ==</a:t>
-            </a:r>
-          </a:p>
-          <a:p>
-            <a:r>
-              <a:rPr lang="fr-FR" sz="2000" dirty="0" smtClean="0"/>
-              <a:t>__ne__ : !=</a:t>
-            </a:r>
-            <a:endParaRPr lang="fr-FR" sz="2000" dirty="0"/>
+              <a:rPr lang="fr-FR" dirty="0" err="1" smtClean="0"/>
+              <a:t>Map</a:t>
+            </a:r>
+            <a:r>
+              <a:rPr lang="fr-FR" dirty="0" smtClean="0"/>
+              <a:t> permet d’appliquer une fonction sur une collection</a:t>
+            </a:r>
+          </a:p>
+          <a:p>
+            <a:pPr lvl="1"/>
+            <a:r>
+              <a:rPr lang="en-US" dirty="0" smtClean="0"/>
+              <a:t>l= </a:t>
+            </a:r>
+            <a:r>
+              <a:rPr lang="en-US" dirty="0"/>
+              <a:t>["It's over 9000 !", "All your base are belong to us."]</a:t>
+            </a:r>
+          </a:p>
+          <a:p>
+            <a:pPr lvl="1"/>
+            <a:r>
+              <a:rPr lang="en-US" dirty="0"/>
+              <a:t>print(map(</a:t>
+            </a:r>
+            <a:r>
+              <a:rPr lang="en-US" dirty="0" err="1"/>
+              <a:t>unicode.upper</a:t>
+            </a:r>
+            <a:r>
+              <a:rPr lang="en-US" dirty="0"/>
+              <a:t>, </a:t>
+            </a:r>
+            <a:r>
+              <a:rPr lang="en-US" dirty="0" smtClean="0"/>
+              <a:t>l))</a:t>
+            </a:r>
+          </a:p>
+          <a:p>
+            <a:pPr lvl="1"/>
+            <a:endParaRPr lang="fr-FR" dirty="0"/>
           </a:p>
         </p:txBody>
       </p:sp>
-      <p:pic>
-        <p:nvPicPr>
-          <p:cNvPr id="5" name="Image 4"/>
-          <p:cNvPicPr>
-            <a:picLocks noChangeAspect="1"/>
-          </p:cNvPicPr>
-          <p:nvPr/>
-        </p:nvPicPr>
-        <p:blipFill>
-          <a:blip r:embed="rId2"/>
-          <a:stretch>
-            <a:fillRect/>
-          </a:stretch>
-        </p:blipFill>
-        <p:spPr>
-          <a:xfrm>
-            <a:off x="3260600" y="4002956"/>
-            <a:ext cx="5883400" cy="2450380"/>
-          </a:xfrm>
-          <a:prstGeom prst="rect">
-            <a:avLst/>
-          </a:prstGeom>
-        </p:spPr>
-      </p:pic>
     </p:spTree>
     <p:extLst>
       <p:ext uri="{BB962C8B-B14F-4D97-AF65-F5344CB8AC3E}">
-        <p14:creationId xmlns:p14="http://schemas.microsoft.com/office/powerpoint/2010/main" val="3261323662"/>
+        <p14:creationId xmlns:p14="http://schemas.microsoft.com/office/powerpoint/2010/main" val="3928039841"/>
       </p:ext>
     </p:extLst>
   </p:cSld>
@@ -4663,283 +4715,6 @@
 </file>
 
 <file path=ppt/slides/slide15.xml><?xml version="1.0" encoding="utf-8"?>
-<p:sld xmlns:a="http://schemas.openxmlformats.org/drawingml/2006/main" xmlns:r="http://schemas.openxmlformats.org/officeDocument/2006/relationships" xmlns:p="http://schemas.openxmlformats.org/presentationml/2006/main">
-  <p:cSld>
-    <p:spTree>
-      <p:nvGrpSpPr>
-        <p:cNvPr id="1" name=""/>
-        <p:cNvGrpSpPr/>
-        <p:nvPr/>
-      </p:nvGrpSpPr>
-      <p:grpSpPr>
-        <a:xfrm>
-          <a:off x="0" y="0"/>
-          <a:ext cx="0" cy="0"/>
-          <a:chOff x="0" y="0"/>
-          <a:chExt cx="0" cy="0"/>
-        </a:xfrm>
-      </p:grpSpPr>
-      <p:sp>
-        <p:nvSpPr>
-          <p:cNvPr id="2" name="Titre 1"/>
-          <p:cNvSpPr>
-            <a:spLocks noGrp="1"/>
-          </p:cNvSpPr>
-          <p:nvPr>
-            <p:ph type="title"/>
-          </p:nvPr>
-        </p:nvSpPr>
-        <p:spPr/>
-        <p:txBody>
-          <a:bodyPr/>
-          <a:lstStyle/>
-          <a:p>
-            <a:r>
-              <a:rPr lang="fr-FR" dirty="0" smtClean="0"/>
-              <a:t>Liste des attributs</a:t>
-            </a:r>
-            <a:endParaRPr lang="fr-FR" dirty="0"/>
-          </a:p>
-        </p:txBody>
-      </p:sp>
-      <p:sp>
-        <p:nvSpPr>
-          <p:cNvPr id="3" name="Espace réservé du contenu 2"/>
-          <p:cNvSpPr>
-            <a:spLocks noGrp="1"/>
-          </p:cNvSpPr>
-          <p:nvPr>
-            <p:ph idx="1"/>
-          </p:nvPr>
-        </p:nvSpPr>
-        <p:spPr/>
-        <p:txBody>
-          <a:bodyPr/>
-          <a:lstStyle/>
-          <a:p>
-            <a:r>
-              <a:rPr lang="fr-FR" dirty="0" smtClean="0"/>
-              <a:t>__</a:t>
-            </a:r>
-            <a:r>
-              <a:rPr lang="fr-FR" dirty="0" err="1" smtClean="0"/>
-              <a:t>get_state</a:t>
-            </a:r>
-            <a:r>
-              <a:rPr lang="fr-FR" dirty="0" smtClean="0"/>
-              <a:t>__(self)</a:t>
-            </a:r>
-          </a:p>
-          <a:p>
-            <a:pPr lvl="1"/>
-            <a:r>
-              <a:rPr lang="fr-FR" dirty="0" smtClean="0"/>
-              <a:t>Renvoie le dictionnaire des attributs de la classe</a:t>
-            </a:r>
-          </a:p>
-          <a:p>
-            <a:r>
-              <a:rPr lang="fr-FR" dirty="0" smtClean="0"/>
-              <a:t>__</a:t>
-            </a:r>
-            <a:r>
-              <a:rPr lang="fr-FR" dirty="0" err="1" smtClean="0"/>
-              <a:t>set_state</a:t>
-            </a:r>
-            <a:r>
-              <a:rPr lang="fr-FR" dirty="0" smtClean="0"/>
-              <a:t>__(self)</a:t>
-            </a:r>
-          </a:p>
-          <a:p>
-            <a:pPr lvl="1"/>
-            <a:r>
-              <a:rPr lang="fr-FR" dirty="0" smtClean="0"/>
-              <a:t>Permet de modifier ce dictionnaire</a:t>
-            </a:r>
-          </a:p>
-          <a:p>
-            <a:pPr lvl="1"/>
-            <a:r>
-              <a:rPr lang="fr-FR" dirty="0" smtClean="0"/>
-              <a:t>Utilisé par </a:t>
-            </a:r>
-            <a:r>
-              <a:rPr lang="fr-FR" dirty="0" err="1" smtClean="0"/>
-              <a:t>Pickle</a:t>
-            </a:r>
-            <a:endParaRPr lang="fr-FR" dirty="0" smtClean="0"/>
-          </a:p>
-          <a:p>
-            <a:r>
-              <a:rPr lang="fr-FR" dirty="0" smtClean="0"/>
-              <a:t>__</a:t>
-            </a:r>
-            <a:r>
-              <a:rPr lang="fr-FR" dirty="0" err="1" smtClean="0"/>
-              <a:t>dir</a:t>
-            </a:r>
-            <a:r>
-              <a:rPr lang="fr-FR" dirty="0" smtClean="0"/>
-              <a:t>__(</a:t>
-            </a:r>
-            <a:r>
-              <a:rPr lang="fr-FR" dirty="0" err="1" smtClean="0"/>
-              <a:t>object</a:t>
-            </a:r>
-            <a:r>
-              <a:rPr lang="fr-FR" dirty="0" smtClean="0"/>
-              <a:t>)</a:t>
-            </a:r>
-          </a:p>
-          <a:p>
-            <a:pPr lvl="1"/>
-            <a:r>
-              <a:rPr lang="fr-FR" dirty="0" smtClean="0"/>
-              <a:t>Permet de liste les attributs </a:t>
-            </a:r>
-            <a:r>
-              <a:rPr lang="fr-FR" smtClean="0"/>
-              <a:t>d’une classe</a:t>
-            </a:r>
-            <a:endParaRPr lang="fr-FR" dirty="0" smtClean="0"/>
-          </a:p>
-        </p:txBody>
-      </p:sp>
-    </p:spTree>
-    <p:extLst>
-      <p:ext uri="{BB962C8B-B14F-4D97-AF65-F5344CB8AC3E}">
-        <p14:creationId xmlns:p14="http://schemas.microsoft.com/office/powerpoint/2010/main" val="713473702"/>
-      </p:ext>
-    </p:extLst>
-  </p:cSld>
-  <p:clrMapOvr>
-    <a:masterClrMapping/>
-  </p:clrMapOvr>
-  <p:timing>
-    <p:tnLst>
-      <p:par>
-        <p:cTn id="1" dur="indefinite" restart="never" nodeType="tmRoot"/>
-      </p:par>
-    </p:tnLst>
-  </p:timing>
-</p:sld>
-</file>
-
-<file path=ppt/slides/slide16.xml><?xml version="1.0" encoding="utf-8"?>
-<p:sld xmlns:a="http://schemas.openxmlformats.org/drawingml/2006/main" xmlns:r="http://schemas.openxmlformats.org/officeDocument/2006/relationships" xmlns:p="http://schemas.openxmlformats.org/presentationml/2006/main">
-  <p:cSld>
-    <p:spTree>
-      <p:nvGrpSpPr>
-        <p:cNvPr id="1" name=""/>
-        <p:cNvGrpSpPr/>
-        <p:nvPr/>
-      </p:nvGrpSpPr>
-      <p:grpSpPr>
-        <a:xfrm>
-          <a:off x="0" y="0"/>
-          <a:ext cx="0" cy="0"/>
-          <a:chOff x="0" y="0"/>
-          <a:chExt cx="0" cy="0"/>
-        </a:xfrm>
-      </p:grpSpPr>
-      <p:sp>
-        <p:nvSpPr>
-          <p:cNvPr id="2" name="Titre 1"/>
-          <p:cNvSpPr>
-            <a:spLocks noGrp="1"/>
-          </p:cNvSpPr>
-          <p:nvPr>
-            <p:ph type="title"/>
-          </p:nvPr>
-        </p:nvSpPr>
-        <p:spPr/>
-        <p:txBody>
-          <a:bodyPr/>
-          <a:lstStyle/>
-          <a:p>
-            <a:r>
-              <a:rPr lang="fr-FR" dirty="0" err="1" smtClean="0"/>
-              <a:t>Map</a:t>
-            </a:r>
-            <a:endParaRPr lang="fr-FR" dirty="0"/>
-          </a:p>
-        </p:txBody>
-      </p:sp>
-      <p:sp>
-        <p:nvSpPr>
-          <p:cNvPr id="3" name="Espace réservé du contenu 2"/>
-          <p:cNvSpPr>
-            <a:spLocks noGrp="1"/>
-          </p:cNvSpPr>
-          <p:nvPr>
-            <p:ph idx="1"/>
-          </p:nvPr>
-        </p:nvSpPr>
-        <p:spPr/>
-        <p:txBody>
-          <a:bodyPr/>
-          <a:lstStyle/>
-          <a:p>
-            <a:r>
-              <a:rPr lang="fr-FR" dirty="0" err="1" smtClean="0"/>
-              <a:t>Map</a:t>
-            </a:r>
-            <a:r>
-              <a:rPr lang="fr-FR" dirty="0" smtClean="0"/>
-              <a:t> permet d’appliquer une fonction sur une collection</a:t>
-            </a:r>
-          </a:p>
-          <a:p>
-            <a:pPr lvl="1"/>
-            <a:r>
-              <a:rPr lang="en-US" dirty="0" smtClean="0"/>
-              <a:t>l= </a:t>
-            </a:r>
-            <a:r>
-              <a:rPr lang="en-US" dirty="0"/>
-              <a:t>["It's over 9000 !", "All your base are belong to us."]</a:t>
-            </a:r>
-          </a:p>
-          <a:p>
-            <a:pPr lvl="1"/>
-            <a:r>
-              <a:rPr lang="en-US" dirty="0"/>
-              <a:t>print(map(</a:t>
-            </a:r>
-            <a:r>
-              <a:rPr lang="en-US" dirty="0" err="1"/>
-              <a:t>unicode.upper</a:t>
-            </a:r>
-            <a:r>
-              <a:rPr lang="en-US" dirty="0"/>
-              <a:t>, </a:t>
-            </a:r>
-            <a:r>
-              <a:rPr lang="en-US" dirty="0" smtClean="0"/>
-              <a:t>l))</a:t>
-            </a:r>
-          </a:p>
-          <a:p>
-            <a:pPr lvl="1"/>
-            <a:endParaRPr lang="fr-FR" dirty="0"/>
-          </a:p>
-        </p:txBody>
-      </p:sp>
-    </p:spTree>
-    <p:extLst>
-      <p:ext uri="{BB962C8B-B14F-4D97-AF65-F5344CB8AC3E}">
-        <p14:creationId xmlns:p14="http://schemas.microsoft.com/office/powerpoint/2010/main" val="3928039841"/>
-      </p:ext>
-    </p:extLst>
-  </p:cSld>
-  <p:clrMapOvr>
-    <a:masterClrMapping/>
-  </p:clrMapOvr>
-</p:sld>
-</file>
-
-<file path=ppt/slides/slide17.xml><?xml version="1.0" encoding="utf-8"?>
 <p:sld xmlns:a="http://schemas.openxmlformats.org/drawingml/2006/main" xmlns:r="http://schemas.openxmlformats.org/officeDocument/2006/relationships" xmlns:p="http://schemas.openxmlformats.org/presentationml/2006/main">
   <p:cSld>
     <p:spTree>
@@ -5104,7 +4879,7 @@
 </p:sld>
 </file>
 
-<file path=ppt/slides/slide18.xml><?xml version="1.0" encoding="utf-8"?>
+<file path=ppt/slides/slide16.xml><?xml version="1.0" encoding="utf-8"?>
 <p:sld xmlns:a="http://schemas.openxmlformats.org/drawingml/2006/main" xmlns:r="http://schemas.openxmlformats.org/officeDocument/2006/relationships" xmlns:p="http://schemas.openxmlformats.org/presentationml/2006/main">
   <p:cSld>
     <p:spTree>
@@ -5238,7 +5013,7 @@
 </p:sld>
 </file>
 
-<file path=ppt/slides/slide19.xml><?xml version="1.0" encoding="utf-8"?>
+<file path=ppt/slides/slide17.xml><?xml version="1.0" encoding="utf-8"?>
 <p:sld xmlns:a="http://schemas.openxmlformats.org/drawingml/2006/main" xmlns:r="http://schemas.openxmlformats.org/officeDocument/2006/relationships" xmlns:p="http://schemas.openxmlformats.org/presentationml/2006/main">
   <p:cSld>
     <p:spTree>
@@ -5351,7 +5126,7 @@
               <a:t> </a:t>
             </a:r>
             <a:r>
-              <a:rPr lang="fr-FR" smtClean="0"/>
+              <a:rPr lang="fr-FR" dirty="0" err="1" smtClean="0"/>
               <a:t>async</a:t>
             </a:r>
             <a:endParaRPr lang="fr-FR" dirty="0"/>
@@ -6283,8 +6058,16 @@
           <a:lstStyle/>
           <a:p>
             <a:r>
+              <a:rPr lang="fr-FR" dirty="0" smtClean="0"/>
+              <a:t>__</a:t>
+            </a:r>
+            <a:r>
               <a:rPr lang="fr-FR" dirty="0" err="1" smtClean="0"/>
-              <a:t>MyPy</a:t>
+              <a:t>getattr</a:t>
+            </a:r>
+            <a:r>
+              <a:rPr lang="fr-FR" dirty="0" smtClean="0"/>
+              <a:t>__</a:t>
             </a:r>
             <a:endParaRPr lang="fr-FR" dirty="0"/>
           </a:p>
@@ -6307,56 +6090,7 @@
           <a:p>
             <a:r>
               <a:rPr lang="fr-FR" dirty="0" smtClean="0"/>
-              <a:t>Python fortement typé</a:t>
-            </a:r>
-          </a:p>
-          <a:p>
-            <a:r>
-              <a:rPr lang="fr-FR" dirty="0" err="1" smtClean="0"/>
-              <a:t>From</a:t>
-            </a:r>
-            <a:r>
-              <a:rPr lang="fr-FR" dirty="0" smtClean="0"/>
-              <a:t> </a:t>
-            </a:r>
-            <a:r>
-              <a:rPr lang="fr-FR" dirty="0" err="1" smtClean="0"/>
-              <a:t>typing</a:t>
-            </a:r>
-            <a:r>
-              <a:rPr lang="fr-FR" smtClean="0"/>
-              <a:t> import *</a:t>
-            </a:r>
-            <a:endParaRPr lang="fr-FR" dirty="0" smtClean="0"/>
-          </a:p>
-          <a:p>
-            <a:r>
-              <a:rPr lang="fr-FR" dirty="0" smtClean="0"/>
-              <a:t>Extensions *.</a:t>
-            </a:r>
-            <a:r>
-              <a:rPr lang="fr-FR" dirty="0" err="1" smtClean="0"/>
-              <a:t>pyi</a:t>
-            </a:r>
-            <a:endParaRPr lang="fr-FR" dirty="0" smtClean="0"/>
-          </a:p>
-          <a:p>
-            <a:pPr lvl="1"/>
-            <a:r>
-              <a:rPr lang="fr-FR" dirty="0" smtClean="0"/>
-              <a:t>Généralise le </a:t>
-            </a:r>
-            <a:r>
-              <a:rPr lang="fr-FR" dirty="0" err="1" smtClean="0"/>
-              <a:t>isinstance</a:t>
-            </a:r>
-            <a:r>
-              <a:rPr lang="fr-FR" dirty="0" smtClean="0"/>
-              <a:t> par </a:t>
-            </a:r>
-            <a:r>
-              <a:rPr lang="fr-FR" dirty="0" err="1" smtClean="0"/>
-              <a:t>métaclasse</a:t>
+              <a:t>C’est la méthode qui est appelée lorsque Python accède à un attribut</a:t>
             </a:r>
             <a:endParaRPr lang="fr-FR" dirty="0"/>
           </a:p>
@@ -6378,8 +6112,8 @@
         </p:blipFill>
         <p:spPr>
           <a:xfrm>
-            <a:off x="1403648" y="3645024"/>
-            <a:ext cx="6577316" cy="2016224"/>
+            <a:off x="1822" y="2318568"/>
+            <a:ext cx="6586402" cy="4134797"/>
           </a:xfrm>
           <a:prstGeom prst="rect">
             <a:avLst/>
@@ -6389,7 +6123,7 @@
     </p:spTree>
     <p:extLst>
       <p:ext uri="{BB962C8B-B14F-4D97-AF65-F5344CB8AC3E}">
-        <p14:creationId xmlns:p14="http://schemas.microsoft.com/office/powerpoint/2010/main" val="804897276"/>
+        <p14:creationId xmlns:p14="http://schemas.microsoft.com/office/powerpoint/2010/main" val="3643471913"/>
       </p:ext>
     </p:extLst>
   </p:cSld>
@@ -6439,8 +6173,39 @@
           <a:lstStyle/>
           <a:p>
             <a:r>
+              <a:rPr lang="fr-FR" dirty="0" smtClean="0"/>
+              <a:t>__</a:t>
+            </a:r>
+            <a:r>
               <a:rPr lang="fr-FR" dirty="0" err="1" smtClean="0"/>
-              <a:t>MyPy</a:t>
+              <a:t>setattr</a:t>
+            </a:r>
+            <a:r>
+              <a:rPr lang="fr-FR" dirty="0" smtClean="0"/>
+              <a:t>__</a:t>
+            </a:r>
+            <a:endParaRPr lang="fr-FR" dirty="0"/>
+          </a:p>
+        </p:txBody>
+      </p:sp>
+      <p:sp>
+        <p:nvSpPr>
+          <p:cNvPr id="3" name="Espace réservé du contenu 2"/>
+          <p:cNvSpPr>
+            <a:spLocks noGrp="1"/>
+          </p:cNvSpPr>
+          <p:nvPr>
+            <p:ph idx="1"/>
+          </p:nvPr>
+        </p:nvSpPr>
+        <p:spPr/>
+        <p:txBody>
+          <a:bodyPr/>
+          <a:lstStyle/>
+          <a:p>
+            <a:r>
+              <a:rPr lang="fr-FR" dirty="0" smtClean="0"/>
+              <a:t>C’est la méthode qui est appelée lorsque Python accède à un attribut en écriture</a:t>
             </a:r>
             <a:endParaRPr lang="fr-FR" dirty="0"/>
           </a:p>
@@ -6448,7 +6213,7 @@
       </p:sp>
       <p:pic>
         <p:nvPicPr>
-          <p:cNvPr id="4" name="Image 3"/>
+          <p:cNvPr id="5" name="Image 4"/>
           <p:cNvPicPr>
             <a:picLocks noChangeAspect="1"/>
           </p:cNvPicPr>
@@ -6462,8 +6227,8 @@
         </p:blipFill>
         <p:spPr>
           <a:xfrm>
-            <a:off x="0" y="2060848"/>
-            <a:ext cx="9144000" cy="2880319"/>
+            <a:off x="1547664" y="3068960"/>
+            <a:ext cx="6434878" cy="1292721"/>
           </a:xfrm>
           <a:prstGeom prst="rect">
             <a:avLst/>
@@ -6473,7 +6238,7 @@
     </p:spTree>
     <p:extLst>
       <p:ext uri="{BB962C8B-B14F-4D97-AF65-F5344CB8AC3E}">
-        <p14:creationId xmlns:p14="http://schemas.microsoft.com/office/powerpoint/2010/main" val="1672951942"/>
+        <p14:creationId xmlns:p14="http://schemas.microsoft.com/office/powerpoint/2010/main" val="3326776791"/>
       </p:ext>
     </p:extLst>
   </p:cSld>
@@ -6528,7 +6293,7 @@
             </a:r>
             <a:r>
               <a:rPr lang="fr-FR" dirty="0" err="1" smtClean="0"/>
-              <a:t>getattr</a:t>
+              <a:t>delattr</a:t>
             </a:r>
             <a:r>
               <a:rPr lang="fr-FR" dirty="0" smtClean="0"/>
@@ -6555,7 +6320,7 @@
           <a:p>
             <a:r>
               <a:rPr lang="fr-FR" dirty="0" smtClean="0"/>
-              <a:t>C’est la méthode qui est appelée lorsque Python accède à un attribut</a:t>
+              <a:t>Méthode appelée pour effacer un attribut</a:t>
             </a:r>
             <a:endParaRPr lang="fr-FR" dirty="0"/>
           </a:p>
@@ -6577,8 +6342,8 @@
         </p:blipFill>
         <p:spPr>
           <a:xfrm>
-            <a:off x="1822" y="2318568"/>
-            <a:ext cx="6586402" cy="4134797"/>
+            <a:off x="611560" y="2060848"/>
+            <a:ext cx="7592844" cy="936104"/>
           </a:xfrm>
           <a:prstGeom prst="rect">
             <a:avLst/>
@@ -6588,7 +6353,7 @@
     </p:spTree>
     <p:extLst>
       <p:ext uri="{BB962C8B-B14F-4D97-AF65-F5344CB8AC3E}">
-        <p14:creationId xmlns:p14="http://schemas.microsoft.com/office/powerpoint/2010/main" val="3643471913"/>
+        <p14:creationId xmlns:p14="http://schemas.microsoft.com/office/powerpoint/2010/main" val="434229379"/>
       </p:ext>
     </p:extLst>
   </p:cSld>
